--- a/table.pptx
+++ b/table.pptx
@@ -2231,15 +2231,15 @@
             <a:tbl>
               <a:tblPr/>
               <a:tblGrid>
-                <a:gridCol w="949110"/>
-                <a:gridCol w="773530"/>
-                <a:gridCol w="591674"/>
-                <a:gridCol w="773530"/>
-                <a:gridCol w="591674"/>
-                <a:gridCol w="773530"/>
-                <a:gridCol w="591674"/>
+                <a:gridCol w="866163"/>
+                <a:gridCol w="726599"/>
+                <a:gridCol w="563570"/>
+                <a:gridCol w="726599"/>
+                <a:gridCol w="563570"/>
+                <a:gridCol w="726599"/>
+                <a:gridCol w="563570"/>
               </a:tblGrid>
-              <a:tr h="509947">
+              <a:tr h="462026">
                 <a:tc gridSpan="7">
                   <a:txBody>
                     <a:bodyPr/>
@@ -2269,7 +2269,7 @@
                           <a:ea typeface="Merriweather"/>
                           <a:sym typeface="Merriweather"/>
                         </a:rPr>
-                        <a:t>Penguins in the Palmer Archipelago</a:t>
+                        <a:t>Data is courtesy of the {palmerpenguins} R package</a:t>
                       </a:r>
                     </a:p>
                   </a:txBody>
@@ -2330,7 +2330,7 @@
                           <a:ea typeface="Merriweather"/>
                           <a:sym typeface="Merriweather"/>
                         </a:rPr>
-                        <a:t>Penguins in the Palmer Archipelago</a:t>
+                        <a:t>Data is courtesy of the {palmerpenguins} R package</a:t>
                       </a:r>
                     </a:p>
                   </a:txBody>
@@ -2391,7 +2391,7 @@
                           <a:ea typeface="Merriweather"/>
                           <a:sym typeface="Merriweather"/>
                         </a:rPr>
-                        <a:t>Penguins in the Palmer Archipelago</a:t>
+                        <a:t>Data is courtesy of the {palmerpenguins} R package</a:t>
                       </a:r>
                     </a:p>
                   </a:txBody>
@@ -2452,7 +2452,7 @@
                           <a:ea typeface="Merriweather"/>
                           <a:sym typeface="Merriweather"/>
                         </a:rPr>
-                        <a:t>Penguins in the Palmer Archipelago</a:t>
+                        <a:t>Data is courtesy of the {palmerpenguins} R package</a:t>
                       </a:r>
                     </a:p>
                   </a:txBody>
@@ -2513,7 +2513,7 @@
                           <a:ea typeface="Merriweather"/>
                           <a:sym typeface="Merriweather"/>
                         </a:rPr>
-                        <a:t>Penguins in the Palmer Archipelago</a:t>
+                        <a:t>Data is courtesy of the {palmerpenguins} R package</a:t>
                       </a:r>
                     </a:p>
                   </a:txBody>
@@ -2574,7 +2574,7 @@
                           <a:ea typeface="Merriweather"/>
                           <a:sym typeface="Merriweather"/>
                         </a:rPr>
-                        <a:t>Penguins in the Palmer Archipelago</a:t>
+                        <a:t>Data is courtesy of the {palmerpenguins} R package</a:t>
                       </a:r>
                     </a:p>
                   </a:txBody>
@@ -2635,7 +2635,7 @@
                           <a:ea typeface="Merriweather"/>
                           <a:sym typeface="Merriweather"/>
                         </a:rPr>
-                        <a:t>Penguins in the Palmer Archipelago</a:t>
+                        <a:t>Data is courtesy of the {palmerpenguins} R package</a:t>
                       </a:r>
                     </a:p>
                   </a:txBody>
@@ -2668,7 +2668,7 @@
                   </a:tcPr>
                 </a:tc>
               </a:tr>
-              <a:tr h="390992">
+              <a:tr h="390173">
                 <a:tc gridSpan="7">
                   <a:txBody>
                     <a:bodyPr/>
@@ -2698,7 +2698,7 @@
                           <a:ea typeface="Arial"/>
                           <a:sym typeface="Arial"/>
                         </a:rPr>
-                        <a:t>Data is courtesy of the {palmerpenguins} R package</a:t>
+                        <a:t>Penguins in the Palmer Archipelago</a:t>
                       </a:r>
                     </a:p>
                   </a:txBody>
@@ -2755,7 +2755,7 @@
                           <a:ea typeface="Arial"/>
                           <a:sym typeface="Arial"/>
                         </a:rPr>
-                        <a:t>Data is courtesy of the {palmerpenguins} R package</a:t>
+                        <a:t>Penguins in the Palmer Archipelago</a:t>
                       </a:r>
                     </a:p>
                   </a:txBody>
@@ -2812,7 +2812,7 @@
                           <a:ea typeface="Arial"/>
                           <a:sym typeface="Arial"/>
                         </a:rPr>
-                        <a:t>Data is courtesy of the {palmerpenguins} R package</a:t>
+                        <a:t>Penguins in the Palmer Archipelago</a:t>
                       </a:r>
                     </a:p>
                   </a:txBody>
@@ -2869,7 +2869,7 @@
                           <a:ea typeface="Arial"/>
                           <a:sym typeface="Arial"/>
                         </a:rPr>
-                        <a:t>Data is courtesy of the {palmerpenguins} R package</a:t>
+                        <a:t>Penguins in the Palmer Archipelago</a:t>
                       </a:r>
                     </a:p>
                   </a:txBody>
@@ -2926,7 +2926,7 @@
                           <a:ea typeface="Arial"/>
                           <a:sym typeface="Arial"/>
                         </a:rPr>
-                        <a:t>Data is courtesy of the {palmerpenguins} R package</a:t>
+                        <a:t>Penguins in the Palmer Archipelago</a:t>
                       </a:r>
                     </a:p>
                   </a:txBody>
@@ -2983,7 +2983,7 @@
                           <a:ea typeface="Arial"/>
                           <a:sym typeface="Arial"/>
                         </a:rPr>
-                        <a:t>Data is courtesy of the {palmerpenguins} R package</a:t>
+                        <a:t>Penguins in the Palmer Archipelago</a:t>
                       </a:r>
                     </a:p>
                   </a:txBody>
@@ -3040,7 +3040,7 @@
                           <a:ea typeface="Arial"/>
                           <a:sym typeface="Arial"/>
                         </a:rPr>
-                        <a:t>Data is courtesy of the {palmerpenguins} R package</a:t>
+                        <a:t>Penguins in the Palmer Archipelago</a:t>
                       </a:r>
                     </a:p>
                   </a:txBody>
@@ -3069,7 +3069,7 @@
                   </a:tcPr>
                 </a:tc>
               </a:tr>
-              <a:tr h="395971">
+              <a:tr h="392492">
                 <a:tc>
                   <a:txBody>
                     <a:bodyPr/>
@@ -3094,10 +3094,10 @@
                               <a:alpha val="100000"/>
                             </a:srgbClr>
                           </a:solidFill>
-                          <a:latin typeface="DejaVu Sans"/>
-                          <a:cs typeface="DejaVu Sans"/>
-                          <a:ea typeface="DejaVu Sans"/>
-                          <a:sym typeface="DejaVu Sans"/>
+                          <a:latin typeface="Helvetica"/>
+                          <a:cs typeface="Helvetica"/>
+                          <a:ea typeface="Helvetica"/>
+                          <a:sym typeface="Helvetica"/>
                         </a:rPr>
                         <a:t/>
                       </a:r>
@@ -3151,10 +3151,10 @@
                               <a:alpha val="100000"/>
                             </a:srgbClr>
                           </a:solidFill>
-                          <a:latin typeface="DejaVu Sans"/>
-                          <a:cs typeface="DejaVu Sans"/>
-                          <a:ea typeface="DejaVu Sans"/>
-                          <a:sym typeface="DejaVu Sans"/>
+                          <a:latin typeface="Helvetica"/>
+                          <a:cs typeface="Helvetica"/>
+                          <a:ea typeface="Helvetica"/>
+                          <a:sym typeface="Helvetica"/>
                         </a:rPr>
                         <a:t>Adelie</a:t>
                       </a:r>
@@ -3208,10 +3208,10 @@
                               <a:alpha val="100000"/>
                             </a:srgbClr>
                           </a:solidFill>
-                          <a:latin typeface="DejaVu Sans"/>
-                          <a:cs typeface="DejaVu Sans"/>
-                          <a:ea typeface="DejaVu Sans"/>
-                          <a:sym typeface="DejaVu Sans"/>
+                          <a:latin typeface="Helvetica"/>
+                          <a:cs typeface="Helvetica"/>
+                          <a:ea typeface="Helvetica"/>
+                          <a:sym typeface="Helvetica"/>
                         </a:rPr>
                         <a:t>Adelie</a:t>
                       </a:r>
@@ -3265,10 +3265,10 @@
                               <a:alpha val="100000"/>
                             </a:srgbClr>
                           </a:solidFill>
-                          <a:latin typeface="DejaVu Sans"/>
-                          <a:cs typeface="DejaVu Sans"/>
-                          <a:ea typeface="DejaVu Sans"/>
-                          <a:sym typeface="DejaVu Sans"/>
+                          <a:latin typeface="Helvetica"/>
+                          <a:cs typeface="Helvetica"/>
+                          <a:ea typeface="Helvetica"/>
+                          <a:sym typeface="Helvetica"/>
                         </a:rPr>
                         <a:t>Chinstrap</a:t>
                       </a:r>
@@ -3322,10 +3322,10 @@
                               <a:alpha val="100000"/>
                             </a:srgbClr>
                           </a:solidFill>
-                          <a:latin typeface="DejaVu Sans"/>
-                          <a:cs typeface="DejaVu Sans"/>
-                          <a:ea typeface="DejaVu Sans"/>
-                          <a:sym typeface="DejaVu Sans"/>
+                          <a:latin typeface="Helvetica"/>
+                          <a:cs typeface="Helvetica"/>
+                          <a:ea typeface="Helvetica"/>
+                          <a:sym typeface="Helvetica"/>
                         </a:rPr>
                         <a:t>Chinstrap</a:t>
                       </a:r>
@@ -3379,10 +3379,10 @@
                               <a:alpha val="100000"/>
                             </a:srgbClr>
                           </a:solidFill>
-                          <a:latin typeface="DejaVu Sans"/>
-                          <a:cs typeface="DejaVu Sans"/>
-                          <a:ea typeface="DejaVu Sans"/>
-                          <a:sym typeface="DejaVu Sans"/>
+                          <a:latin typeface="Helvetica"/>
+                          <a:cs typeface="Helvetica"/>
+                          <a:ea typeface="Helvetica"/>
+                          <a:sym typeface="Helvetica"/>
                         </a:rPr>
                         <a:t>Gentoo</a:t>
                       </a:r>
@@ -3436,10 +3436,10 @@
                               <a:alpha val="100000"/>
                             </a:srgbClr>
                           </a:solidFill>
-                          <a:latin typeface="DejaVu Sans"/>
-                          <a:cs typeface="DejaVu Sans"/>
-                          <a:ea typeface="DejaVu Sans"/>
-                          <a:sym typeface="DejaVu Sans"/>
+                          <a:latin typeface="Helvetica"/>
+                          <a:cs typeface="Helvetica"/>
+                          <a:ea typeface="Helvetica"/>
+                          <a:sym typeface="Helvetica"/>
                         </a:rPr>
                         <a:t>Gentoo</a:t>
                       </a:r>
@@ -3470,7 +3470,7 @@
                   </a:tcPr>
                 </a:tc>
               </a:tr>
-              <a:tr h="368891">
+              <a:tr h="363570">
                 <a:tc>
                   <a:txBody>
                     <a:bodyPr/>
@@ -3495,10 +3495,10 @@
                               <a:alpha val="100000"/>
                             </a:srgbClr>
                           </a:solidFill>
-                          <a:latin typeface="DejaVu Sans"/>
-                          <a:cs typeface="DejaVu Sans"/>
-                          <a:ea typeface="DejaVu Sans"/>
-                          <a:sym typeface="DejaVu Sans"/>
+                          <a:latin typeface="Helvetica"/>
+                          <a:cs typeface="Helvetica"/>
+                          <a:ea typeface="Helvetica"/>
+                          <a:sym typeface="Helvetica"/>
                         </a:rPr>
                         <a:t>Year</a:t>
                       </a:r>
@@ -3556,10 +3556,10 @@
                               <a:alpha val="100000"/>
                             </a:srgbClr>
                           </a:solidFill>
-                          <a:latin typeface="DejaVu Sans"/>
-                          <a:cs typeface="DejaVu Sans"/>
-                          <a:ea typeface="DejaVu Sans"/>
-                          <a:sym typeface="DejaVu Sans"/>
+                          <a:latin typeface="Helvetica"/>
+                          <a:cs typeface="Helvetica"/>
+                          <a:ea typeface="Helvetica"/>
+                          <a:sym typeface="Helvetica"/>
                         </a:rPr>
                         <a:t>Female</a:t>
                       </a:r>
@@ -3617,10 +3617,10 @@
                               <a:alpha val="100000"/>
                             </a:srgbClr>
                           </a:solidFill>
-                          <a:latin typeface="DejaVu Sans"/>
-                          <a:cs typeface="DejaVu Sans"/>
-                          <a:ea typeface="DejaVu Sans"/>
-                          <a:sym typeface="DejaVu Sans"/>
+                          <a:latin typeface="Helvetica"/>
+                          <a:cs typeface="Helvetica"/>
+                          <a:ea typeface="Helvetica"/>
+                          <a:sym typeface="Helvetica"/>
                         </a:rPr>
                         <a:t>Male</a:t>
                       </a:r>
@@ -3678,10 +3678,10 @@
                               <a:alpha val="100000"/>
                             </a:srgbClr>
                           </a:solidFill>
-                          <a:latin typeface="DejaVu Sans"/>
-                          <a:cs typeface="DejaVu Sans"/>
-                          <a:ea typeface="DejaVu Sans"/>
-                          <a:sym typeface="DejaVu Sans"/>
+                          <a:latin typeface="Helvetica"/>
+                          <a:cs typeface="Helvetica"/>
+                          <a:ea typeface="Helvetica"/>
+                          <a:sym typeface="Helvetica"/>
                         </a:rPr>
                         <a:t>Female</a:t>
                       </a:r>
@@ -3739,10 +3739,10 @@
                               <a:alpha val="100000"/>
                             </a:srgbClr>
                           </a:solidFill>
-                          <a:latin typeface="DejaVu Sans"/>
-                          <a:cs typeface="DejaVu Sans"/>
-                          <a:ea typeface="DejaVu Sans"/>
-                          <a:sym typeface="DejaVu Sans"/>
+                          <a:latin typeface="Helvetica"/>
+                          <a:cs typeface="Helvetica"/>
+                          <a:ea typeface="Helvetica"/>
+                          <a:sym typeface="Helvetica"/>
                         </a:rPr>
                         <a:t>Male</a:t>
                       </a:r>
@@ -3800,10 +3800,10 @@
                               <a:alpha val="100000"/>
                             </a:srgbClr>
                           </a:solidFill>
-                          <a:latin typeface="DejaVu Sans"/>
-                          <a:cs typeface="DejaVu Sans"/>
-                          <a:ea typeface="DejaVu Sans"/>
-                          <a:sym typeface="DejaVu Sans"/>
+                          <a:latin typeface="Helvetica"/>
+                          <a:cs typeface="Helvetica"/>
+                          <a:ea typeface="Helvetica"/>
+                          <a:sym typeface="Helvetica"/>
                         </a:rPr>
                         <a:t>Female</a:t>
                       </a:r>
@@ -3861,10 +3861,10 @@
                               <a:alpha val="100000"/>
                             </a:srgbClr>
                           </a:solidFill>
-                          <a:latin typeface="DejaVu Sans"/>
-                          <a:cs typeface="DejaVu Sans"/>
-                          <a:ea typeface="DejaVu Sans"/>
-                          <a:sym typeface="DejaVu Sans"/>
+                          <a:latin typeface="Helvetica"/>
+                          <a:cs typeface="Helvetica"/>
+                          <a:ea typeface="Helvetica"/>
+                          <a:sym typeface="Helvetica"/>
                         </a:rPr>
                         <a:t>Male</a:t>
                       </a:r>
@@ -3899,7 +3899,7 @@
                   </a:tcPr>
                 </a:tc>
               </a:tr>
-              <a:tr h="372692">
+              <a:tr h="371650">
                 <a:tc gridSpan="7">
                   <a:txBody>
                     <a:bodyPr/>
@@ -4356,7 +4356,7 @@
                   </a:tcPr>
                 </a:tc>
               </a:tr>
-              <a:tr h="366435">
+              <a:tr h="361456">
                 <a:tc>
                   <a:txBody>
                     <a:bodyPr/>
@@ -4381,10 +4381,10 @@
                               <a:alpha val="100000"/>
                             </a:srgbClr>
                           </a:solidFill>
-                          <a:latin typeface="DejaVu Sans"/>
-                          <a:cs typeface="DejaVu Sans"/>
-                          <a:ea typeface="DejaVu Sans"/>
-                          <a:sym typeface="DejaVu Sans"/>
+                          <a:latin typeface="Helvetica"/>
+                          <a:cs typeface="Helvetica"/>
+                          <a:ea typeface="Helvetica"/>
+                          <a:sym typeface="Helvetica"/>
                         </a:rPr>
                         <a:t>2007</a:t>
                       </a:r>
@@ -4446,10 +4446,10 @@
                               <a:alpha val="100000"/>
                             </a:srgbClr>
                           </a:solidFill>
-                          <a:latin typeface="DejaVu Sans"/>
-                          <a:cs typeface="DejaVu Sans"/>
-                          <a:ea typeface="DejaVu Sans"/>
-                          <a:sym typeface="DejaVu Sans"/>
+                          <a:latin typeface="Helvetica"/>
+                          <a:cs typeface="Helvetica"/>
+                          <a:ea typeface="Helvetica"/>
+                          <a:sym typeface="Helvetica"/>
                         </a:rPr>
                         <a:t>5</a:t>
                       </a:r>
@@ -4507,10 +4507,10 @@
                               <a:alpha val="100000"/>
                             </a:srgbClr>
                           </a:solidFill>
-                          <a:latin typeface="DejaVu Sans"/>
-                          <a:cs typeface="DejaVu Sans"/>
-                          <a:ea typeface="DejaVu Sans"/>
-                          <a:sym typeface="DejaVu Sans"/>
+                          <a:latin typeface="Helvetica"/>
+                          <a:cs typeface="Helvetica"/>
+                          <a:ea typeface="Helvetica"/>
+                          <a:sym typeface="Helvetica"/>
                         </a:rPr>
                         <a:t>5</a:t>
                       </a:r>
@@ -4568,10 +4568,10 @@
                               <a:alpha val="100000"/>
                             </a:srgbClr>
                           </a:solidFill>
-                          <a:latin typeface="DejaVu Sans"/>
-                          <a:cs typeface="DejaVu Sans"/>
-                          <a:ea typeface="DejaVu Sans"/>
-                          <a:sym typeface="DejaVu Sans"/>
+                          <a:latin typeface="Helvetica"/>
+                          <a:cs typeface="Helvetica"/>
+                          <a:ea typeface="Helvetica"/>
+                          <a:sym typeface="Helvetica"/>
                         </a:rPr>
                         <a:t>-</a:t>
                       </a:r>
@@ -4629,10 +4629,10 @@
                               <a:alpha val="100000"/>
                             </a:srgbClr>
                           </a:solidFill>
-                          <a:latin typeface="DejaVu Sans"/>
-                          <a:cs typeface="DejaVu Sans"/>
-                          <a:ea typeface="DejaVu Sans"/>
-                          <a:sym typeface="DejaVu Sans"/>
+                          <a:latin typeface="Helvetica"/>
+                          <a:cs typeface="Helvetica"/>
+                          <a:ea typeface="Helvetica"/>
+                          <a:sym typeface="Helvetica"/>
                         </a:rPr>
                         <a:t>-</a:t>
                       </a:r>
@@ -4690,10 +4690,10 @@
                               <a:alpha val="100000"/>
                             </a:srgbClr>
                           </a:solidFill>
-                          <a:latin typeface="DejaVu Sans"/>
-                          <a:cs typeface="DejaVu Sans"/>
-                          <a:ea typeface="DejaVu Sans"/>
-                          <a:sym typeface="DejaVu Sans"/>
+                          <a:latin typeface="Helvetica"/>
+                          <a:cs typeface="Helvetica"/>
+                          <a:ea typeface="Helvetica"/>
+                          <a:sym typeface="Helvetica"/>
                         </a:rPr>
                         <a:t>16</a:t>
                       </a:r>
@@ -4751,10 +4751,10 @@
                               <a:alpha val="100000"/>
                             </a:srgbClr>
                           </a:solidFill>
-                          <a:latin typeface="DejaVu Sans"/>
-                          <a:cs typeface="DejaVu Sans"/>
-                          <a:ea typeface="DejaVu Sans"/>
-                          <a:sym typeface="DejaVu Sans"/>
+                          <a:latin typeface="Helvetica"/>
+                          <a:cs typeface="Helvetica"/>
+                          <a:ea typeface="Helvetica"/>
+                          <a:sym typeface="Helvetica"/>
                         </a:rPr>
                         <a:t>17</a:t>
                       </a:r>
@@ -4789,7 +4789,7 @@
                   </a:tcPr>
                 </a:tc>
               </a:tr>
-              <a:tr h="366435">
+              <a:tr h="361592">
                 <a:tc>
                   <a:txBody>
                     <a:bodyPr/>
@@ -4814,10 +4814,10 @@
                               <a:alpha val="100000"/>
                             </a:srgbClr>
                           </a:solidFill>
-                          <a:latin typeface="DejaVu Sans"/>
-                          <a:cs typeface="DejaVu Sans"/>
-                          <a:ea typeface="DejaVu Sans"/>
-                          <a:sym typeface="DejaVu Sans"/>
+                          <a:latin typeface="Helvetica"/>
+                          <a:cs typeface="Helvetica"/>
+                          <a:ea typeface="Helvetica"/>
+                          <a:sym typeface="Helvetica"/>
                         </a:rPr>
                         <a:t>2008</a:t>
                       </a:r>
@@ -4875,10 +4875,10 @@
                               <a:alpha val="100000"/>
                             </a:srgbClr>
                           </a:solidFill>
-                          <a:latin typeface="DejaVu Sans"/>
-                          <a:cs typeface="DejaVu Sans"/>
-                          <a:ea typeface="DejaVu Sans"/>
-                          <a:sym typeface="DejaVu Sans"/>
+                          <a:latin typeface="Helvetica"/>
+                          <a:cs typeface="Helvetica"/>
+                          <a:ea typeface="Helvetica"/>
+                          <a:sym typeface="Helvetica"/>
                         </a:rPr>
                         <a:t>9</a:t>
                       </a:r>
@@ -4932,10 +4932,10 @@
                               <a:alpha val="100000"/>
                             </a:srgbClr>
                           </a:solidFill>
-                          <a:latin typeface="DejaVu Sans"/>
-                          <a:cs typeface="DejaVu Sans"/>
-                          <a:ea typeface="DejaVu Sans"/>
-                          <a:sym typeface="DejaVu Sans"/>
+                          <a:latin typeface="Helvetica"/>
+                          <a:cs typeface="Helvetica"/>
+                          <a:ea typeface="Helvetica"/>
+                          <a:sym typeface="Helvetica"/>
                         </a:rPr>
                         <a:t>9</a:t>
                       </a:r>
@@ -4989,10 +4989,10 @@
                               <a:alpha val="100000"/>
                             </a:srgbClr>
                           </a:solidFill>
-                          <a:latin typeface="DejaVu Sans"/>
-                          <a:cs typeface="DejaVu Sans"/>
-                          <a:ea typeface="DejaVu Sans"/>
-                          <a:sym typeface="DejaVu Sans"/>
+                          <a:latin typeface="Helvetica"/>
+                          <a:cs typeface="Helvetica"/>
+                          <a:ea typeface="Helvetica"/>
+                          <a:sym typeface="Helvetica"/>
                         </a:rPr>
                         <a:t>-</a:t>
                       </a:r>
@@ -5046,10 +5046,10 @@
                               <a:alpha val="100000"/>
                             </a:srgbClr>
                           </a:solidFill>
-                          <a:latin typeface="DejaVu Sans"/>
-                          <a:cs typeface="DejaVu Sans"/>
-                          <a:ea typeface="DejaVu Sans"/>
-                          <a:sym typeface="DejaVu Sans"/>
+                          <a:latin typeface="Helvetica"/>
+                          <a:cs typeface="Helvetica"/>
+                          <a:ea typeface="Helvetica"/>
+                          <a:sym typeface="Helvetica"/>
                         </a:rPr>
                         <a:t>-</a:t>
                       </a:r>
@@ -5103,10 +5103,10 @@
                               <a:alpha val="100000"/>
                             </a:srgbClr>
                           </a:solidFill>
-                          <a:latin typeface="DejaVu Sans"/>
-                          <a:cs typeface="DejaVu Sans"/>
-                          <a:ea typeface="DejaVu Sans"/>
-                          <a:sym typeface="DejaVu Sans"/>
+                          <a:latin typeface="Helvetica"/>
+                          <a:cs typeface="Helvetica"/>
+                          <a:ea typeface="Helvetica"/>
+                          <a:sym typeface="Helvetica"/>
                         </a:rPr>
                         <a:t>22</a:t>
                       </a:r>
@@ -5160,10 +5160,10 @@
                               <a:alpha val="100000"/>
                             </a:srgbClr>
                           </a:solidFill>
-                          <a:latin typeface="DejaVu Sans"/>
-                          <a:cs typeface="DejaVu Sans"/>
-                          <a:ea typeface="DejaVu Sans"/>
-                          <a:sym typeface="DejaVu Sans"/>
+                          <a:latin typeface="Helvetica"/>
+                          <a:cs typeface="Helvetica"/>
+                          <a:ea typeface="Helvetica"/>
+                          <a:sym typeface="Helvetica"/>
                         </a:rPr>
                         <a:t>23</a:t>
                       </a:r>
@@ -5194,7 +5194,7 @@
                   </a:tcPr>
                 </a:tc>
               </a:tr>
-              <a:tr h="366435">
+              <a:tr h="361524">
                 <a:tc>
                   <a:txBody>
                     <a:bodyPr/>
@@ -5219,10 +5219,10 @@
                               <a:alpha val="100000"/>
                             </a:srgbClr>
                           </a:solidFill>
-                          <a:latin typeface="DejaVu Sans"/>
-                          <a:cs typeface="DejaVu Sans"/>
-                          <a:ea typeface="DejaVu Sans"/>
-                          <a:sym typeface="DejaVu Sans"/>
+                          <a:latin typeface="Helvetica"/>
+                          <a:cs typeface="Helvetica"/>
+                          <a:ea typeface="Helvetica"/>
+                          <a:sym typeface="Helvetica"/>
                         </a:rPr>
                         <a:t>2009</a:t>
                       </a:r>
@@ -5284,10 +5284,10 @@
                               <a:alpha val="100000"/>
                             </a:srgbClr>
                           </a:solidFill>
-                          <a:latin typeface="DejaVu Sans"/>
-                          <a:cs typeface="DejaVu Sans"/>
-                          <a:ea typeface="DejaVu Sans"/>
-                          <a:sym typeface="DejaVu Sans"/>
+                          <a:latin typeface="Helvetica"/>
+                          <a:cs typeface="Helvetica"/>
+                          <a:ea typeface="Helvetica"/>
+                          <a:sym typeface="Helvetica"/>
                         </a:rPr>
                         <a:t>8</a:t>
                       </a:r>
@@ -5345,10 +5345,10 @@
                               <a:alpha val="100000"/>
                             </a:srgbClr>
                           </a:solidFill>
-                          <a:latin typeface="DejaVu Sans"/>
-                          <a:cs typeface="DejaVu Sans"/>
-                          <a:ea typeface="DejaVu Sans"/>
-                          <a:sym typeface="DejaVu Sans"/>
+                          <a:latin typeface="Helvetica"/>
+                          <a:cs typeface="Helvetica"/>
+                          <a:ea typeface="Helvetica"/>
+                          <a:sym typeface="Helvetica"/>
                         </a:rPr>
                         <a:t>8</a:t>
                       </a:r>
@@ -5406,10 +5406,10 @@
                               <a:alpha val="100000"/>
                             </a:srgbClr>
                           </a:solidFill>
-                          <a:latin typeface="DejaVu Sans"/>
-                          <a:cs typeface="DejaVu Sans"/>
-                          <a:ea typeface="DejaVu Sans"/>
-                          <a:sym typeface="DejaVu Sans"/>
+                          <a:latin typeface="Helvetica"/>
+                          <a:cs typeface="Helvetica"/>
+                          <a:ea typeface="Helvetica"/>
+                          <a:sym typeface="Helvetica"/>
                         </a:rPr>
                         <a:t>-</a:t>
                       </a:r>
@@ -5467,10 +5467,10 @@
                               <a:alpha val="100000"/>
                             </a:srgbClr>
                           </a:solidFill>
-                          <a:latin typeface="DejaVu Sans"/>
-                          <a:cs typeface="DejaVu Sans"/>
-                          <a:ea typeface="DejaVu Sans"/>
-                          <a:sym typeface="DejaVu Sans"/>
+                          <a:latin typeface="Helvetica"/>
+                          <a:cs typeface="Helvetica"/>
+                          <a:ea typeface="Helvetica"/>
+                          <a:sym typeface="Helvetica"/>
                         </a:rPr>
                         <a:t>-</a:t>
                       </a:r>
@@ -5528,10 +5528,10 @@
                               <a:alpha val="100000"/>
                             </a:srgbClr>
                           </a:solidFill>
-                          <a:latin typeface="DejaVu Sans"/>
-                          <a:cs typeface="DejaVu Sans"/>
-                          <a:ea typeface="DejaVu Sans"/>
-                          <a:sym typeface="DejaVu Sans"/>
+                          <a:latin typeface="Helvetica"/>
+                          <a:cs typeface="Helvetica"/>
+                          <a:ea typeface="Helvetica"/>
+                          <a:sym typeface="Helvetica"/>
                         </a:rPr>
                         <a:t>20</a:t>
                       </a:r>
@@ -5589,10 +5589,10 @@
                               <a:alpha val="100000"/>
                             </a:srgbClr>
                           </a:solidFill>
-                          <a:latin typeface="DejaVu Sans"/>
-                          <a:cs typeface="DejaVu Sans"/>
-                          <a:ea typeface="DejaVu Sans"/>
-                          <a:sym typeface="DejaVu Sans"/>
+                          <a:latin typeface="Helvetica"/>
+                          <a:cs typeface="Helvetica"/>
+                          <a:ea typeface="Helvetica"/>
+                          <a:sym typeface="Helvetica"/>
                         </a:rPr>
                         <a:t>21</a:t>
                       </a:r>
@@ -5627,7 +5627,7 @@
                   </a:tcPr>
                 </a:tc>
               </a:tr>
-              <a:tr h="368891">
+              <a:tr h="363434">
                 <a:tc>
                   <a:txBody>
                     <a:bodyPr/>
@@ -5652,10 +5652,10 @@
                               <a:alpha val="100000"/>
                             </a:srgbClr>
                           </a:solidFill>
-                          <a:latin typeface="DejaVu Sans"/>
-                          <a:cs typeface="DejaVu Sans"/>
-                          <a:ea typeface="DejaVu Sans"/>
-                          <a:sym typeface="DejaVu Sans"/>
+                          <a:latin typeface="Helvetica"/>
+                          <a:cs typeface="Helvetica"/>
+                          <a:ea typeface="Helvetica"/>
+                          <a:sym typeface="Helvetica"/>
                         </a:rPr>
                         <a:t>Maximum</a:t>
                       </a:r>
@@ -5717,10 +5717,10 @@
                               <a:alpha val="100000"/>
                             </a:srgbClr>
                           </a:solidFill>
-                          <a:latin typeface="DejaVu Sans"/>
-                          <a:cs typeface="DejaVu Sans"/>
-                          <a:ea typeface="DejaVu Sans"/>
-                          <a:sym typeface="DejaVu Sans"/>
+                          <a:latin typeface="Helvetica"/>
+                          <a:cs typeface="Helvetica"/>
+                          <a:ea typeface="Helvetica"/>
+                          <a:sym typeface="Helvetica"/>
                         </a:rPr>
                         <a:t>9</a:t>
                       </a:r>
@@ -5778,10 +5778,10 @@
                               <a:alpha val="100000"/>
                             </a:srgbClr>
                           </a:solidFill>
-                          <a:latin typeface="DejaVu Sans"/>
-                          <a:cs typeface="DejaVu Sans"/>
-                          <a:ea typeface="DejaVu Sans"/>
-                          <a:sym typeface="DejaVu Sans"/>
+                          <a:latin typeface="Helvetica"/>
+                          <a:cs typeface="Helvetica"/>
+                          <a:ea typeface="Helvetica"/>
+                          <a:sym typeface="Helvetica"/>
                         </a:rPr>
                         <a:t>9</a:t>
                       </a:r>
@@ -5839,10 +5839,10 @@
                               <a:alpha val="100000"/>
                             </a:srgbClr>
                           </a:solidFill>
-                          <a:latin typeface="DejaVu Sans"/>
-                          <a:cs typeface="DejaVu Sans"/>
-                          <a:ea typeface="DejaVu Sans"/>
-                          <a:sym typeface="DejaVu Sans"/>
+                          <a:latin typeface="Helvetica"/>
+                          <a:cs typeface="Helvetica"/>
+                          <a:ea typeface="Helvetica"/>
+                          <a:sym typeface="Helvetica"/>
                         </a:rPr>
                         <a:t>-</a:t>
                       </a:r>
@@ -5900,10 +5900,10 @@
                               <a:alpha val="100000"/>
                             </a:srgbClr>
                           </a:solidFill>
-                          <a:latin typeface="DejaVu Sans"/>
-                          <a:cs typeface="DejaVu Sans"/>
-                          <a:ea typeface="DejaVu Sans"/>
-                          <a:sym typeface="DejaVu Sans"/>
+                          <a:latin typeface="Helvetica"/>
+                          <a:cs typeface="Helvetica"/>
+                          <a:ea typeface="Helvetica"/>
+                          <a:sym typeface="Helvetica"/>
                         </a:rPr>
                         <a:t>-</a:t>
                       </a:r>
@@ -5961,10 +5961,10 @@
                               <a:alpha val="100000"/>
                             </a:srgbClr>
                           </a:solidFill>
-                          <a:latin typeface="DejaVu Sans"/>
-                          <a:cs typeface="DejaVu Sans"/>
-                          <a:ea typeface="DejaVu Sans"/>
-                          <a:sym typeface="DejaVu Sans"/>
+                          <a:latin typeface="Helvetica"/>
+                          <a:cs typeface="Helvetica"/>
+                          <a:ea typeface="Helvetica"/>
+                          <a:sym typeface="Helvetica"/>
                         </a:rPr>
                         <a:t>22</a:t>
                       </a:r>
@@ -6022,10 +6022,10 @@
                               <a:alpha val="100000"/>
                             </a:srgbClr>
                           </a:solidFill>
-                          <a:latin typeface="DejaVu Sans"/>
-                          <a:cs typeface="DejaVu Sans"/>
-                          <a:ea typeface="DejaVu Sans"/>
-                          <a:sym typeface="DejaVu Sans"/>
+                          <a:latin typeface="Helvetica"/>
+                          <a:cs typeface="Helvetica"/>
+                          <a:ea typeface="Helvetica"/>
+                          <a:sym typeface="Helvetica"/>
                         </a:rPr>
                         <a:t>23</a:t>
                       </a:r>
@@ -6060,7 +6060,7 @@
                   </a:tcPr>
                 </a:tc>
               </a:tr>
-              <a:tr h="368891">
+              <a:tr h="363638">
                 <a:tc>
                   <a:txBody>
                     <a:bodyPr/>
@@ -6085,10 +6085,10 @@
                               <a:alpha val="100000"/>
                             </a:srgbClr>
                           </a:solidFill>
-                          <a:latin typeface="DejaVu Sans"/>
-                          <a:cs typeface="DejaVu Sans"/>
-                          <a:ea typeface="DejaVu Sans"/>
-                          <a:sym typeface="DejaVu Sans"/>
+                          <a:latin typeface="Helvetica"/>
+                          <a:cs typeface="Helvetica"/>
+                          <a:ea typeface="Helvetica"/>
+                          <a:sym typeface="Helvetica"/>
                         </a:rPr>
                         <a:t>Total</a:t>
                       </a:r>
@@ -6150,10 +6150,10 @@
                               <a:alpha val="100000"/>
                             </a:srgbClr>
                           </a:solidFill>
-                          <a:latin typeface="DejaVu Sans"/>
-                          <a:cs typeface="DejaVu Sans"/>
-                          <a:ea typeface="DejaVu Sans"/>
-                          <a:sym typeface="DejaVu Sans"/>
+                          <a:latin typeface="Helvetica"/>
+                          <a:cs typeface="Helvetica"/>
+                          <a:ea typeface="Helvetica"/>
+                          <a:sym typeface="Helvetica"/>
                         </a:rPr>
                         <a:t>22</a:t>
                       </a:r>
@@ -6211,10 +6211,10 @@
                               <a:alpha val="100000"/>
                             </a:srgbClr>
                           </a:solidFill>
-                          <a:latin typeface="DejaVu Sans"/>
-                          <a:cs typeface="DejaVu Sans"/>
-                          <a:ea typeface="DejaVu Sans"/>
-                          <a:sym typeface="DejaVu Sans"/>
+                          <a:latin typeface="Helvetica"/>
+                          <a:cs typeface="Helvetica"/>
+                          <a:ea typeface="Helvetica"/>
+                          <a:sym typeface="Helvetica"/>
                         </a:rPr>
                         <a:t>22</a:t>
                       </a:r>
@@ -6272,10 +6272,10 @@
                               <a:alpha val="100000"/>
                             </a:srgbClr>
                           </a:solidFill>
-                          <a:latin typeface="DejaVu Sans"/>
-                          <a:cs typeface="DejaVu Sans"/>
-                          <a:ea typeface="DejaVu Sans"/>
-                          <a:sym typeface="DejaVu Sans"/>
+                          <a:latin typeface="Helvetica"/>
+                          <a:cs typeface="Helvetica"/>
+                          <a:ea typeface="Helvetica"/>
+                          <a:sym typeface="Helvetica"/>
                         </a:rPr>
                         <a:t>-</a:t>
                       </a:r>
@@ -6333,10 +6333,10 @@
                               <a:alpha val="100000"/>
                             </a:srgbClr>
                           </a:solidFill>
-                          <a:latin typeface="DejaVu Sans"/>
-                          <a:cs typeface="DejaVu Sans"/>
-                          <a:ea typeface="DejaVu Sans"/>
-                          <a:sym typeface="DejaVu Sans"/>
+                          <a:latin typeface="Helvetica"/>
+                          <a:cs typeface="Helvetica"/>
+                          <a:ea typeface="Helvetica"/>
+                          <a:sym typeface="Helvetica"/>
                         </a:rPr>
                         <a:t>-</a:t>
                       </a:r>
@@ -6394,10 +6394,10 @@
                               <a:alpha val="100000"/>
                             </a:srgbClr>
                           </a:solidFill>
-                          <a:latin typeface="DejaVu Sans"/>
-                          <a:cs typeface="DejaVu Sans"/>
-                          <a:ea typeface="DejaVu Sans"/>
-                          <a:sym typeface="DejaVu Sans"/>
+                          <a:latin typeface="Helvetica"/>
+                          <a:cs typeface="Helvetica"/>
+                          <a:ea typeface="Helvetica"/>
+                          <a:sym typeface="Helvetica"/>
                         </a:rPr>
                         <a:t>58</a:t>
                       </a:r>
@@ -6455,10 +6455,10 @@
                               <a:alpha val="100000"/>
                             </a:srgbClr>
                           </a:solidFill>
-                          <a:latin typeface="DejaVu Sans"/>
-                          <a:cs typeface="DejaVu Sans"/>
-                          <a:ea typeface="DejaVu Sans"/>
-                          <a:sym typeface="DejaVu Sans"/>
+                          <a:latin typeface="Helvetica"/>
+                          <a:cs typeface="Helvetica"/>
+                          <a:ea typeface="Helvetica"/>
+                          <a:sym typeface="Helvetica"/>
                         </a:rPr>
                         <a:t>61</a:t>
                       </a:r>
@@ -6493,7 +6493,7 @@
                   </a:tcPr>
                 </a:tc>
               </a:tr>
-              <a:tr h="372692">
+              <a:tr h="371650">
                 <a:tc gridSpan="7">
                   <a:txBody>
                     <a:bodyPr/>
@@ -6950,7 +6950,7 @@
                   </a:tcPr>
                 </a:tc>
               </a:tr>
-              <a:tr h="366435">
+              <a:tr h="361456">
                 <a:tc>
                   <a:txBody>
                     <a:bodyPr/>
@@ -6975,10 +6975,10 @@
                               <a:alpha val="100000"/>
                             </a:srgbClr>
                           </a:solidFill>
-                          <a:latin typeface="DejaVu Sans"/>
-                          <a:cs typeface="DejaVu Sans"/>
-                          <a:ea typeface="DejaVu Sans"/>
-                          <a:sym typeface="DejaVu Sans"/>
+                          <a:latin typeface="Helvetica"/>
+                          <a:cs typeface="Helvetica"/>
+                          <a:ea typeface="Helvetica"/>
+                          <a:sym typeface="Helvetica"/>
                         </a:rPr>
                         <a:t>2007</a:t>
                       </a:r>
@@ -7040,10 +7040,10 @@
                               <a:alpha val="100000"/>
                             </a:srgbClr>
                           </a:solidFill>
-                          <a:latin typeface="DejaVu Sans"/>
-                          <a:cs typeface="DejaVu Sans"/>
-                          <a:ea typeface="DejaVu Sans"/>
-                          <a:sym typeface="DejaVu Sans"/>
+                          <a:latin typeface="Helvetica"/>
+                          <a:cs typeface="Helvetica"/>
+                          <a:ea typeface="Helvetica"/>
+                          <a:sym typeface="Helvetica"/>
                         </a:rPr>
                         <a:t>9</a:t>
                       </a:r>
@@ -7101,10 +7101,10 @@
                               <a:alpha val="100000"/>
                             </a:srgbClr>
                           </a:solidFill>
-                          <a:latin typeface="DejaVu Sans"/>
-                          <a:cs typeface="DejaVu Sans"/>
-                          <a:ea typeface="DejaVu Sans"/>
-                          <a:sym typeface="DejaVu Sans"/>
+                          <a:latin typeface="Helvetica"/>
+                          <a:cs typeface="Helvetica"/>
+                          <a:ea typeface="Helvetica"/>
+                          <a:sym typeface="Helvetica"/>
                         </a:rPr>
                         <a:t>10</a:t>
                       </a:r>
@@ -7162,10 +7162,10 @@
                               <a:alpha val="100000"/>
                             </a:srgbClr>
                           </a:solidFill>
-                          <a:latin typeface="DejaVu Sans"/>
-                          <a:cs typeface="DejaVu Sans"/>
-                          <a:ea typeface="DejaVu Sans"/>
-                          <a:sym typeface="DejaVu Sans"/>
+                          <a:latin typeface="Helvetica"/>
+                          <a:cs typeface="Helvetica"/>
+                          <a:ea typeface="Helvetica"/>
+                          <a:sym typeface="Helvetica"/>
                         </a:rPr>
                         <a:t>13</a:t>
                       </a:r>
@@ -7223,10 +7223,10 @@
                               <a:alpha val="100000"/>
                             </a:srgbClr>
                           </a:solidFill>
-                          <a:latin typeface="DejaVu Sans"/>
-                          <a:cs typeface="DejaVu Sans"/>
-                          <a:ea typeface="DejaVu Sans"/>
-                          <a:sym typeface="DejaVu Sans"/>
+                          <a:latin typeface="Helvetica"/>
+                          <a:cs typeface="Helvetica"/>
+                          <a:ea typeface="Helvetica"/>
+                          <a:sym typeface="Helvetica"/>
                         </a:rPr>
                         <a:t>13</a:t>
                       </a:r>
@@ -7284,10 +7284,10 @@
                               <a:alpha val="100000"/>
                             </a:srgbClr>
                           </a:solidFill>
-                          <a:latin typeface="DejaVu Sans"/>
-                          <a:cs typeface="DejaVu Sans"/>
-                          <a:ea typeface="DejaVu Sans"/>
-                          <a:sym typeface="DejaVu Sans"/>
+                          <a:latin typeface="Helvetica"/>
+                          <a:cs typeface="Helvetica"/>
+                          <a:ea typeface="Helvetica"/>
+                          <a:sym typeface="Helvetica"/>
                         </a:rPr>
                         <a:t>-</a:t>
                       </a:r>
@@ -7345,10 +7345,10 @@
                               <a:alpha val="100000"/>
                             </a:srgbClr>
                           </a:solidFill>
-                          <a:latin typeface="DejaVu Sans"/>
-                          <a:cs typeface="DejaVu Sans"/>
-                          <a:ea typeface="DejaVu Sans"/>
-                          <a:sym typeface="DejaVu Sans"/>
+                          <a:latin typeface="Helvetica"/>
+                          <a:cs typeface="Helvetica"/>
+                          <a:ea typeface="Helvetica"/>
+                          <a:sym typeface="Helvetica"/>
                         </a:rPr>
                         <a:t>-</a:t>
                       </a:r>
@@ -7383,7 +7383,7 @@
                   </a:tcPr>
                 </a:tc>
               </a:tr>
-              <a:tr h="366435">
+              <a:tr h="361592">
                 <a:tc>
                   <a:txBody>
                     <a:bodyPr/>
@@ -7408,10 +7408,10 @@
                               <a:alpha val="100000"/>
                             </a:srgbClr>
                           </a:solidFill>
-                          <a:latin typeface="DejaVu Sans"/>
-                          <a:cs typeface="DejaVu Sans"/>
-                          <a:ea typeface="DejaVu Sans"/>
-                          <a:sym typeface="DejaVu Sans"/>
+                          <a:latin typeface="Helvetica"/>
+                          <a:cs typeface="Helvetica"/>
+                          <a:ea typeface="Helvetica"/>
+                          <a:sym typeface="Helvetica"/>
                         </a:rPr>
                         <a:t>2008</a:t>
                       </a:r>
@@ -7469,10 +7469,10 @@
                               <a:alpha val="100000"/>
                             </a:srgbClr>
                           </a:solidFill>
-                          <a:latin typeface="DejaVu Sans"/>
-                          <a:cs typeface="DejaVu Sans"/>
-                          <a:ea typeface="DejaVu Sans"/>
-                          <a:sym typeface="DejaVu Sans"/>
+                          <a:latin typeface="Helvetica"/>
+                          <a:cs typeface="Helvetica"/>
+                          <a:ea typeface="Helvetica"/>
+                          <a:sym typeface="Helvetica"/>
                         </a:rPr>
                         <a:t>8</a:t>
                       </a:r>
@@ -7526,10 +7526,10 @@
                               <a:alpha val="100000"/>
                             </a:srgbClr>
                           </a:solidFill>
-                          <a:latin typeface="DejaVu Sans"/>
-                          <a:cs typeface="DejaVu Sans"/>
-                          <a:ea typeface="DejaVu Sans"/>
-                          <a:sym typeface="DejaVu Sans"/>
+                          <a:latin typeface="Helvetica"/>
+                          <a:cs typeface="Helvetica"/>
+                          <a:ea typeface="Helvetica"/>
+                          <a:sym typeface="Helvetica"/>
                         </a:rPr>
                         <a:t>8</a:t>
                       </a:r>
@@ -7583,10 +7583,10 @@
                               <a:alpha val="100000"/>
                             </a:srgbClr>
                           </a:solidFill>
-                          <a:latin typeface="DejaVu Sans"/>
-                          <a:cs typeface="DejaVu Sans"/>
-                          <a:ea typeface="DejaVu Sans"/>
-                          <a:sym typeface="DejaVu Sans"/>
+                          <a:latin typeface="Helvetica"/>
+                          <a:cs typeface="Helvetica"/>
+                          <a:ea typeface="Helvetica"/>
+                          <a:sym typeface="Helvetica"/>
                         </a:rPr>
                         <a:t>9</a:t>
                       </a:r>
@@ -7640,10 +7640,10 @@
                               <a:alpha val="100000"/>
                             </a:srgbClr>
                           </a:solidFill>
-                          <a:latin typeface="DejaVu Sans"/>
-                          <a:cs typeface="DejaVu Sans"/>
-                          <a:ea typeface="DejaVu Sans"/>
-                          <a:sym typeface="DejaVu Sans"/>
+                          <a:latin typeface="Helvetica"/>
+                          <a:cs typeface="Helvetica"/>
+                          <a:ea typeface="Helvetica"/>
+                          <a:sym typeface="Helvetica"/>
                         </a:rPr>
                         <a:t>9</a:t>
                       </a:r>
@@ -7697,10 +7697,10 @@
                               <a:alpha val="100000"/>
                             </a:srgbClr>
                           </a:solidFill>
-                          <a:latin typeface="DejaVu Sans"/>
-                          <a:cs typeface="DejaVu Sans"/>
-                          <a:ea typeface="DejaVu Sans"/>
-                          <a:sym typeface="DejaVu Sans"/>
+                          <a:latin typeface="Helvetica"/>
+                          <a:cs typeface="Helvetica"/>
+                          <a:ea typeface="Helvetica"/>
+                          <a:sym typeface="Helvetica"/>
                         </a:rPr>
                         <a:t>-</a:t>
                       </a:r>
@@ -7754,10 +7754,10 @@
                               <a:alpha val="100000"/>
                             </a:srgbClr>
                           </a:solidFill>
-                          <a:latin typeface="DejaVu Sans"/>
-                          <a:cs typeface="DejaVu Sans"/>
-                          <a:ea typeface="DejaVu Sans"/>
-                          <a:sym typeface="DejaVu Sans"/>
+                          <a:latin typeface="Helvetica"/>
+                          <a:cs typeface="Helvetica"/>
+                          <a:ea typeface="Helvetica"/>
+                          <a:sym typeface="Helvetica"/>
                         </a:rPr>
                         <a:t>-</a:t>
                       </a:r>
@@ -7788,7 +7788,7 @@
                   </a:tcPr>
                 </a:tc>
               </a:tr>
-              <a:tr h="366435">
+              <a:tr h="361524">
                 <a:tc>
                   <a:txBody>
                     <a:bodyPr/>
@@ -7813,10 +7813,10 @@
                               <a:alpha val="100000"/>
                             </a:srgbClr>
                           </a:solidFill>
-                          <a:latin typeface="DejaVu Sans"/>
-                          <a:cs typeface="DejaVu Sans"/>
-                          <a:ea typeface="DejaVu Sans"/>
-                          <a:sym typeface="DejaVu Sans"/>
+                          <a:latin typeface="Helvetica"/>
+                          <a:cs typeface="Helvetica"/>
+                          <a:ea typeface="Helvetica"/>
+                          <a:sym typeface="Helvetica"/>
                         </a:rPr>
                         <a:t>2009</a:t>
                       </a:r>
@@ -7878,10 +7878,10 @@
                               <a:alpha val="100000"/>
                             </a:srgbClr>
                           </a:solidFill>
-                          <a:latin typeface="DejaVu Sans"/>
-                          <a:cs typeface="DejaVu Sans"/>
-                          <a:ea typeface="DejaVu Sans"/>
-                          <a:sym typeface="DejaVu Sans"/>
+                          <a:latin typeface="Helvetica"/>
+                          <a:cs typeface="Helvetica"/>
+                          <a:ea typeface="Helvetica"/>
+                          <a:sym typeface="Helvetica"/>
                         </a:rPr>
                         <a:t>10</a:t>
                       </a:r>
@@ -7939,10 +7939,10 @@
                               <a:alpha val="100000"/>
                             </a:srgbClr>
                           </a:solidFill>
-                          <a:latin typeface="DejaVu Sans"/>
-                          <a:cs typeface="DejaVu Sans"/>
-                          <a:ea typeface="DejaVu Sans"/>
-                          <a:sym typeface="DejaVu Sans"/>
+                          <a:latin typeface="Helvetica"/>
+                          <a:cs typeface="Helvetica"/>
+                          <a:ea typeface="Helvetica"/>
+                          <a:sym typeface="Helvetica"/>
                         </a:rPr>
                         <a:t>10</a:t>
                       </a:r>
@@ -8000,10 +8000,10 @@
                               <a:alpha val="100000"/>
                             </a:srgbClr>
                           </a:solidFill>
-                          <a:latin typeface="DejaVu Sans"/>
-                          <a:cs typeface="DejaVu Sans"/>
-                          <a:ea typeface="DejaVu Sans"/>
-                          <a:sym typeface="DejaVu Sans"/>
+                          <a:latin typeface="Helvetica"/>
+                          <a:cs typeface="Helvetica"/>
+                          <a:ea typeface="Helvetica"/>
+                          <a:sym typeface="Helvetica"/>
                         </a:rPr>
                         <a:t>12</a:t>
                       </a:r>
@@ -8061,10 +8061,10 @@
                               <a:alpha val="100000"/>
                             </a:srgbClr>
                           </a:solidFill>
-                          <a:latin typeface="DejaVu Sans"/>
-                          <a:cs typeface="DejaVu Sans"/>
-                          <a:ea typeface="DejaVu Sans"/>
-                          <a:sym typeface="DejaVu Sans"/>
+                          <a:latin typeface="Helvetica"/>
+                          <a:cs typeface="Helvetica"/>
+                          <a:ea typeface="Helvetica"/>
+                          <a:sym typeface="Helvetica"/>
                         </a:rPr>
                         <a:t>12</a:t>
                       </a:r>
@@ -8122,10 +8122,10 @@
                               <a:alpha val="100000"/>
                             </a:srgbClr>
                           </a:solidFill>
-                          <a:latin typeface="DejaVu Sans"/>
-                          <a:cs typeface="DejaVu Sans"/>
-                          <a:ea typeface="DejaVu Sans"/>
-                          <a:sym typeface="DejaVu Sans"/>
+                          <a:latin typeface="Helvetica"/>
+                          <a:cs typeface="Helvetica"/>
+                          <a:ea typeface="Helvetica"/>
+                          <a:sym typeface="Helvetica"/>
                         </a:rPr>
                         <a:t>-</a:t>
                       </a:r>
@@ -8183,10 +8183,10 @@
                               <a:alpha val="100000"/>
                             </a:srgbClr>
                           </a:solidFill>
-                          <a:latin typeface="DejaVu Sans"/>
-                          <a:cs typeface="DejaVu Sans"/>
-                          <a:ea typeface="DejaVu Sans"/>
-                          <a:sym typeface="DejaVu Sans"/>
+                          <a:latin typeface="Helvetica"/>
+                          <a:cs typeface="Helvetica"/>
+                          <a:ea typeface="Helvetica"/>
+                          <a:sym typeface="Helvetica"/>
                         </a:rPr>
                         <a:t>-</a:t>
                       </a:r>
@@ -8221,7 +8221,7 @@
                   </a:tcPr>
                 </a:tc>
               </a:tr>
-              <a:tr h="368891">
+              <a:tr h="363434">
                 <a:tc>
                   <a:txBody>
                     <a:bodyPr/>
@@ -8246,10 +8246,10 @@
                               <a:alpha val="100000"/>
                             </a:srgbClr>
                           </a:solidFill>
-                          <a:latin typeface="DejaVu Sans"/>
-                          <a:cs typeface="DejaVu Sans"/>
-                          <a:ea typeface="DejaVu Sans"/>
-                          <a:sym typeface="DejaVu Sans"/>
+                          <a:latin typeface="Helvetica"/>
+                          <a:cs typeface="Helvetica"/>
+                          <a:ea typeface="Helvetica"/>
+                          <a:sym typeface="Helvetica"/>
                         </a:rPr>
                         <a:t>Maximum</a:t>
                       </a:r>
@@ -8311,10 +8311,10 @@
                               <a:alpha val="100000"/>
                             </a:srgbClr>
                           </a:solidFill>
-                          <a:latin typeface="DejaVu Sans"/>
-                          <a:cs typeface="DejaVu Sans"/>
-                          <a:ea typeface="DejaVu Sans"/>
-                          <a:sym typeface="DejaVu Sans"/>
+                          <a:latin typeface="Helvetica"/>
+                          <a:cs typeface="Helvetica"/>
+                          <a:ea typeface="Helvetica"/>
+                          <a:sym typeface="Helvetica"/>
                         </a:rPr>
                         <a:t>10</a:t>
                       </a:r>
@@ -8372,10 +8372,10 @@
                               <a:alpha val="100000"/>
                             </a:srgbClr>
                           </a:solidFill>
-                          <a:latin typeface="DejaVu Sans"/>
-                          <a:cs typeface="DejaVu Sans"/>
-                          <a:ea typeface="DejaVu Sans"/>
-                          <a:sym typeface="DejaVu Sans"/>
+                          <a:latin typeface="Helvetica"/>
+                          <a:cs typeface="Helvetica"/>
+                          <a:ea typeface="Helvetica"/>
+                          <a:sym typeface="Helvetica"/>
                         </a:rPr>
                         <a:t>10</a:t>
                       </a:r>
@@ -8433,10 +8433,10 @@
                               <a:alpha val="100000"/>
                             </a:srgbClr>
                           </a:solidFill>
-                          <a:latin typeface="DejaVu Sans"/>
-                          <a:cs typeface="DejaVu Sans"/>
-                          <a:ea typeface="DejaVu Sans"/>
-                          <a:sym typeface="DejaVu Sans"/>
+                          <a:latin typeface="Helvetica"/>
+                          <a:cs typeface="Helvetica"/>
+                          <a:ea typeface="Helvetica"/>
+                          <a:sym typeface="Helvetica"/>
                         </a:rPr>
                         <a:t>13</a:t>
                       </a:r>
@@ -8494,10 +8494,10 @@
                               <a:alpha val="100000"/>
                             </a:srgbClr>
                           </a:solidFill>
-                          <a:latin typeface="DejaVu Sans"/>
-                          <a:cs typeface="DejaVu Sans"/>
-                          <a:ea typeface="DejaVu Sans"/>
-                          <a:sym typeface="DejaVu Sans"/>
+                          <a:latin typeface="Helvetica"/>
+                          <a:cs typeface="Helvetica"/>
+                          <a:ea typeface="Helvetica"/>
+                          <a:sym typeface="Helvetica"/>
                         </a:rPr>
                         <a:t>13</a:t>
                       </a:r>
@@ -8555,10 +8555,10 @@
                               <a:alpha val="100000"/>
                             </a:srgbClr>
                           </a:solidFill>
-                          <a:latin typeface="DejaVu Sans"/>
-                          <a:cs typeface="DejaVu Sans"/>
-                          <a:ea typeface="DejaVu Sans"/>
-                          <a:sym typeface="DejaVu Sans"/>
+                          <a:latin typeface="Helvetica"/>
+                          <a:cs typeface="Helvetica"/>
+                          <a:ea typeface="Helvetica"/>
+                          <a:sym typeface="Helvetica"/>
                         </a:rPr>
                         <a:t>-</a:t>
                       </a:r>
@@ -8616,10 +8616,10 @@
                               <a:alpha val="100000"/>
                             </a:srgbClr>
                           </a:solidFill>
-                          <a:latin typeface="DejaVu Sans"/>
-                          <a:cs typeface="DejaVu Sans"/>
-                          <a:ea typeface="DejaVu Sans"/>
-                          <a:sym typeface="DejaVu Sans"/>
+                          <a:latin typeface="Helvetica"/>
+                          <a:cs typeface="Helvetica"/>
+                          <a:ea typeface="Helvetica"/>
+                          <a:sym typeface="Helvetica"/>
                         </a:rPr>
                         <a:t>-</a:t>
                       </a:r>
@@ -8654,7 +8654,7 @@
                   </a:tcPr>
                 </a:tc>
               </a:tr>
-              <a:tr h="368891">
+              <a:tr h="363638">
                 <a:tc>
                   <a:txBody>
                     <a:bodyPr/>
@@ -8679,10 +8679,10 @@
                               <a:alpha val="100000"/>
                             </a:srgbClr>
                           </a:solidFill>
-                          <a:latin typeface="DejaVu Sans"/>
-                          <a:cs typeface="DejaVu Sans"/>
-                          <a:ea typeface="DejaVu Sans"/>
-                          <a:sym typeface="DejaVu Sans"/>
+                          <a:latin typeface="Helvetica"/>
+                          <a:cs typeface="Helvetica"/>
+                          <a:ea typeface="Helvetica"/>
+                          <a:sym typeface="Helvetica"/>
                         </a:rPr>
                         <a:t>Total</a:t>
                       </a:r>
@@ -8744,10 +8744,10 @@
                               <a:alpha val="100000"/>
                             </a:srgbClr>
                           </a:solidFill>
-                          <a:latin typeface="DejaVu Sans"/>
-                          <a:cs typeface="DejaVu Sans"/>
-                          <a:ea typeface="DejaVu Sans"/>
-                          <a:sym typeface="DejaVu Sans"/>
+                          <a:latin typeface="Helvetica"/>
+                          <a:cs typeface="Helvetica"/>
+                          <a:ea typeface="Helvetica"/>
+                          <a:sym typeface="Helvetica"/>
                         </a:rPr>
                         <a:t>27</a:t>
                       </a:r>
@@ -8805,10 +8805,10 @@
                               <a:alpha val="100000"/>
                             </a:srgbClr>
                           </a:solidFill>
-                          <a:latin typeface="DejaVu Sans"/>
-                          <a:cs typeface="DejaVu Sans"/>
-                          <a:ea typeface="DejaVu Sans"/>
-                          <a:sym typeface="DejaVu Sans"/>
+                          <a:latin typeface="Helvetica"/>
+                          <a:cs typeface="Helvetica"/>
+                          <a:ea typeface="Helvetica"/>
+                          <a:sym typeface="Helvetica"/>
                         </a:rPr>
                         <a:t>28</a:t>
                       </a:r>
@@ -8866,10 +8866,10 @@
                               <a:alpha val="100000"/>
                             </a:srgbClr>
                           </a:solidFill>
-                          <a:latin typeface="DejaVu Sans"/>
-                          <a:cs typeface="DejaVu Sans"/>
-                          <a:ea typeface="DejaVu Sans"/>
-                          <a:sym typeface="DejaVu Sans"/>
+                          <a:latin typeface="Helvetica"/>
+                          <a:cs typeface="Helvetica"/>
+                          <a:ea typeface="Helvetica"/>
+                          <a:sym typeface="Helvetica"/>
                         </a:rPr>
                         <a:t>34</a:t>
                       </a:r>
@@ -8927,10 +8927,10 @@
                               <a:alpha val="100000"/>
                             </a:srgbClr>
                           </a:solidFill>
-                          <a:latin typeface="DejaVu Sans"/>
-                          <a:cs typeface="DejaVu Sans"/>
-                          <a:ea typeface="DejaVu Sans"/>
-                          <a:sym typeface="DejaVu Sans"/>
+                          <a:latin typeface="Helvetica"/>
+                          <a:cs typeface="Helvetica"/>
+                          <a:ea typeface="Helvetica"/>
+                          <a:sym typeface="Helvetica"/>
                         </a:rPr>
                         <a:t>34</a:t>
                       </a:r>
@@ -8988,10 +8988,10 @@
                               <a:alpha val="100000"/>
                             </a:srgbClr>
                           </a:solidFill>
-                          <a:latin typeface="DejaVu Sans"/>
-                          <a:cs typeface="DejaVu Sans"/>
-                          <a:ea typeface="DejaVu Sans"/>
-                          <a:sym typeface="DejaVu Sans"/>
+                          <a:latin typeface="Helvetica"/>
+                          <a:cs typeface="Helvetica"/>
+                          <a:ea typeface="Helvetica"/>
+                          <a:sym typeface="Helvetica"/>
                         </a:rPr>
                         <a:t>-</a:t>
                       </a:r>
@@ -9049,10 +9049,10 @@
                               <a:alpha val="100000"/>
                             </a:srgbClr>
                           </a:solidFill>
-                          <a:latin typeface="DejaVu Sans"/>
-                          <a:cs typeface="DejaVu Sans"/>
-                          <a:ea typeface="DejaVu Sans"/>
-                          <a:sym typeface="DejaVu Sans"/>
+                          <a:latin typeface="Helvetica"/>
+                          <a:cs typeface="Helvetica"/>
+                          <a:ea typeface="Helvetica"/>
+                          <a:sym typeface="Helvetica"/>
                         </a:rPr>
                         <a:t>-</a:t>
                       </a:r>
@@ -9087,7 +9087,7 @@
                   </a:tcPr>
                 </a:tc>
               </a:tr>
-              <a:tr h="403500">
+              <a:tr h="401937">
                 <a:tc gridSpan="7">
                   <a:txBody>
                     <a:bodyPr/>
@@ -9544,7 +9544,7 @@
                   </a:tcPr>
                 </a:tc>
               </a:tr>
-              <a:tr h="366435">
+              <a:tr h="361524">
                 <a:tc>
                   <a:txBody>
                     <a:bodyPr/>
@@ -9569,10 +9569,10 @@
                               <a:alpha val="100000"/>
                             </a:srgbClr>
                           </a:solidFill>
-                          <a:latin typeface="DejaVu Sans"/>
-                          <a:cs typeface="DejaVu Sans"/>
-                          <a:ea typeface="DejaVu Sans"/>
-                          <a:sym typeface="DejaVu Sans"/>
+                          <a:latin typeface="Helvetica"/>
+                          <a:cs typeface="Helvetica"/>
+                          <a:ea typeface="Helvetica"/>
+                          <a:sym typeface="Helvetica"/>
                         </a:rPr>
                         <a:t>2007</a:t>
                       </a:r>
@@ -9634,10 +9634,10 @@
                               <a:alpha val="100000"/>
                             </a:srgbClr>
                           </a:solidFill>
-                          <a:latin typeface="DejaVu Sans"/>
-                          <a:cs typeface="DejaVu Sans"/>
-                          <a:ea typeface="DejaVu Sans"/>
-                          <a:sym typeface="DejaVu Sans"/>
+                          <a:latin typeface="Helvetica"/>
+                          <a:cs typeface="Helvetica"/>
+                          <a:ea typeface="Helvetica"/>
+                          <a:sym typeface="Helvetica"/>
                         </a:rPr>
                         <a:t>8</a:t>
                       </a:r>
@@ -9695,10 +9695,10 @@
                               <a:alpha val="100000"/>
                             </a:srgbClr>
                           </a:solidFill>
-                          <a:latin typeface="DejaVu Sans"/>
-                          <a:cs typeface="DejaVu Sans"/>
-                          <a:ea typeface="DejaVu Sans"/>
-                          <a:sym typeface="DejaVu Sans"/>
+                          <a:latin typeface="Helvetica"/>
+                          <a:cs typeface="Helvetica"/>
+                          <a:ea typeface="Helvetica"/>
+                          <a:sym typeface="Helvetica"/>
                         </a:rPr>
                         <a:t>7</a:t>
                       </a:r>
@@ -9756,10 +9756,10 @@
                               <a:alpha val="100000"/>
                             </a:srgbClr>
                           </a:solidFill>
-                          <a:latin typeface="DejaVu Sans"/>
-                          <a:cs typeface="DejaVu Sans"/>
-                          <a:ea typeface="DejaVu Sans"/>
-                          <a:sym typeface="DejaVu Sans"/>
+                          <a:latin typeface="Helvetica"/>
+                          <a:cs typeface="Helvetica"/>
+                          <a:ea typeface="Helvetica"/>
+                          <a:sym typeface="Helvetica"/>
                         </a:rPr>
                         <a:t>-</a:t>
                       </a:r>
@@ -9817,10 +9817,10 @@
                               <a:alpha val="100000"/>
                             </a:srgbClr>
                           </a:solidFill>
-                          <a:latin typeface="DejaVu Sans"/>
-                          <a:cs typeface="DejaVu Sans"/>
-                          <a:ea typeface="DejaVu Sans"/>
-                          <a:sym typeface="DejaVu Sans"/>
+                          <a:latin typeface="Helvetica"/>
+                          <a:cs typeface="Helvetica"/>
+                          <a:ea typeface="Helvetica"/>
+                          <a:sym typeface="Helvetica"/>
                         </a:rPr>
                         <a:t>-</a:t>
                       </a:r>
@@ -9878,10 +9878,10 @@
                               <a:alpha val="100000"/>
                             </a:srgbClr>
                           </a:solidFill>
-                          <a:latin typeface="DejaVu Sans"/>
-                          <a:cs typeface="DejaVu Sans"/>
-                          <a:ea typeface="DejaVu Sans"/>
-                          <a:sym typeface="DejaVu Sans"/>
+                          <a:latin typeface="Helvetica"/>
+                          <a:cs typeface="Helvetica"/>
+                          <a:ea typeface="Helvetica"/>
+                          <a:sym typeface="Helvetica"/>
                         </a:rPr>
                         <a:t>-</a:t>
                       </a:r>
@@ -9939,10 +9939,10 @@
                               <a:alpha val="100000"/>
                             </a:srgbClr>
                           </a:solidFill>
-                          <a:latin typeface="DejaVu Sans"/>
-                          <a:cs typeface="DejaVu Sans"/>
-                          <a:ea typeface="DejaVu Sans"/>
-                          <a:sym typeface="DejaVu Sans"/>
+                          <a:latin typeface="Helvetica"/>
+                          <a:cs typeface="Helvetica"/>
+                          <a:ea typeface="Helvetica"/>
+                          <a:sym typeface="Helvetica"/>
                         </a:rPr>
                         <a:t>-</a:t>
                       </a:r>
@@ -9977,7 +9977,7 @@
                   </a:tcPr>
                 </a:tc>
               </a:tr>
-              <a:tr h="366435">
+              <a:tr h="361592">
                 <a:tc>
                   <a:txBody>
                     <a:bodyPr/>
@@ -10002,10 +10002,10 @@
                               <a:alpha val="100000"/>
                             </a:srgbClr>
                           </a:solidFill>
-                          <a:latin typeface="DejaVu Sans"/>
-                          <a:cs typeface="DejaVu Sans"/>
-                          <a:ea typeface="DejaVu Sans"/>
-                          <a:sym typeface="DejaVu Sans"/>
+                          <a:latin typeface="Helvetica"/>
+                          <a:cs typeface="Helvetica"/>
+                          <a:ea typeface="Helvetica"/>
+                          <a:sym typeface="Helvetica"/>
                         </a:rPr>
                         <a:t>2008</a:t>
                       </a:r>
@@ -10063,10 +10063,10 @@
                               <a:alpha val="100000"/>
                             </a:srgbClr>
                           </a:solidFill>
-                          <a:latin typeface="DejaVu Sans"/>
-                          <a:cs typeface="DejaVu Sans"/>
-                          <a:ea typeface="DejaVu Sans"/>
-                          <a:sym typeface="DejaVu Sans"/>
+                          <a:latin typeface="Helvetica"/>
+                          <a:cs typeface="Helvetica"/>
+                          <a:ea typeface="Helvetica"/>
+                          <a:sym typeface="Helvetica"/>
                         </a:rPr>
                         <a:t>8</a:t>
                       </a:r>
@@ -10120,10 +10120,10 @@
                               <a:alpha val="100000"/>
                             </a:srgbClr>
                           </a:solidFill>
-                          <a:latin typeface="DejaVu Sans"/>
-                          <a:cs typeface="DejaVu Sans"/>
-                          <a:ea typeface="DejaVu Sans"/>
-                          <a:sym typeface="DejaVu Sans"/>
+                          <a:latin typeface="Helvetica"/>
+                          <a:cs typeface="Helvetica"/>
+                          <a:ea typeface="Helvetica"/>
+                          <a:sym typeface="Helvetica"/>
                         </a:rPr>
                         <a:t>8</a:t>
                       </a:r>
@@ -10177,10 +10177,10 @@
                               <a:alpha val="100000"/>
                             </a:srgbClr>
                           </a:solidFill>
-                          <a:latin typeface="DejaVu Sans"/>
-                          <a:cs typeface="DejaVu Sans"/>
-                          <a:ea typeface="DejaVu Sans"/>
-                          <a:sym typeface="DejaVu Sans"/>
+                          <a:latin typeface="Helvetica"/>
+                          <a:cs typeface="Helvetica"/>
+                          <a:ea typeface="Helvetica"/>
+                          <a:sym typeface="Helvetica"/>
                         </a:rPr>
                         <a:t>-</a:t>
                       </a:r>
@@ -10234,10 +10234,10 @@
                               <a:alpha val="100000"/>
                             </a:srgbClr>
                           </a:solidFill>
-                          <a:latin typeface="DejaVu Sans"/>
-                          <a:cs typeface="DejaVu Sans"/>
-                          <a:ea typeface="DejaVu Sans"/>
-                          <a:sym typeface="DejaVu Sans"/>
+                          <a:latin typeface="Helvetica"/>
+                          <a:cs typeface="Helvetica"/>
+                          <a:ea typeface="Helvetica"/>
+                          <a:sym typeface="Helvetica"/>
                         </a:rPr>
                         <a:t>-</a:t>
                       </a:r>
@@ -10291,10 +10291,10 @@
                               <a:alpha val="100000"/>
                             </a:srgbClr>
                           </a:solidFill>
-                          <a:latin typeface="DejaVu Sans"/>
-                          <a:cs typeface="DejaVu Sans"/>
-                          <a:ea typeface="DejaVu Sans"/>
-                          <a:sym typeface="DejaVu Sans"/>
+                          <a:latin typeface="Helvetica"/>
+                          <a:cs typeface="Helvetica"/>
+                          <a:ea typeface="Helvetica"/>
+                          <a:sym typeface="Helvetica"/>
                         </a:rPr>
                         <a:t>-</a:t>
                       </a:r>
@@ -10348,10 +10348,10 @@
                               <a:alpha val="100000"/>
                             </a:srgbClr>
                           </a:solidFill>
-                          <a:latin typeface="DejaVu Sans"/>
-                          <a:cs typeface="DejaVu Sans"/>
-                          <a:ea typeface="DejaVu Sans"/>
-                          <a:sym typeface="DejaVu Sans"/>
+                          <a:latin typeface="Helvetica"/>
+                          <a:cs typeface="Helvetica"/>
+                          <a:ea typeface="Helvetica"/>
+                          <a:sym typeface="Helvetica"/>
                         </a:rPr>
                         <a:t>-</a:t>
                       </a:r>
@@ -10382,7 +10382,7 @@
                   </a:tcPr>
                 </a:tc>
               </a:tr>
-              <a:tr h="366435">
+              <a:tr h="361524">
                 <a:tc>
                   <a:txBody>
                     <a:bodyPr/>
@@ -10407,10 +10407,10 @@
                               <a:alpha val="100000"/>
                             </a:srgbClr>
                           </a:solidFill>
-                          <a:latin typeface="DejaVu Sans"/>
-                          <a:cs typeface="DejaVu Sans"/>
-                          <a:ea typeface="DejaVu Sans"/>
-                          <a:sym typeface="DejaVu Sans"/>
+                          <a:latin typeface="Helvetica"/>
+                          <a:cs typeface="Helvetica"/>
+                          <a:ea typeface="Helvetica"/>
+                          <a:sym typeface="Helvetica"/>
                         </a:rPr>
                         <a:t>2009</a:t>
                       </a:r>
@@ -10472,10 +10472,10 @@
                               <a:alpha val="100000"/>
                             </a:srgbClr>
                           </a:solidFill>
-                          <a:latin typeface="DejaVu Sans"/>
-                          <a:cs typeface="DejaVu Sans"/>
-                          <a:ea typeface="DejaVu Sans"/>
-                          <a:sym typeface="DejaVu Sans"/>
+                          <a:latin typeface="Helvetica"/>
+                          <a:cs typeface="Helvetica"/>
+                          <a:ea typeface="Helvetica"/>
+                          <a:sym typeface="Helvetica"/>
                         </a:rPr>
                         <a:t>8</a:t>
                       </a:r>
@@ -10533,10 +10533,10 @@
                               <a:alpha val="100000"/>
                             </a:srgbClr>
                           </a:solidFill>
-                          <a:latin typeface="DejaVu Sans"/>
-                          <a:cs typeface="DejaVu Sans"/>
-                          <a:ea typeface="DejaVu Sans"/>
-                          <a:sym typeface="DejaVu Sans"/>
+                          <a:latin typeface="Helvetica"/>
+                          <a:cs typeface="Helvetica"/>
+                          <a:ea typeface="Helvetica"/>
+                          <a:sym typeface="Helvetica"/>
                         </a:rPr>
                         <a:t>8</a:t>
                       </a:r>
@@ -10594,10 +10594,10 @@
                               <a:alpha val="100000"/>
                             </a:srgbClr>
                           </a:solidFill>
-                          <a:latin typeface="DejaVu Sans"/>
-                          <a:cs typeface="DejaVu Sans"/>
-                          <a:ea typeface="DejaVu Sans"/>
-                          <a:sym typeface="DejaVu Sans"/>
+                          <a:latin typeface="Helvetica"/>
+                          <a:cs typeface="Helvetica"/>
+                          <a:ea typeface="Helvetica"/>
+                          <a:sym typeface="Helvetica"/>
                         </a:rPr>
                         <a:t>-</a:t>
                       </a:r>
@@ -10655,10 +10655,10 @@
                               <a:alpha val="100000"/>
                             </a:srgbClr>
                           </a:solidFill>
-                          <a:latin typeface="DejaVu Sans"/>
-                          <a:cs typeface="DejaVu Sans"/>
-                          <a:ea typeface="DejaVu Sans"/>
-                          <a:sym typeface="DejaVu Sans"/>
+                          <a:latin typeface="Helvetica"/>
+                          <a:cs typeface="Helvetica"/>
+                          <a:ea typeface="Helvetica"/>
+                          <a:sym typeface="Helvetica"/>
                         </a:rPr>
                         <a:t>-</a:t>
                       </a:r>
@@ -10716,10 +10716,10 @@
                               <a:alpha val="100000"/>
                             </a:srgbClr>
                           </a:solidFill>
-                          <a:latin typeface="DejaVu Sans"/>
-                          <a:cs typeface="DejaVu Sans"/>
-                          <a:ea typeface="DejaVu Sans"/>
-                          <a:sym typeface="DejaVu Sans"/>
+                          <a:latin typeface="Helvetica"/>
+                          <a:cs typeface="Helvetica"/>
+                          <a:ea typeface="Helvetica"/>
+                          <a:sym typeface="Helvetica"/>
                         </a:rPr>
                         <a:t>-</a:t>
                       </a:r>
@@ -10777,10 +10777,10 @@
                               <a:alpha val="100000"/>
                             </a:srgbClr>
                           </a:solidFill>
-                          <a:latin typeface="DejaVu Sans"/>
-                          <a:cs typeface="DejaVu Sans"/>
-                          <a:ea typeface="DejaVu Sans"/>
-                          <a:sym typeface="DejaVu Sans"/>
+                          <a:latin typeface="Helvetica"/>
+                          <a:cs typeface="Helvetica"/>
+                          <a:ea typeface="Helvetica"/>
+                          <a:sym typeface="Helvetica"/>
                         </a:rPr>
                         <a:t>-</a:t>
                       </a:r>
@@ -10815,7 +10815,7 @@
                   </a:tcPr>
                 </a:tc>
               </a:tr>
-              <a:tr h="368891">
+              <a:tr h="363434">
                 <a:tc>
                   <a:txBody>
                     <a:bodyPr/>
@@ -10840,10 +10840,10 @@
                               <a:alpha val="100000"/>
                             </a:srgbClr>
                           </a:solidFill>
-                          <a:latin typeface="DejaVu Sans"/>
-                          <a:cs typeface="DejaVu Sans"/>
-                          <a:ea typeface="DejaVu Sans"/>
-                          <a:sym typeface="DejaVu Sans"/>
+                          <a:latin typeface="Helvetica"/>
+                          <a:cs typeface="Helvetica"/>
+                          <a:ea typeface="Helvetica"/>
+                          <a:sym typeface="Helvetica"/>
                         </a:rPr>
                         <a:t>Maximum</a:t>
                       </a:r>
@@ -10905,10 +10905,10 @@
                               <a:alpha val="100000"/>
                             </a:srgbClr>
                           </a:solidFill>
-                          <a:latin typeface="DejaVu Sans"/>
-                          <a:cs typeface="DejaVu Sans"/>
-                          <a:ea typeface="DejaVu Sans"/>
-                          <a:sym typeface="DejaVu Sans"/>
+                          <a:latin typeface="Helvetica"/>
+                          <a:cs typeface="Helvetica"/>
+                          <a:ea typeface="Helvetica"/>
+                          <a:sym typeface="Helvetica"/>
                         </a:rPr>
                         <a:t>8</a:t>
                       </a:r>
@@ -10966,10 +10966,10 @@
                               <a:alpha val="100000"/>
                             </a:srgbClr>
                           </a:solidFill>
-                          <a:latin typeface="DejaVu Sans"/>
-                          <a:cs typeface="DejaVu Sans"/>
-                          <a:ea typeface="DejaVu Sans"/>
-                          <a:sym typeface="DejaVu Sans"/>
+                          <a:latin typeface="Helvetica"/>
+                          <a:cs typeface="Helvetica"/>
+                          <a:ea typeface="Helvetica"/>
+                          <a:sym typeface="Helvetica"/>
                         </a:rPr>
                         <a:t>8</a:t>
                       </a:r>
@@ -11027,10 +11027,10 @@
                               <a:alpha val="100000"/>
                             </a:srgbClr>
                           </a:solidFill>
-                          <a:latin typeface="DejaVu Sans"/>
-                          <a:cs typeface="DejaVu Sans"/>
-                          <a:ea typeface="DejaVu Sans"/>
-                          <a:sym typeface="DejaVu Sans"/>
+                          <a:latin typeface="Helvetica"/>
+                          <a:cs typeface="Helvetica"/>
+                          <a:ea typeface="Helvetica"/>
+                          <a:sym typeface="Helvetica"/>
                         </a:rPr>
                         <a:t>-</a:t>
                       </a:r>
@@ -11088,10 +11088,10 @@
                               <a:alpha val="100000"/>
                             </a:srgbClr>
                           </a:solidFill>
-                          <a:latin typeface="DejaVu Sans"/>
-                          <a:cs typeface="DejaVu Sans"/>
-                          <a:ea typeface="DejaVu Sans"/>
-                          <a:sym typeface="DejaVu Sans"/>
+                          <a:latin typeface="Helvetica"/>
+                          <a:cs typeface="Helvetica"/>
+                          <a:ea typeface="Helvetica"/>
+                          <a:sym typeface="Helvetica"/>
                         </a:rPr>
                         <a:t>-</a:t>
                       </a:r>
@@ -11149,10 +11149,10 @@
                               <a:alpha val="100000"/>
                             </a:srgbClr>
                           </a:solidFill>
-                          <a:latin typeface="DejaVu Sans"/>
-                          <a:cs typeface="DejaVu Sans"/>
-                          <a:ea typeface="DejaVu Sans"/>
-                          <a:sym typeface="DejaVu Sans"/>
+                          <a:latin typeface="Helvetica"/>
+                          <a:cs typeface="Helvetica"/>
+                          <a:ea typeface="Helvetica"/>
+                          <a:sym typeface="Helvetica"/>
                         </a:rPr>
                         <a:t>-</a:t>
                       </a:r>
@@ -11210,10 +11210,10 @@
                               <a:alpha val="100000"/>
                             </a:srgbClr>
                           </a:solidFill>
-                          <a:latin typeface="DejaVu Sans"/>
-                          <a:cs typeface="DejaVu Sans"/>
-                          <a:ea typeface="DejaVu Sans"/>
-                          <a:sym typeface="DejaVu Sans"/>
+                          <a:latin typeface="Helvetica"/>
+                          <a:cs typeface="Helvetica"/>
+                          <a:ea typeface="Helvetica"/>
+                          <a:sym typeface="Helvetica"/>
                         </a:rPr>
                         <a:t>-</a:t>
                       </a:r>
@@ -11248,7 +11248,7 @@
                   </a:tcPr>
                 </a:tc>
               </a:tr>
-              <a:tr h="368891">
+              <a:tr h="363638">
                 <a:tc>
                   <a:txBody>
                     <a:bodyPr/>
@@ -11273,10 +11273,10 @@
                               <a:alpha val="100000"/>
                             </a:srgbClr>
                           </a:solidFill>
-                          <a:latin typeface="DejaVu Sans"/>
-                          <a:cs typeface="DejaVu Sans"/>
-                          <a:ea typeface="DejaVu Sans"/>
-                          <a:sym typeface="DejaVu Sans"/>
+                          <a:latin typeface="Helvetica"/>
+                          <a:cs typeface="Helvetica"/>
+                          <a:ea typeface="Helvetica"/>
+                          <a:sym typeface="Helvetica"/>
                         </a:rPr>
                         <a:t>Total</a:t>
                       </a:r>
@@ -11338,10 +11338,10 @@
                               <a:alpha val="100000"/>
                             </a:srgbClr>
                           </a:solidFill>
-                          <a:latin typeface="DejaVu Sans"/>
-                          <a:cs typeface="DejaVu Sans"/>
-                          <a:ea typeface="DejaVu Sans"/>
-                          <a:sym typeface="DejaVu Sans"/>
+                          <a:latin typeface="Helvetica"/>
+                          <a:cs typeface="Helvetica"/>
+                          <a:ea typeface="Helvetica"/>
+                          <a:sym typeface="Helvetica"/>
                         </a:rPr>
                         <a:t>24</a:t>
                       </a:r>
@@ -11399,10 +11399,10 @@
                               <a:alpha val="100000"/>
                             </a:srgbClr>
                           </a:solidFill>
-                          <a:latin typeface="DejaVu Sans"/>
-                          <a:cs typeface="DejaVu Sans"/>
-                          <a:ea typeface="DejaVu Sans"/>
-                          <a:sym typeface="DejaVu Sans"/>
+                          <a:latin typeface="Helvetica"/>
+                          <a:cs typeface="Helvetica"/>
+                          <a:ea typeface="Helvetica"/>
+                          <a:sym typeface="Helvetica"/>
                         </a:rPr>
                         <a:t>23</a:t>
                       </a:r>
@@ -11460,10 +11460,10 @@
                               <a:alpha val="100000"/>
                             </a:srgbClr>
                           </a:solidFill>
-                          <a:latin typeface="DejaVu Sans"/>
-                          <a:cs typeface="DejaVu Sans"/>
-                          <a:ea typeface="DejaVu Sans"/>
-                          <a:sym typeface="DejaVu Sans"/>
+                          <a:latin typeface="Helvetica"/>
+                          <a:cs typeface="Helvetica"/>
+                          <a:ea typeface="Helvetica"/>
+                          <a:sym typeface="Helvetica"/>
                         </a:rPr>
                         <a:t>-</a:t>
                       </a:r>
@@ -11521,10 +11521,10 @@
                               <a:alpha val="100000"/>
                             </a:srgbClr>
                           </a:solidFill>
-                          <a:latin typeface="DejaVu Sans"/>
-                          <a:cs typeface="DejaVu Sans"/>
-                          <a:ea typeface="DejaVu Sans"/>
-                          <a:sym typeface="DejaVu Sans"/>
+                          <a:latin typeface="Helvetica"/>
+                          <a:cs typeface="Helvetica"/>
+                          <a:ea typeface="Helvetica"/>
+                          <a:sym typeface="Helvetica"/>
                         </a:rPr>
                         <a:t>-</a:t>
                       </a:r>
@@ -11582,10 +11582,10 @@
                               <a:alpha val="100000"/>
                             </a:srgbClr>
                           </a:solidFill>
-                          <a:latin typeface="DejaVu Sans"/>
-                          <a:cs typeface="DejaVu Sans"/>
-                          <a:ea typeface="DejaVu Sans"/>
-                          <a:sym typeface="DejaVu Sans"/>
+                          <a:latin typeface="Helvetica"/>
+                          <a:cs typeface="Helvetica"/>
+                          <a:ea typeface="Helvetica"/>
+                          <a:sym typeface="Helvetica"/>
                         </a:rPr>
                         <a:t>-</a:t>
                       </a:r>
@@ -11643,10 +11643,10 @@
                               <a:alpha val="100000"/>
                             </a:srgbClr>
                           </a:solidFill>
-                          <a:latin typeface="DejaVu Sans"/>
-                          <a:cs typeface="DejaVu Sans"/>
-                          <a:ea typeface="DejaVu Sans"/>
-                          <a:sym typeface="DejaVu Sans"/>
+                          <a:latin typeface="Helvetica"/>
+                          <a:cs typeface="Helvetica"/>
+                          <a:ea typeface="Helvetica"/>
+                          <a:sym typeface="Helvetica"/>
                         </a:rPr>
                         <a:t>-</a:t>
                       </a:r>

--- a/table.pptx
+++ b/table.pptx
@@ -2231,15 +2231,15 @@
             <a:tbl>
               <a:tblPr/>
               <a:tblGrid>
-                <a:gridCol w="866163"/>
-                <a:gridCol w="726599"/>
-                <a:gridCol w="563570"/>
-                <a:gridCol w="726599"/>
-                <a:gridCol w="563570"/>
-                <a:gridCol w="726599"/>
-                <a:gridCol w="563570"/>
+                <a:gridCol w="949110"/>
+                <a:gridCol w="773530"/>
+                <a:gridCol w="591674"/>
+                <a:gridCol w="773530"/>
+                <a:gridCol w="591674"/>
+                <a:gridCol w="773530"/>
+                <a:gridCol w="591674"/>
               </a:tblGrid>
-              <a:tr h="462026">
+              <a:tr h="509947">
                 <a:tc gridSpan="7">
                   <a:txBody>
                     <a:bodyPr/>
@@ -2269,7 +2269,7 @@
                           <a:ea typeface="Merriweather"/>
                           <a:sym typeface="Merriweather"/>
                         </a:rPr>
-                        <a:t>Data is courtesy of the {palmerpenguins} R package</a:t>
+                        <a:t>Penguins in the Palmer Archipelago</a:t>
                       </a:r>
                     </a:p>
                   </a:txBody>
@@ -2330,7 +2330,7 @@
                           <a:ea typeface="Merriweather"/>
                           <a:sym typeface="Merriweather"/>
                         </a:rPr>
-                        <a:t>Data is courtesy of the {palmerpenguins} R package</a:t>
+                        <a:t>Penguins in the Palmer Archipelago</a:t>
                       </a:r>
                     </a:p>
                   </a:txBody>
@@ -2391,7 +2391,7 @@
                           <a:ea typeface="Merriweather"/>
                           <a:sym typeface="Merriweather"/>
                         </a:rPr>
-                        <a:t>Data is courtesy of the {palmerpenguins} R package</a:t>
+                        <a:t>Penguins in the Palmer Archipelago</a:t>
                       </a:r>
                     </a:p>
                   </a:txBody>
@@ -2452,7 +2452,7 @@
                           <a:ea typeface="Merriweather"/>
                           <a:sym typeface="Merriweather"/>
                         </a:rPr>
-                        <a:t>Data is courtesy of the {palmerpenguins} R package</a:t>
+                        <a:t>Penguins in the Palmer Archipelago</a:t>
                       </a:r>
                     </a:p>
                   </a:txBody>
@@ -2513,7 +2513,7 @@
                           <a:ea typeface="Merriweather"/>
                           <a:sym typeface="Merriweather"/>
                         </a:rPr>
-                        <a:t>Data is courtesy of the {palmerpenguins} R package</a:t>
+                        <a:t>Penguins in the Palmer Archipelago</a:t>
                       </a:r>
                     </a:p>
                   </a:txBody>
@@ -2574,7 +2574,7 @@
                           <a:ea typeface="Merriweather"/>
                           <a:sym typeface="Merriweather"/>
                         </a:rPr>
-                        <a:t>Data is courtesy of the {palmerpenguins} R package</a:t>
+                        <a:t>Penguins in the Palmer Archipelago</a:t>
                       </a:r>
                     </a:p>
                   </a:txBody>
@@ -2635,7 +2635,7 @@
                           <a:ea typeface="Merriweather"/>
                           <a:sym typeface="Merriweather"/>
                         </a:rPr>
-                        <a:t>Data is courtesy of the {palmerpenguins} R package</a:t>
+                        <a:t>Penguins in the Palmer Archipelago</a:t>
                       </a:r>
                     </a:p>
                   </a:txBody>
@@ -2668,7 +2668,7 @@
                   </a:tcPr>
                 </a:tc>
               </a:tr>
-              <a:tr h="390173">
+              <a:tr h="390992">
                 <a:tc gridSpan="7">
                   <a:txBody>
                     <a:bodyPr/>
@@ -2698,7 +2698,7 @@
                           <a:ea typeface="Arial"/>
                           <a:sym typeface="Arial"/>
                         </a:rPr>
-                        <a:t>Penguins in the Palmer Archipelago</a:t>
+                        <a:t>Data is courtesy of the {palmerpenguins} R package</a:t>
                       </a:r>
                     </a:p>
                   </a:txBody>
@@ -2755,7 +2755,7 @@
                           <a:ea typeface="Arial"/>
                           <a:sym typeface="Arial"/>
                         </a:rPr>
-                        <a:t>Penguins in the Palmer Archipelago</a:t>
+                        <a:t>Data is courtesy of the {palmerpenguins} R package</a:t>
                       </a:r>
                     </a:p>
                   </a:txBody>
@@ -2812,7 +2812,7 @@
                           <a:ea typeface="Arial"/>
                           <a:sym typeface="Arial"/>
                         </a:rPr>
-                        <a:t>Penguins in the Palmer Archipelago</a:t>
+                        <a:t>Data is courtesy of the {palmerpenguins} R package</a:t>
                       </a:r>
                     </a:p>
                   </a:txBody>
@@ -2869,7 +2869,7 @@
                           <a:ea typeface="Arial"/>
                           <a:sym typeface="Arial"/>
                         </a:rPr>
-                        <a:t>Penguins in the Palmer Archipelago</a:t>
+                        <a:t>Data is courtesy of the {palmerpenguins} R package</a:t>
                       </a:r>
                     </a:p>
                   </a:txBody>
@@ -2926,7 +2926,7 @@
                           <a:ea typeface="Arial"/>
                           <a:sym typeface="Arial"/>
                         </a:rPr>
-                        <a:t>Penguins in the Palmer Archipelago</a:t>
+                        <a:t>Data is courtesy of the {palmerpenguins} R package</a:t>
                       </a:r>
                     </a:p>
                   </a:txBody>
@@ -2983,7 +2983,7 @@
                           <a:ea typeface="Arial"/>
                           <a:sym typeface="Arial"/>
                         </a:rPr>
-                        <a:t>Penguins in the Palmer Archipelago</a:t>
+                        <a:t>Data is courtesy of the {palmerpenguins} R package</a:t>
                       </a:r>
                     </a:p>
                   </a:txBody>
@@ -3040,7 +3040,7 @@
                           <a:ea typeface="Arial"/>
                           <a:sym typeface="Arial"/>
                         </a:rPr>
-                        <a:t>Penguins in the Palmer Archipelago</a:t>
+                        <a:t>Data is courtesy of the {palmerpenguins} R package</a:t>
                       </a:r>
                     </a:p>
                   </a:txBody>
@@ -3069,7 +3069,7 @@
                   </a:tcPr>
                 </a:tc>
               </a:tr>
-              <a:tr h="392492">
+              <a:tr h="395971">
                 <a:tc>
                   <a:txBody>
                     <a:bodyPr/>
@@ -3094,10 +3094,10 @@
                               <a:alpha val="100000"/>
                             </a:srgbClr>
                           </a:solidFill>
-                          <a:latin typeface="Helvetica"/>
-                          <a:cs typeface="Helvetica"/>
-                          <a:ea typeface="Helvetica"/>
-                          <a:sym typeface="Helvetica"/>
+                          <a:latin typeface="DejaVu Sans"/>
+                          <a:cs typeface="DejaVu Sans"/>
+                          <a:ea typeface="DejaVu Sans"/>
+                          <a:sym typeface="DejaVu Sans"/>
                         </a:rPr>
                         <a:t/>
                       </a:r>
@@ -3151,10 +3151,10 @@
                               <a:alpha val="100000"/>
                             </a:srgbClr>
                           </a:solidFill>
-                          <a:latin typeface="Helvetica"/>
-                          <a:cs typeface="Helvetica"/>
-                          <a:ea typeface="Helvetica"/>
-                          <a:sym typeface="Helvetica"/>
+                          <a:latin typeface="DejaVu Sans"/>
+                          <a:cs typeface="DejaVu Sans"/>
+                          <a:ea typeface="DejaVu Sans"/>
+                          <a:sym typeface="DejaVu Sans"/>
                         </a:rPr>
                         <a:t>Adelie</a:t>
                       </a:r>
@@ -3208,10 +3208,10 @@
                               <a:alpha val="100000"/>
                             </a:srgbClr>
                           </a:solidFill>
-                          <a:latin typeface="Helvetica"/>
-                          <a:cs typeface="Helvetica"/>
-                          <a:ea typeface="Helvetica"/>
-                          <a:sym typeface="Helvetica"/>
+                          <a:latin typeface="DejaVu Sans"/>
+                          <a:cs typeface="DejaVu Sans"/>
+                          <a:ea typeface="DejaVu Sans"/>
+                          <a:sym typeface="DejaVu Sans"/>
                         </a:rPr>
                         <a:t>Adelie</a:t>
                       </a:r>
@@ -3265,10 +3265,10 @@
                               <a:alpha val="100000"/>
                             </a:srgbClr>
                           </a:solidFill>
-                          <a:latin typeface="Helvetica"/>
-                          <a:cs typeface="Helvetica"/>
-                          <a:ea typeface="Helvetica"/>
-                          <a:sym typeface="Helvetica"/>
+                          <a:latin typeface="DejaVu Sans"/>
+                          <a:cs typeface="DejaVu Sans"/>
+                          <a:ea typeface="DejaVu Sans"/>
+                          <a:sym typeface="DejaVu Sans"/>
                         </a:rPr>
                         <a:t>Chinstrap</a:t>
                       </a:r>
@@ -3322,10 +3322,10 @@
                               <a:alpha val="100000"/>
                             </a:srgbClr>
                           </a:solidFill>
-                          <a:latin typeface="Helvetica"/>
-                          <a:cs typeface="Helvetica"/>
-                          <a:ea typeface="Helvetica"/>
-                          <a:sym typeface="Helvetica"/>
+                          <a:latin typeface="DejaVu Sans"/>
+                          <a:cs typeface="DejaVu Sans"/>
+                          <a:ea typeface="DejaVu Sans"/>
+                          <a:sym typeface="DejaVu Sans"/>
                         </a:rPr>
                         <a:t>Chinstrap</a:t>
                       </a:r>
@@ -3379,10 +3379,10 @@
                               <a:alpha val="100000"/>
                             </a:srgbClr>
                           </a:solidFill>
-                          <a:latin typeface="Helvetica"/>
-                          <a:cs typeface="Helvetica"/>
-                          <a:ea typeface="Helvetica"/>
-                          <a:sym typeface="Helvetica"/>
+                          <a:latin typeface="DejaVu Sans"/>
+                          <a:cs typeface="DejaVu Sans"/>
+                          <a:ea typeface="DejaVu Sans"/>
+                          <a:sym typeface="DejaVu Sans"/>
                         </a:rPr>
                         <a:t>Gentoo</a:t>
                       </a:r>
@@ -3436,10 +3436,10 @@
                               <a:alpha val="100000"/>
                             </a:srgbClr>
                           </a:solidFill>
-                          <a:latin typeface="Helvetica"/>
-                          <a:cs typeface="Helvetica"/>
-                          <a:ea typeface="Helvetica"/>
-                          <a:sym typeface="Helvetica"/>
+                          <a:latin typeface="DejaVu Sans"/>
+                          <a:cs typeface="DejaVu Sans"/>
+                          <a:ea typeface="DejaVu Sans"/>
+                          <a:sym typeface="DejaVu Sans"/>
                         </a:rPr>
                         <a:t>Gentoo</a:t>
                       </a:r>
@@ -3470,7 +3470,7 @@
                   </a:tcPr>
                 </a:tc>
               </a:tr>
-              <a:tr h="363570">
+              <a:tr h="368891">
                 <a:tc>
                   <a:txBody>
                     <a:bodyPr/>
@@ -3495,12 +3495,12 @@
                               <a:alpha val="100000"/>
                             </a:srgbClr>
                           </a:solidFill>
-                          <a:latin typeface="Helvetica"/>
-                          <a:cs typeface="Helvetica"/>
-                          <a:ea typeface="Helvetica"/>
-                          <a:sym typeface="Helvetica"/>
-                        </a:rPr>
-                        <a:t>Year</a:t>
+                          <a:latin typeface="DejaVu Sans"/>
+                          <a:cs typeface="DejaVu Sans"/>
+                          <a:ea typeface="DejaVu Sans"/>
+                          <a:sym typeface="DejaVu Sans"/>
+                        </a:rPr>
+                        <a:t/>
                       </a:r>
                     </a:p>
                   </a:txBody>
@@ -3556,10 +3556,10 @@
                               <a:alpha val="100000"/>
                             </a:srgbClr>
                           </a:solidFill>
-                          <a:latin typeface="Helvetica"/>
-                          <a:cs typeface="Helvetica"/>
-                          <a:ea typeface="Helvetica"/>
-                          <a:sym typeface="Helvetica"/>
+                          <a:latin typeface="DejaVu Sans"/>
+                          <a:cs typeface="DejaVu Sans"/>
+                          <a:ea typeface="DejaVu Sans"/>
+                          <a:sym typeface="DejaVu Sans"/>
                         </a:rPr>
                         <a:t>Female</a:t>
                       </a:r>
@@ -3617,10 +3617,10 @@
                               <a:alpha val="100000"/>
                             </a:srgbClr>
                           </a:solidFill>
-                          <a:latin typeface="Helvetica"/>
-                          <a:cs typeface="Helvetica"/>
-                          <a:ea typeface="Helvetica"/>
-                          <a:sym typeface="Helvetica"/>
+                          <a:latin typeface="DejaVu Sans"/>
+                          <a:cs typeface="DejaVu Sans"/>
+                          <a:ea typeface="DejaVu Sans"/>
+                          <a:sym typeface="DejaVu Sans"/>
                         </a:rPr>
                         <a:t>Male</a:t>
                       </a:r>
@@ -3678,10 +3678,10 @@
                               <a:alpha val="100000"/>
                             </a:srgbClr>
                           </a:solidFill>
-                          <a:latin typeface="Helvetica"/>
-                          <a:cs typeface="Helvetica"/>
-                          <a:ea typeface="Helvetica"/>
-                          <a:sym typeface="Helvetica"/>
+                          <a:latin typeface="DejaVu Sans"/>
+                          <a:cs typeface="DejaVu Sans"/>
+                          <a:ea typeface="DejaVu Sans"/>
+                          <a:sym typeface="DejaVu Sans"/>
                         </a:rPr>
                         <a:t>Female</a:t>
                       </a:r>
@@ -3739,10 +3739,10 @@
                               <a:alpha val="100000"/>
                             </a:srgbClr>
                           </a:solidFill>
-                          <a:latin typeface="Helvetica"/>
-                          <a:cs typeface="Helvetica"/>
-                          <a:ea typeface="Helvetica"/>
-                          <a:sym typeface="Helvetica"/>
+                          <a:latin typeface="DejaVu Sans"/>
+                          <a:cs typeface="DejaVu Sans"/>
+                          <a:ea typeface="DejaVu Sans"/>
+                          <a:sym typeface="DejaVu Sans"/>
                         </a:rPr>
                         <a:t>Male</a:t>
                       </a:r>
@@ -3800,10 +3800,10 @@
                               <a:alpha val="100000"/>
                             </a:srgbClr>
                           </a:solidFill>
-                          <a:latin typeface="Helvetica"/>
-                          <a:cs typeface="Helvetica"/>
-                          <a:ea typeface="Helvetica"/>
-                          <a:sym typeface="Helvetica"/>
+                          <a:latin typeface="DejaVu Sans"/>
+                          <a:cs typeface="DejaVu Sans"/>
+                          <a:ea typeface="DejaVu Sans"/>
+                          <a:sym typeface="DejaVu Sans"/>
                         </a:rPr>
                         <a:t>Female</a:t>
                       </a:r>
@@ -3861,10 +3861,10 @@
                               <a:alpha val="100000"/>
                             </a:srgbClr>
                           </a:solidFill>
-                          <a:latin typeface="Helvetica"/>
-                          <a:cs typeface="Helvetica"/>
-                          <a:ea typeface="Helvetica"/>
-                          <a:sym typeface="Helvetica"/>
+                          <a:latin typeface="DejaVu Sans"/>
+                          <a:cs typeface="DejaVu Sans"/>
+                          <a:ea typeface="DejaVu Sans"/>
+                          <a:sym typeface="DejaVu Sans"/>
                         </a:rPr>
                         <a:t>Male</a:t>
                       </a:r>
@@ -3899,7 +3899,7 @@
                   </a:tcPr>
                 </a:tc>
               </a:tr>
-              <a:tr h="371650">
+              <a:tr h="372692">
                 <a:tc gridSpan="7">
                   <a:txBody>
                     <a:bodyPr/>
@@ -4356,7 +4356,7 @@
                   </a:tcPr>
                 </a:tc>
               </a:tr>
-              <a:tr h="361456">
+              <a:tr h="366435">
                 <a:tc>
                   <a:txBody>
                     <a:bodyPr/>
@@ -4381,10 +4381,10 @@
                               <a:alpha val="100000"/>
                             </a:srgbClr>
                           </a:solidFill>
-                          <a:latin typeface="Helvetica"/>
-                          <a:cs typeface="Helvetica"/>
-                          <a:ea typeface="Helvetica"/>
-                          <a:sym typeface="Helvetica"/>
+                          <a:latin typeface="DejaVu Sans"/>
+                          <a:cs typeface="DejaVu Sans"/>
+                          <a:ea typeface="DejaVu Sans"/>
+                          <a:sym typeface="DejaVu Sans"/>
                         </a:rPr>
                         <a:t>2007</a:t>
                       </a:r>
@@ -4446,10 +4446,10 @@
                               <a:alpha val="100000"/>
                             </a:srgbClr>
                           </a:solidFill>
-                          <a:latin typeface="Helvetica"/>
-                          <a:cs typeface="Helvetica"/>
-                          <a:ea typeface="Helvetica"/>
-                          <a:sym typeface="Helvetica"/>
+                          <a:latin typeface="DejaVu Sans"/>
+                          <a:cs typeface="DejaVu Sans"/>
+                          <a:ea typeface="DejaVu Sans"/>
+                          <a:sym typeface="DejaVu Sans"/>
                         </a:rPr>
                         <a:t>5</a:t>
                       </a:r>
@@ -4507,10 +4507,10 @@
                               <a:alpha val="100000"/>
                             </a:srgbClr>
                           </a:solidFill>
-                          <a:latin typeface="Helvetica"/>
-                          <a:cs typeface="Helvetica"/>
-                          <a:ea typeface="Helvetica"/>
-                          <a:sym typeface="Helvetica"/>
+                          <a:latin typeface="DejaVu Sans"/>
+                          <a:cs typeface="DejaVu Sans"/>
+                          <a:ea typeface="DejaVu Sans"/>
+                          <a:sym typeface="DejaVu Sans"/>
                         </a:rPr>
                         <a:t>5</a:t>
                       </a:r>
@@ -4568,10 +4568,10 @@
                               <a:alpha val="100000"/>
                             </a:srgbClr>
                           </a:solidFill>
-                          <a:latin typeface="Helvetica"/>
-                          <a:cs typeface="Helvetica"/>
-                          <a:ea typeface="Helvetica"/>
-                          <a:sym typeface="Helvetica"/>
+                          <a:latin typeface="DejaVu Sans"/>
+                          <a:cs typeface="DejaVu Sans"/>
+                          <a:ea typeface="DejaVu Sans"/>
+                          <a:sym typeface="DejaVu Sans"/>
                         </a:rPr>
                         <a:t>-</a:t>
                       </a:r>
@@ -4629,10 +4629,10 @@
                               <a:alpha val="100000"/>
                             </a:srgbClr>
                           </a:solidFill>
-                          <a:latin typeface="Helvetica"/>
-                          <a:cs typeface="Helvetica"/>
-                          <a:ea typeface="Helvetica"/>
-                          <a:sym typeface="Helvetica"/>
+                          <a:latin typeface="DejaVu Sans"/>
+                          <a:cs typeface="DejaVu Sans"/>
+                          <a:ea typeface="DejaVu Sans"/>
+                          <a:sym typeface="DejaVu Sans"/>
                         </a:rPr>
                         <a:t>-</a:t>
                       </a:r>
@@ -4690,10 +4690,10 @@
                               <a:alpha val="100000"/>
                             </a:srgbClr>
                           </a:solidFill>
-                          <a:latin typeface="Helvetica"/>
-                          <a:cs typeface="Helvetica"/>
-                          <a:ea typeface="Helvetica"/>
-                          <a:sym typeface="Helvetica"/>
+                          <a:latin typeface="DejaVu Sans"/>
+                          <a:cs typeface="DejaVu Sans"/>
+                          <a:ea typeface="DejaVu Sans"/>
+                          <a:sym typeface="DejaVu Sans"/>
                         </a:rPr>
                         <a:t>16</a:t>
                       </a:r>
@@ -4751,10 +4751,10 @@
                               <a:alpha val="100000"/>
                             </a:srgbClr>
                           </a:solidFill>
-                          <a:latin typeface="Helvetica"/>
-                          <a:cs typeface="Helvetica"/>
-                          <a:ea typeface="Helvetica"/>
-                          <a:sym typeface="Helvetica"/>
+                          <a:latin typeface="DejaVu Sans"/>
+                          <a:cs typeface="DejaVu Sans"/>
+                          <a:ea typeface="DejaVu Sans"/>
+                          <a:sym typeface="DejaVu Sans"/>
                         </a:rPr>
                         <a:t>17</a:t>
                       </a:r>
@@ -4789,7 +4789,7 @@
                   </a:tcPr>
                 </a:tc>
               </a:tr>
-              <a:tr h="361592">
+              <a:tr h="366435">
                 <a:tc>
                   <a:txBody>
                     <a:bodyPr/>
@@ -4814,10 +4814,10 @@
                               <a:alpha val="100000"/>
                             </a:srgbClr>
                           </a:solidFill>
-                          <a:latin typeface="Helvetica"/>
-                          <a:cs typeface="Helvetica"/>
-                          <a:ea typeface="Helvetica"/>
-                          <a:sym typeface="Helvetica"/>
+                          <a:latin typeface="DejaVu Sans"/>
+                          <a:cs typeface="DejaVu Sans"/>
+                          <a:ea typeface="DejaVu Sans"/>
+                          <a:sym typeface="DejaVu Sans"/>
                         </a:rPr>
                         <a:t>2008</a:t>
                       </a:r>
@@ -4875,10 +4875,10 @@
                               <a:alpha val="100000"/>
                             </a:srgbClr>
                           </a:solidFill>
-                          <a:latin typeface="Helvetica"/>
-                          <a:cs typeface="Helvetica"/>
-                          <a:ea typeface="Helvetica"/>
-                          <a:sym typeface="Helvetica"/>
+                          <a:latin typeface="DejaVu Sans"/>
+                          <a:cs typeface="DejaVu Sans"/>
+                          <a:ea typeface="DejaVu Sans"/>
+                          <a:sym typeface="DejaVu Sans"/>
                         </a:rPr>
                         <a:t>9</a:t>
                       </a:r>
@@ -4932,10 +4932,10 @@
                               <a:alpha val="100000"/>
                             </a:srgbClr>
                           </a:solidFill>
-                          <a:latin typeface="Helvetica"/>
-                          <a:cs typeface="Helvetica"/>
-                          <a:ea typeface="Helvetica"/>
-                          <a:sym typeface="Helvetica"/>
+                          <a:latin typeface="DejaVu Sans"/>
+                          <a:cs typeface="DejaVu Sans"/>
+                          <a:ea typeface="DejaVu Sans"/>
+                          <a:sym typeface="DejaVu Sans"/>
                         </a:rPr>
                         <a:t>9</a:t>
                       </a:r>
@@ -4989,10 +4989,10 @@
                               <a:alpha val="100000"/>
                             </a:srgbClr>
                           </a:solidFill>
-                          <a:latin typeface="Helvetica"/>
-                          <a:cs typeface="Helvetica"/>
-                          <a:ea typeface="Helvetica"/>
-                          <a:sym typeface="Helvetica"/>
+                          <a:latin typeface="DejaVu Sans"/>
+                          <a:cs typeface="DejaVu Sans"/>
+                          <a:ea typeface="DejaVu Sans"/>
+                          <a:sym typeface="DejaVu Sans"/>
                         </a:rPr>
                         <a:t>-</a:t>
                       </a:r>
@@ -5046,10 +5046,10 @@
                               <a:alpha val="100000"/>
                             </a:srgbClr>
                           </a:solidFill>
-                          <a:latin typeface="Helvetica"/>
-                          <a:cs typeface="Helvetica"/>
-                          <a:ea typeface="Helvetica"/>
-                          <a:sym typeface="Helvetica"/>
+                          <a:latin typeface="DejaVu Sans"/>
+                          <a:cs typeface="DejaVu Sans"/>
+                          <a:ea typeface="DejaVu Sans"/>
+                          <a:sym typeface="DejaVu Sans"/>
                         </a:rPr>
                         <a:t>-</a:t>
                       </a:r>
@@ -5103,10 +5103,10 @@
                               <a:alpha val="100000"/>
                             </a:srgbClr>
                           </a:solidFill>
-                          <a:latin typeface="Helvetica"/>
-                          <a:cs typeface="Helvetica"/>
-                          <a:ea typeface="Helvetica"/>
-                          <a:sym typeface="Helvetica"/>
+                          <a:latin typeface="DejaVu Sans"/>
+                          <a:cs typeface="DejaVu Sans"/>
+                          <a:ea typeface="DejaVu Sans"/>
+                          <a:sym typeface="DejaVu Sans"/>
                         </a:rPr>
                         <a:t>22</a:t>
                       </a:r>
@@ -5160,10 +5160,10 @@
                               <a:alpha val="100000"/>
                             </a:srgbClr>
                           </a:solidFill>
-                          <a:latin typeface="Helvetica"/>
-                          <a:cs typeface="Helvetica"/>
-                          <a:ea typeface="Helvetica"/>
-                          <a:sym typeface="Helvetica"/>
+                          <a:latin typeface="DejaVu Sans"/>
+                          <a:cs typeface="DejaVu Sans"/>
+                          <a:ea typeface="DejaVu Sans"/>
+                          <a:sym typeface="DejaVu Sans"/>
                         </a:rPr>
                         <a:t>23</a:t>
                       </a:r>
@@ -5194,7 +5194,7 @@
                   </a:tcPr>
                 </a:tc>
               </a:tr>
-              <a:tr h="361524">
+              <a:tr h="366435">
                 <a:tc>
                   <a:txBody>
                     <a:bodyPr/>
@@ -5219,10 +5219,10 @@
                               <a:alpha val="100000"/>
                             </a:srgbClr>
                           </a:solidFill>
-                          <a:latin typeface="Helvetica"/>
-                          <a:cs typeface="Helvetica"/>
-                          <a:ea typeface="Helvetica"/>
-                          <a:sym typeface="Helvetica"/>
+                          <a:latin typeface="DejaVu Sans"/>
+                          <a:cs typeface="DejaVu Sans"/>
+                          <a:ea typeface="DejaVu Sans"/>
+                          <a:sym typeface="DejaVu Sans"/>
                         </a:rPr>
                         <a:t>2009</a:t>
                       </a:r>
@@ -5284,10 +5284,10 @@
                               <a:alpha val="100000"/>
                             </a:srgbClr>
                           </a:solidFill>
-                          <a:latin typeface="Helvetica"/>
-                          <a:cs typeface="Helvetica"/>
-                          <a:ea typeface="Helvetica"/>
-                          <a:sym typeface="Helvetica"/>
+                          <a:latin typeface="DejaVu Sans"/>
+                          <a:cs typeface="DejaVu Sans"/>
+                          <a:ea typeface="DejaVu Sans"/>
+                          <a:sym typeface="DejaVu Sans"/>
                         </a:rPr>
                         <a:t>8</a:t>
                       </a:r>
@@ -5345,10 +5345,10 @@
                               <a:alpha val="100000"/>
                             </a:srgbClr>
                           </a:solidFill>
-                          <a:latin typeface="Helvetica"/>
-                          <a:cs typeface="Helvetica"/>
-                          <a:ea typeface="Helvetica"/>
-                          <a:sym typeface="Helvetica"/>
+                          <a:latin typeface="DejaVu Sans"/>
+                          <a:cs typeface="DejaVu Sans"/>
+                          <a:ea typeface="DejaVu Sans"/>
+                          <a:sym typeface="DejaVu Sans"/>
                         </a:rPr>
                         <a:t>8</a:t>
                       </a:r>
@@ -5406,10 +5406,10 @@
                               <a:alpha val="100000"/>
                             </a:srgbClr>
                           </a:solidFill>
-                          <a:latin typeface="Helvetica"/>
-                          <a:cs typeface="Helvetica"/>
-                          <a:ea typeface="Helvetica"/>
-                          <a:sym typeface="Helvetica"/>
+                          <a:latin typeface="DejaVu Sans"/>
+                          <a:cs typeface="DejaVu Sans"/>
+                          <a:ea typeface="DejaVu Sans"/>
+                          <a:sym typeface="DejaVu Sans"/>
                         </a:rPr>
                         <a:t>-</a:t>
                       </a:r>
@@ -5467,10 +5467,10 @@
                               <a:alpha val="100000"/>
                             </a:srgbClr>
                           </a:solidFill>
-                          <a:latin typeface="Helvetica"/>
-                          <a:cs typeface="Helvetica"/>
-                          <a:ea typeface="Helvetica"/>
-                          <a:sym typeface="Helvetica"/>
+                          <a:latin typeface="DejaVu Sans"/>
+                          <a:cs typeface="DejaVu Sans"/>
+                          <a:ea typeface="DejaVu Sans"/>
+                          <a:sym typeface="DejaVu Sans"/>
                         </a:rPr>
                         <a:t>-</a:t>
                       </a:r>
@@ -5528,10 +5528,10 @@
                               <a:alpha val="100000"/>
                             </a:srgbClr>
                           </a:solidFill>
-                          <a:latin typeface="Helvetica"/>
-                          <a:cs typeface="Helvetica"/>
-                          <a:ea typeface="Helvetica"/>
-                          <a:sym typeface="Helvetica"/>
+                          <a:latin typeface="DejaVu Sans"/>
+                          <a:cs typeface="DejaVu Sans"/>
+                          <a:ea typeface="DejaVu Sans"/>
+                          <a:sym typeface="DejaVu Sans"/>
                         </a:rPr>
                         <a:t>20</a:t>
                       </a:r>
@@ -5589,10 +5589,10 @@
                               <a:alpha val="100000"/>
                             </a:srgbClr>
                           </a:solidFill>
-                          <a:latin typeface="Helvetica"/>
-                          <a:cs typeface="Helvetica"/>
-                          <a:ea typeface="Helvetica"/>
-                          <a:sym typeface="Helvetica"/>
+                          <a:latin typeface="DejaVu Sans"/>
+                          <a:cs typeface="DejaVu Sans"/>
+                          <a:ea typeface="DejaVu Sans"/>
+                          <a:sym typeface="DejaVu Sans"/>
                         </a:rPr>
                         <a:t>21</a:t>
                       </a:r>
@@ -5627,7 +5627,7 @@
                   </a:tcPr>
                 </a:tc>
               </a:tr>
-              <a:tr h="363434">
+              <a:tr h="368891">
                 <a:tc>
                   <a:txBody>
                     <a:bodyPr/>
@@ -5652,10 +5652,10 @@
                               <a:alpha val="100000"/>
                             </a:srgbClr>
                           </a:solidFill>
-                          <a:latin typeface="Helvetica"/>
-                          <a:cs typeface="Helvetica"/>
-                          <a:ea typeface="Helvetica"/>
-                          <a:sym typeface="Helvetica"/>
+                          <a:latin typeface="DejaVu Sans"/>
+                          <a:cs typeface="DejaVu Sans"/>
+                          <a:ea typeface="DejaVu Sans"/>
+                          <a:sym typeface="DejaVu Sans"/>
                         </a:rPr>
                         <a:t>Maximum</a:t>
                       </a:r>
@@ -5717,10 +5717,10 @@
                               <a:alpha val="100000"/>
                             </a:srgbClr>
                           </a:solidFill>
-                          <a:latin typeface="Helvetica"/>
-                          <a:cs typeface="Helvetica"/>
-                          <a:ea typeface="Helvetica"/>
-                          <a:sym typeface="Helvetica"/>
+                          <a:latin typeface="DejaVu Sans"/>
+                          <a:cs typeface="DejaVu Sans"/>
+                          <a:ea typeface="DejaVu Sans"/>
+                          <a:sym typeface="DejaVu Sans"/>
                         </a:rPr>
                         <a:t>9</a:t>
                       </a:r>
@@ -5778,10 +5778,10 @@
                               <a:alpha val="100000"/>
                             </a:srgbClr>
                           </a:solidFill>
-                          <a:latin typeface="Helvetica"/>
-                          <a:cs typeface="Helvetica"/>
-                          <a:ea typeface="Helvetica"/>
-                          <a:sym typeface="Helvetica"/>
+                          <a:latin typeface="DejaVu Sans"/>
+                          <a:cs typeface="DejaVu Sans"/>
+                          <a:ea typeface="DejaVu Sans"/>
+                          <a:sym typeface="DejaVu Sans"/>
                         </a:rPr>
                         <a:t>9</a:t>
                       </a:r>
@@ -5839,10 +5839,10 @@
                               <a:alpha val="100000"/>
                             </a:srgbClr>
                           </a:solidFill>
-                          <a:latin typeface="Helvetica"/>
-                          <a:cs typeface="Helvetica"/>
-                          <a:ea typeface="Helvetica"/>
-                          <a:sym typeface="Helvetica"/>
+                          <a:latin typeface="DejaVu Sans"/>
+                          <a:cs typeface="DejaVu Sans"/>
+                          <a:ea typeface="DejaVu Sans"/>
+                          <a:sym typeface="DejaVu Sans"/>
                         </a:rPr>
                         <a:t>-</a:t>
                       </a:r>
@@ -5900,10 +5900,10 @@
                               <a:alpha val="100000"/>
                             </a:srgbClr>
                           </a:solidFill>
-                          <a:latin typeface="Helvetica"/>
-                          <a:cs typeface="Helvetica"/>
-                          <a:ea typeface="Helvetica"/>
-                          <a:sym typeface="Helvetica"/>
+                          <a:latin typeface="DejaVu Sans"/>
+                          <a:cs typeface="DejaVu Sans"/>
+                          <a:ea typeface="DejaVu Sans"/>
+                          <a:sym typeface="DejaVu Sans"/>
                         </a:rPr>
                         <a:t>-</a:t>
                       </a:r>
@@ -5961,10 +5961,10 @@
                               <a:alpha val="100000"/>
                             </a:srgbClr>
                           </a:solidFill>
-                          <a:latin typeface="Helvetica"/>
-                          <a:cs typeface="Helvetica"/>
-                          <a:ea typeface="Helvetica"/>
-                          <a:sym typeface="Helvetica"/>
+                          <a:latin typeface="DejaVu Sans"/>
+                          <a:cs typeface="DejaVu Sans"/>
+                          <a:ea typeface="DejaVu Sans"/>
+                          <a:sym typeface="DejaVu Sans"/>
                         </a:rPr>
                         <a:t>22</a:t>
                       </a:r>
@@ -6022,10 +6022,10 @@
                               <a:alpha val="100000"/>
                             </a:srgbClr>
                           </a:solidFill>
-                          <a:latin typeface="Helvetica"/>
-                          <a:cs typeface="Helvetica"/>
-                          <a:ea typeface="Helvetica"/>
-                          <a:sym typeface="Helvetica"/>
+                          <a:latin typeface="DejaVu Sans"/>
+                          <a:cs typeface="DejaVu Sans"/>
+                          <a:ea typeface="DejaVu Sans"/>
+                          <a:sym typeface="DejaVu Sans"/>
                         </a:rPr>
                         <a:t>23</a:t>
                       </a:r>
@@ -6060,7 +6060,7 @@
                   </a:tcPr>
                 </a:tc>
               </a:tr>
-              <a:tr h="363638">
+              <a:tr h="368891">
                 <a:tc>
                   <a:txBody>
                     <a:bodyPr/>
@@ -6085,10 +6085,10 @@
                               <a:alpha val="100000"/>
                             </a:srgbClr>
                           </a:solidFill>
-                          <a:latin typeface="Helvetica"/>
-                          <a:cs typeface="Helvetica"/>
-                          <a:ea typeface="Helvetica"/>
-                          <a:sym typeface="Helvetica"/>
+                          <a:latin typeface="DejaVu Sans"/>
+                          <a:cs typeface="DejaVu Sans"/>
+                          <a:ea typeface="DejaVu Sans"/>
+                          <a:sym typeface="DejaVu Sans"/>
                         </a:rPr>
                         <a:t>Total</a:t>
                       </a:r>
@@ -6150,10 +6150,10 @@
                               <a:alpha val="100000"/>
                             </a:srgbClr>
                           </a:solidFill>
-                          <a:latin typeface="Helvetica"/>
-                          <a:cs typeface="Helvetica"/>
-                          <a:ea typeface="Helvetica"/>
-                          <a:sym typeface="Helvetica"/>
+                          <a:latin typeface="DejaVu Sans"/>
+                          <a:cs typeface="DejaVu Sans"/>
+                          <a:ea typeface="DejaVu Sans"/>
+                          <a:sym typeface="DejaVu Sans"/>
                         </a:rPr>
                         <a:t>22</a:t>
                       </a:r>
@@ -6211,10 +6211,10 @@
                               <a:alpha val="100000"/>
                             </a:srgbClr>
                           </a:solidFill>
-                          <a:latin typeface="Helvetica"/>
-                          <a:cs typeface="Helvetica"/>
-                          <a:ea typeface="Helvetica"/>
-                          <a:sym typeface="Helvetica"/>
+                          <a:latin typeface="DejaVu Sans"/>
+                          <a:cs typeface="DejaVu Sans"/>
+                          <a:ea typeface="DejaVu Sans"/>
+                          <a:sym typeface="DejaVu Sans"/>
                         </a:rPr>
                         <a:t>22</a:t>
                       </a:r>
@@ -6272,10 +6272,10 @@
                               <a:alpha val="100000"/>
                             </a:srgbClr>
                           </a:solidFill>
-                          <a:latin typeface="Helvetica"/>
-                          <a:cs typeface="Helvetica"/>
-                          <a:ea typeface="Helvetica"/>
-                          <a:sym typeface="Helvetica"/>
+                          <a:latin typeface="DejaVu Sans"/>
+                          <a:cs typeface="DejaVu Sans"/>
+                          <a:ea typeface="DejaVu Sans"/>
+                          <a:sym typeface="DejaVu Sans"/>
                         </a:rPr>
                         <a:t>-</a:t>
                       </a:r>
@@ -6333,10 +6333,10 @@
                               <a:alpha val="100000"/>
                             </a:srgbClr>
                           </a:solidFill>
-                          <a:latin typeface="Helvetica"/>
-                          <a:cs typeface="Helvetica"/>
-                          <a:ea typeface="Helvetica"/>
-                          <a:sym typeface="Helvetica"/>
+                          <a:latin typeface="DejaVu Sans"/>
+                          <a:cs typeface="DejaVu Sans"/>
+                          <a:ea typeface="DejaVu Sans"/>
+                          <a:sym typeface="DejaVu Sans"/>
                         </a:rPr>
                         <a:t>-</a:t>
                       </a:r>
@@ -6394,10 +6394,10 @@
                               <a:alpha val="100000"/>
                             </a:srgbClr>
                           </a:solidFill>
-                          <a:latin typeface="Helvetica"/>
-                          <a:cs typeface="Helvetica"/>
-                          <a:ea typeface="Helvetica"/>
-                          <a:sym typeface="Helvetica"/>
+                          <a:latin typeface="DejaVu Sans"/>
+                          <a:cs typeface="DejaVu Sans"/>
+                          <a:ea typeface="DejaVu Sans"/>
+                          <a:sym typeface="DejaVu Sans"/>
                         </a:rPr>
                         <a:t>58</a:t>
                       </a:r>
@@ -6455,10 +6455,10 @@
                               <a:alpha val="100000"/>
                             </a:srgbClr>
                           </a:solidFill>
-                          <a:latin typeface="Helvetica"/>
-                          <a:cs typeface="Helvetica"/>
-                          <a:ea typeface="Helvetica"/>
-                          <a:sym typeface="Helvetica"/>
+                          <a:latin typeface="DejaVu Sans"/>
+                          <a:cs typeface="DejaVu Sans"/>
+                          <a:ea typeface="DejaVu Sans"/>
+                          <a:sym typeface="DejaVu Sans"/>
                         </a:rPr>
                         <a:t>61</a:t>
                       </a:r>
@@ -6493,7 +6493,7 @@
                   </a:tcPr>
                 </a:tc>
               </a:tr>
-              <a:tr h="371650">
+              <a:tr h="372692">
                 <a:tc gridSpan="7">
                   <a:txBody>
                     <a:bodyPr/>
@@ -6950,7 +6950,7 @@
                   </a:tcPr>
                 </a:tc>
               </a:tr>
-              <a:tr h="361456">
+              <a:tr h="366435">
                 <a:tc>
                   <a:txBody>
                     <a:bodyPr/>
@@ -6975,10 +6975,10 @@
                               <a:alpha val="100000"/>
                             </a:srgbClr>
                           </a:solidFill>
-                          <a:latin typeface="Helvetica"/>
-                          <a:cs typeface="Helvetica"/>
-                          <a:ea typeface="Helvetica"/>
-                          <a:sym typeface="Helvetica"/>
+                          <a:latin typeface="DejaVu Sans"/>
+                          <a:cs typeface="DejaVu Sans"/>
+                          <a:ea typeface="DejaVu Sans"/>
+                          <a:sym typeface="DejaVu Sans"/>
                         </a:rPr>
                         <a:t>2007</a:t>
                       </a:r>
@@ -7040,10 +7040,10 @@
                               <a:alpha val="100000"/>
                             </a:srgbClr>
                           </a:solidFill>
-                          <a:latin typeface="Helvetica"/>
-                          <a:cs typeface="Helvetica"/>
-                          <a:ea typeface="Helvetica"/>
-                          <a:sym typeface="Helvetica"/>
+                          <a:latin typeface="DejaVu Sans"/>
+                          <a:cs typeface="DejaVu Sans"/>
+                          <a:ea typeface="DejaVu Sans"/>
+                          <a:sym typeface="DejaVu Sans"/>
                         </a:rPr>
                         <a:t>9</a:t>
                       </a:r>
@@ -7101,10 +7101,10 @@
                               <a:alpha val="100000"/>
                             </a:srgbClr>
                           </a:solidFill>
-                          <a:latin typeface="Helvetica"/>
-                          <a:cs typeface="Helvetica"/>
-                          <a:ea typeface="Helvetica"/>
-                          <a:sym typeface="Helvetica"/>
+                          <a:latin typeface="DejaVu Sans"/>
+                          <a:cs typeface="DejaVu Sans"/>
+                          <a:ea typeface="DejaVu Sans"/>
+                          <a:sym typeface="DejaVu Sans"/>
                         </a:rPr>
                         <a:t>10</a:t>
                       </a:r>
@@ -7162,10 +7162,10 @@
                               <a:alpha val="100000"/>
                             </a:srgbClr>
                           </a:solidFill>
-                          <a:latin typeface="Helvetica"/>
-                          <a:cs typeface="Helvetica"/>
-                          <a:ea typeface="Helvetica"/>
-                          <a:sym typeface="Helvetica"/>
+                          <a:latin typeface="DejaVu Sans"/>
+                          <a:cs typeface="DejaVu Sans"/>
+                          <a:ea typeface="DejaVu Sans"/>
+                          <a:sym typeface="DejaVu Sans"/>
                         </a:rPr>
                         <a:t>13</a:t>
                       </a:r>
@@ -7223,10 +7223,10 @@
                               <a:alpha val="100000"/>
                             </a:srgbClr>
                           </a:solidFill>
-                          <a:latin typeface="Helvetica"/>
-                          <a:cs typeface="Helvetica"/>
-                          <a:ea typeface="Helvetica"/>
-                          <a:sym typeface="Helvetica"/>
+                          <a:latin typeface="DejaVu Sans"/>
+                          <a:cs typeface="DejaVu Sans"/>
+                          <a:ea typeface="DejaVu Sans"/>
+                          <a:sym typeface="DejaVu Sans"/>
                         </a:rPr>
                         <a:t>13</a:t>
                       </a:r>
@@ -7284,10 +7284,10 @@
                               <a:alpha val="100000"/>
                             </a:srgbClr>
                           </a:solidFill>
-                          <a:latin typeface="Helvetica"/>
-                          <a:cs typeface="Helvetica"/>
-                          <a:ea typeface="Helvetica"/>
-                          <a:sym typeface="Helvetica"/>
+                          <a:latin typeface="DejaVu Sans"/>
+                          <a:cs typeface="DejaVu Sans"/>
+                          <a:ea typeface="DejaVu Sans"/>
+                          <a:sym typeface="DejaVu Sans"/>
                         </a:rPr>
                         <a:t>-</a:t>
                       </a:r>
@@ -7345,10 +7345,10 @@
                               <a:alpha val="100000"/>
                             </a:srgbClr>
                           </a:solidFill>
-                          <a:latin typeface="Helvetica"/>
-                          <a:cs typeface="Helvetica"/>
-                          <a:ea typeface="Helvetica"/>
-                          <a:sym typeface="Helvetica"/>
+                          <a:latin typeface="DejaVu Sans"/>
+                          <a:cs typeface="DejaVu Sans"/>
+                          <a:ea typeface="DejaVu Sans"/>
+                          <a:sym typeface="DejaVu Sans"/>
                         </a:rPr>
                         <a:t>-</a:t>
                       </a:r>
@@ -7383,7 +7383,7 @@
                   </a:tcPr>
                 </a:tc>
               </a:tr>
-              <a:tr h="361592">
+              <a:tr h="366435">
                 <a:tc>
                   <a:txBody>
                     <a:bodyPr/>
@@ -7408,10 +7408,10 @@
                               <a:alpha val="100000"/>
                             </a:srgbClr>
                           </a:solidFill>
-                          <a:latin typeface="Helvetica"/>
-                          <a:cs typeface="Helvetica"/>
-                          <a:ea typeface="Helvetica"/>
-                          <a:sym typeface="Helvetica"/>
+                          <a:latin typeface="DejaVu Sans"/>
+                          <a:cs typeface="DejaVu Sans"/>
+                          <a:ea typeface="DejaVu Sans"/>
+                          <a:sym typeface="DejaVu Sans"/>
                         </a:rPr>
                         <a:t>2008</a:t>
                       </a:r>
@@ -7469,10 +7469,10 @@
                               <a:alpha val="100000"/>
                             </a:srgbClr>
                           </a:solidFill>
-                          <a:latin typeface="Helvetica"/>
-                          <a:cs typeface="Helvetica"/>
-                          <a:ea typeface="Helvetica"/>
-                          <a:sym typeface="Helvetica"/>
+                          <a:latin typeface="DejaVu Sans"/>
+                          <a:cs typeface="DejaVu Sans"/>
+                          <a:ea typeface="DejaVu Sans"/>
+                          <a:sym typeface="DejaVu Sans"/>
                         </a:rPr>
                         <a:t>8</a:t>
                       </a:r>
@@ -7526,10 +7526,10 @@
                               <a:alpha val="100000"/>
                             </a:srgbClr>
                           </a:solidFill>
-                          <a:latin typeface="Helvetica"/>
-                          <a:cs typeface="Helvetica"/>
-                          <a:ea typeface="Helvetica"/>
-                          <a:sym typeface="Helvetica"/>
+                          <a:latin typeface="DejaVu Sans"/>
+                          <a:cs typeface="DejaVu Sans"/>
+                          <a:ea typeface="DejaVu Sans"/>
+                          <a:sym typeface="DejaVu Sans"/>
                         </a:rPr>
                         <a:t>8</a:t>
                       </a:r>
@@ -7583,10 +7583,10 @@
                               <a:alpha val="100000"/>
                             </a:srgbClr>
                           </a:solidFill>
-                          <a:latin typeface="Helvetica"/>
-                          <a:cs typeface="Helvetica"/>
-                          <a:ea typeface="Helvetica"/>
-                          <a:sym typeface="Helvetica"/>
+                          <a:latin typeface="DejaVu Sans"/>
+                          <a:cs typeface="DejaVu Sans"/>
+                          <a:ea typeface="DejaVu Sans"/>
+                          <a:sym typeface="DejaVu Sans"/>
                         </a:rPr>
                         <a:t>9</a:t>
                       </a:r>
@@ -7640,10 +7640,10 @@
                               <a:alpha val="100000"/>
                             </a:srgbClr>
                           </a:solidFill>
-                          <a:latin typeface="Helvetica"/>
-                          <a:cs typeface="Helvetica"/>
-                          <a:ea typeface="Helvetica"/>
-                          <a:sym typeface="Helvetica"/>
+                          <a:latin typeface="DejaVu Sans"/>
+                          <a:cs typeface="DejaVu Sans"/>
+                          <a:ea typeface="DejaVu Sans"/>
+                          <a:sym typeface="DejaVu Sans"/>
                         </a:rPr>
                         <a:t>9</a:t>
                       </a:r>
@@ -7697,10 +7697,10 @@
                               <a:alpha val="100000"/>
                             </a:srgbClr>
                           </a:solidFill>
-                          <a:latin typeface="Helvetica"/>
-                          <a:cs typeface="Helvetica"/>
-                          <a:ea typeface="Helvetica"/>
-                          <a:sym typeface="Helvetica"/>
+                          <a:latin typeface="DejaVu Sans"/>
+                          <a:cs typeface="DejaVu Sans"/>
+                          <a:ea typeface="DejaVu Sans"/>
+                          <a:sym typeface="DejaVu Sans"/>
                         </a:rPr>
                         <a:t>-</a:t>
                       </a:r>
@@ -7754,10 +7754,10 @@
                               <a:alpha val="100000"/>
                             </a:srgbClr>
                           </a:solidFill>
-                          <a:latin typeface="Helvetica"/>
-                          <a:cs typeface="Helvetica"/>
-                          <a:ea typeface="Helvetica"/>
-                          <a:sym typeface="Helvetica"/>
+                          <a:latin typeface="DejaVu Sans"/>
+                          <a:cs typeface="DejaVu Sans"/>
+                          <a:ea typeface="DejaVu Sans"/>
+                          <a:sym typeface="DejaVu Sans"/>
                         </a:rPr>
                         <a:t>-</a:t>
                       </a:r>
@@ -7788,7 +7788,7 @@
                   </a:tcPr>
                 </a:tc>
               </a:tr>
-              <a:tr h="361524">
+              <a:tr h="366435">
                 <a:tc>
                   <a:txBody>
                     <a:bodyPr/>
@@ -7813,10 +7813,10 @@
                               <a:alpha val="100000"/>
                             </a:srgbClr>
                           </a:solidFill>
-                          <a:latin typeface="Helvetica"/>
-                          <a:cs typeface="Helvetica"/>
-                          <a:ea typeface="Helvetica"/>
-                          <a:sym typeface="Helvetica"/>
+                          <a:latin typeface="DejaVu Sans"/>
+                          <a:cs typeface="DejaVu Sans"/>
+                          <a:ea typeface="DejaVu Sans"/>
+                          <a:sym typeface="DejaVu Sans"/>
                         </a:rPr>
                         <a:t>2009</a:t>
                       </a:r>
@@ -7878,10 +7878,10 @@
                               <a:alpha val="100000"/>
                             </a:srgbClr>
                           </a:solidFill>
-                          <a:latin typeface="Helvetica"/>
-                          <a:cs typeface="Helvetica"/>
-                          <a:ea typeface="Helvetica"/>
-                          <a:sym typeface="Helvetica"/>
+                          <a:latin typeface="DejaVu Sans"/>
+                          <a:cs typeface="DejaVu Sans"/>
+                          <a:ea typeface="DejaVu Sans"/>
+                          <a:sym typeface="DejaVu Sans"/>
                         </a:rPr>
                         <a:t>10</a:t>
                       </a:r>
@@ -7939,10 +7939,10 @@
                               <a:alpha val="100000"/>
                             </a:srgbClr>
                           </a:solidFill>
-                          <a:latin typeface="Helvetica"/>
-                          <a:cs typeface="Helvetica"/>
-                          <a:ea typeface="Helvetica"/>
-                          <a:sym typeface="Helvetica"/>
+                          <a:latin typeface="DejaVu Sans"/>
+                          <a:cs typeface="DejaVu Sans"/>
+                          <a:ea typeface="DejaVu Sans"/>
+                          <a:sym typeface="DejaVu Sans"/>
                         </a:rPr>
                         <a:t>10</a:t>
                       </a:r>
@@ -8000,10 +8000,10 @@
                               <a:alpha val="100000"/>
                             </a:srgbClr>
                           </a:solidFill>
-                          <a:latin typeface="Helvetica"/>
-                          <a:cs typeface="Helvetica"/>
-                          <a:ea typeface="Helvetica"/>
-                          <a:sym typeface="Helvetica"/>
+                          <a:latin typeface="DejaVu Sans"/>
+                          <a:cs typeface="DejaVu Sans"/>
+                          <a:ea typeface="DejaVu Sans"/>
+                          <a:sym typeface="DejaVu Sans"/>
                         </a:rPr>
                         <a:t>12</a:t>
                       </a:r>
@@ -8061,10 +8061,10 @@
                               <a:alpha val="100000"/>
                             </a:srgbClr>
                           </a:solidFill>
-                          <a:latin typeface="Helvetica"/>
-                          <a:cs typeface="Helvetica"/>
-                          <a:ea typeface="Helvetica"/>
-                          <a:sym typeface="Helvetica"/>
+                          <a:latin typeface="DejaVu Sans"/>
+                          <a:cs typeface="DejaVu Sans"/>
+                          <a:ea typeface="DejaVu Sans"/>
+                          <a:sym typeface="DejaVu Sans"/>
                         </a:rPr>
                         <a:t>12</a:t>
                       </a:r>
@@ -8122,10 +8122,10 @@
                               <a:alpha val="100000"/>
                             </a:srgbClr>
                           </a:solidFill>
-                          <a:latin typeface="Helvetica"/>
-                          <a:cs typeface="Helvetica"/>
-                          <a:ea typeface="Helvetica"/>
-                          <a:sym typeface="Helvetica"/>
+                          <a:latin typeface="DejaVu Sans"/>
+                          <a:cs typeface="DejaVu Sans"/>
+                          <a:ea typeface="DejaVu Sans"/>
+                          <a:sym typeface="DejaVu Sans"/>
                         </a:rPr>
                         <a:t>-</a:t>
                       </a:r>
@@ -8183,10 +8183,10 @@
                               <a:alpha val="100000"/>
                             </a:srgbClr>
                           </a:solidFill>
-                          <a:latin typeface="Helvetica"/>
-                          <a:cs typeface="Helvetica"/>
-                          <a:ea typeface="Helvetica"/>
-                          <a:sym typeface="Helvetica"/>
+                          <a:latin typeface="DejaVu Sans"/>
+                          <a:cs typeface="DejaVu Sans"/>
+                          <a:ea typeface="DejaVu Sans"/>
+                          <a:sym typeface="DejaVu Sans"/>
                         </a:rPr>
                         <a:t>-</a:t>
                       </a:r>
@@ -8221,7 +8221,7 @@
                   </a:tcPr>
                 </a:tc>
               </a:tr>
-              <a:tr h="363434">
+              <a:tr h="368891">
                 <a:tc>
                   <a:txBody>
                     <a:bodyPr/>
@@ -8246,10 +8246,10 @@
                               <a:alpha val="100000"/>
                             </a:srgbClr>
                           </a:solidFill>
-                          <a:latin typeface="Helvetica"/>
-                          <a:cs typeface="Helvetica"/>
-                          <a:ea typeface="Helvetica"/>
-                          <a:sym typeface="Helvetica"/>
+                          <a:latin typeface="DejaVu Sans"/>
+                          <a:cs typeface="DejaVu Sans"/>
+                          <a:ea typeface="DejaVu Sans"/>
+                          <a:sym typeface="DejaVu Sans"/>
                         </a:rPr>
                         <a:t>Maximum</a:t>
                       </a:r>
@@ -8311,10 +8311,10 @@
                               <a:alpha val="100000"/>
                             </a:srgbClr>
                           </a:solidFill>
-                          <a:latin typeface="Helvetica"/>
-                          <a:cs typeface="Helvetica"/>
-                          <a:ea typeface="Helvetica"/>
-                          <a:sym typeface="Helvetica"/>
+                          <a:latin typeface="DejaVu Sans"/>
+                          <a:cs typeface="DejaVu Sans"/>
+                          <a:ea typeface="DejaVu Sans"/>
+                          <a:sym typeface="DejaVu Sans"/>
                         </a:rPr>
                         <a:t>10</a:t>
                       </a:r>
@@ -8372,10 +8372,10 @@
                               <a:alpha val="100000"/>
                             </a:srgbClr>
                           </a:solidFill>
-                          <a:latin typeface="Helvetica"/>
-                          <a:cs typeface="Helvetica"/>
-                          <a:ea typeface="Helvetica"/>
-                          <a:sym typeface="Helvetica"/>
+                          <a:latin typeface="DejaVu Sans"/>
+                          <a:cs typeface="DejaVu Sans"/>
+                          <a:ea typeface="DejaVu Sans"/>
+                          <a:sym typeface="DejaVu Sans"/>
                         </a:rPr>
                         <a:t>10</a:t>
                       </a:r>
@@ -8433,10 +8433,10 @@
                               <a:alpha val="100000"/>
                             </a:srgbClr>
                           </a:solidFill>
-                          <a:latin typeface="Helvetica"/>
-                          <a:cs typeface="Helvetica"/>
-                          <a:ea typeface="Helvetica"/>
-                          <a:sym typeface="Helvetica"/>
+                          <a:latin typeface="DejaVu Sans"/>
+                          <a:cs typeface="DejaVu Sans"/>
+                          <a:ea typeface="DejaVu Sans"/>
+                          <a:sym typeface="DejaVu Sans"/>
                         </a:rPr>
                         <a:t>13</a:t>
                       </a:r>
@@ -8494,10 +8494,10 @@
                               <a:alpha val="100000"/>
                             </a:srgbClr>
                           </a:solidFill>
-                          <a:latin typeface="Helvetica"/>
-                          <a:cs typeface="Helvetica"/>
-                          <a:ea typeface="Helvetica"/>
-                          <a:sym typeface="Helvetica"/>
+                          <a:latin typeface="DejaVu Sans"/>
+                          <a:cs typeface="DejaVu Sans"/>
+                          <a:ea typeface="DejaVu Sans"/>
+                          <a:sym typeface="DejaVu Sans"/>
                         </a:rPr>
                         <a:t>13</a:t>
                       </a:r>
@@ -8555,10 +8555,10 @@
                               <a:alpha val="100000"/>
                             </a:srgbClr>
                           </a:solidFill>
-                          <a:latin typeface="Helvetica"/>
-                          <a:cs typeface="Helvetica"/>
-                          <a:ea typeface="Helvetica"/>
-                          <a:sym typeface="Helvetica"/>
+                          <a:latin typeface="DejaVu Sans"/>
+                          <a:cs typeface="DejaVu Sans"/>
+                          <a:ea typeface="DejaVu Sans"/>
+                          <a:sym typeface="DejaVu Sans"/>
                         </a:rPr>
                         <a:t>-</a:t>
                       </a:r>
@@ -8616,10 +8616,10 @@
                               <a:alpha val="100000"/>
                             </a:srgbClr>
                           </a:solidFill>
-                          <a:latin typeface="Helvetica"/>
-                          <a:cs typeface="Helvetica"/>
-                          <a:ea typeface="Helvetica"/>
-                          <a:sym typeface="Helvetica"/>
+                          <a:latin typeface="DejaVu Sans"/>
+                          <a:cs typeface="DejaVu Sans"/>
+                          <a:ea typeface="DejaVu Sans"/>
+                          <a:sym typeface="DejaVu Sans"/>
                         </a:rPr>
                         <a:t>-</a:t>
                       </a:r>
@@ -8654,7 +8654,7 @@
                   </a:tcPr>
                 </a:tc>
               </a:tr>
-              <a:tr h="363638">
+              <a:tr h="368891">
                 <a:tc>
                   <a:txBody>
                     <a:bodyPr/>
@@ -8679,10 +8679,10 @@
                               <a:alpha val="100000"/>
                             </a:srgbClr>
                           </a:solidFill>
-                          <a:latin typeface="Helvetica"/>
-                          <a:cs typeface="Helvetica"/>
-                          <a:ea typeface="Helvetica"/>
-                          <a:sym typeface="Helvetica"/>
+                          <a:latin typeface="DejaVu Sans"/>
+                          <a:cs typeface="DejaVu Sans"/>
+                          <a:ea typeface="DejaVu Sans"/>
+                          <a:sym typeface="DejaVu Sans"/>
                         </a:rPr>
                         <a:t>Total</a:t>
                       </a:r>
@@ -8744,10 +8744,10 @@
                               <a:alpha val="100000"/>
                             </a:srgbClr>
                           </a:solidFill>
-                          <a:latin typeface="Helvetica"/>
-                          <a:cs typeface="Helvetica"/>
-                          <a:ea typeface="Helvetica"/>
-                          <a:sym typeface="Helvetica"/>
+                          <a:latin typeface="DejaVu Sans"/>
+                          <a:cs typeface="DejaVu Sans"/>
+                          <a:ea typeface="DejaVu Sans"/>
+                          <a:sym typeface="DejaVu Sans"/>
                         </a:rPr>
                         <a:t>27</a:t>
                       </a:r>
@@ -8805,10 +8805,10 @@
                               <a:alpha val="100000"/>
                             </a:srgbClr>
                           </a:solidFill>
-                          <a:latin typeface="Helvetica"/>
-                          <a:cs typeface="Helvetica"/>
-                          <a:ea typeface="Helvetica"/>
-                          <a:sym typeface="Helvetica"/>
+                          <a:latin typeface="DejaVu Sans"/>
+                          <a:cs typeface="DejaVu Sans"/>
+                          <a:ea typeface="DejaVu Sans"/>
+                          <a:sym typeface="DejaVu Sans"/>
                         </a:rPr>
                         <a:t>28</a:t>
                       </a:r>
@@ -8866,10 +8866,10 @@
                               <a:alpha val="100000"/>
                             </a:srgbClr>
                           </a:solidFill>
-                          <a:latin typeface="Helvetica"/>
-                          <a:cs typeface="Helvetica"/>
-                          <a:ea typeface="Helvetica"/>
-                          <a:sym typeface="Helvetica"/>
+                          <a:latin typeface="DejaVu Sans"/>
+                          <a:cs typeface="DejaVu Sans"/>
+                          <a:ea typeface="DejaVu Sans"/>
+                          <a:sym typeface="DejaVu Sans"/>
                         </a:rPr>
                         <a:t>34</a:t>
                       </a:r>
@@ -8927,10 +8927,10 @@
                               <a:alpha val="100000"/>
                             </a:srgbClr>
                           </a:solidFill>
-                          <a:latin typeface="Helvetica"/>
-                          <a:cs typeface="Helvetica"/>
-                          <a:ea typeface="Helvetica"/>
-                          <a:sym typeface="Helvetica"/>
+                          <a:latin typeface="DejaVu Sans"/>
+                          <a:cs typeface="DejaVu Sans"/>
+                          <a:ea typeface="DejaVu Sans"/>
+                          <a:sym typeface="DejaVu Sans"/>
                         </a:rPr>
                         <a:t>34</a:t>
                       </a:r>
@@ -8988,10 +8988,10 @@
                               <a:alpha val="100000"/>
                             </a:srgbClr>
                           </a:solidFill>
-                          <a:latin typeface="Helvetica"/>
-                          <a:cs typeface="Helvetica"/>
-                          <a:ea typeface="Helvetica"/>
-                          <a:sym typeface="Helvetica"/>
+                          <a:latin typeface="DejaVu Sans"/>
+                          <a:cs typeface="DejaVu Sans"/>
+                          <a:ea typeface="DejaVu Sans"/>
+                          <a:sym typeface="DejaVu Sans"/>
                         </a:rPr>
                         <a:t>-</a:t>
                       </a:r>
@@ -9049,10 +9049,10 @@
                               <a:alpha val="100000"/>
                             </a:srgbClr>
                           </a:solidFill>
-                          <a:latin typeface="Helvetica"/>
-                          <a:cs typeface="Helvetica"/>
-                          <a:ea typeface="Helvetica"/>
-                          <a:sym typeface="Helvetica"/>
+                          <a:latin typeface="DejaVu Sans"/>
+                          <a:cs typeface="DejaVu Sans"/>
+                          <a:ea typeface="DejaVu Sans"/>
+                          <a:sym typeface="DejaVu Sans"/>
                         </a:rPr>
                         <a:t>-</a:t>
                       </a:r>
@@ -9087,7 +9087,7 @@
                   </a:tcPr>
                 </a:tc>
               </a:tr>
-              <a:tr h="401937">
+              <a:tr h="403500">
                 <a:tc gridSpan="7">
                   <a:txBody>
                     <a:bodyPr/>
@@ -9544,7 +9544,7 @@
                   </a:tcPr>
                 </a:tc>
               </a:tr>
-              <a:tr h="361524">
+              <a:tr h="366435">
                 <a:tc>
                   <a:txBody>
                     <a:bodyPr/>
@@ -9569,10 +9569,10 @@
                               <a:alpha val="100000"/>
                             </a:srgbClr>
                           </a:solidFill>
-                          <a:latin typeface="Helvetica"/>
-                          <a:cs typeface="Helvetica"/>
-                          <a:ea typeface="Helvetica"/>
-                          <a:sym typeface="Helvetica"/>
+                          <a:latin typeface="DejaVu Sans"/>
+                          <a:cs typeface="DejaVu Sans"/>
+                          <a:ea typeface="DejaVu Sans"/>
+                          <a:sym typeface="DejaVu Sans"/>
                         </a:rPr>
                         <a:t>2007</a:t>
                       </a:r>
@@ -9634,10 +9634,10 @@
                               <a:alpha val="100000"/>
                             </a:srgbClr>
                           </a:solidFill>
-                          <a:latin typeface="Helvetica"/>
-                          <a:cs typeface="Helvetica"/>
-                          <a:ea typeface="Helvetica"/>
-                          <a:sym typeface="Helvetica"/>
+                          <a:latin typeface="DejaVu Sans"/>
+                          <a:cs typeface="DejaVu Sans"/>
+                          <a:ea typeface="DejaVu Sans"/>
+                          <a:sym typeface="DejaVu Sans"/>
                         </a:rPr>
                         <a:t>8</a:t>
                       </a:r>
@@ -9695,10 +9695,10 @@
                               <a:alpha val="100000"/>
                             </a:srgbClr>
                           </a:solidFill>
-                          <a:latin typeface="Helvetica"/>
-                          <a:cs typeface="Helvetica"/>
-                          <a:ea typeface="Helvetica"/>
-                          <a:sym typeface="Helvetica"/>
+                          <a:latin typeface="DejaVu Sans"/>
+                          <a:cs typeface="DejaVu Sans"/>
+                          <a:ea typeface="DejaVu Sans"/>
+                          <a:sym typeface="DejaVu Sans"/>
                         </a:rPr>
                         <a:t>7</a:t>
                       </a:r>
@@ -9756,10 +9756,10 @@
                               <a:alpha val="100000"/>
                             </a:srgbClr>
                           </a:solidFill>
-                          <a:latin typeface="Helvetica"/>
-                          <a:cs typeface="Helvetica"/>
-                          <a:ea typeface="Helvetica"/>
-                          <a:sym typeface="Helvetica"/>
+                          <a:latin typeface="DejaVu Sans"/>
+                          <a:cs typeface="DejaVu Sans"/>
+                          <a:ea typeface="DejaVu Sans"/>
+                          <a:sym typeface="DejaVu Sans"/>
                         </a:rPr>
                         <a:t>-</a:t>
                       </a:r>
@@ -9817,10 +9817,10 @@
                               <a:alpha val="100000"/>
                             </a:srgbClr>
                           </a:solidFill>
-                          <a:latin typeface="Helvetica"/>
-                          <a:cs typeface="Helvetica"/>
-                          <a:ea typeface="Helvetica"/>
-                          <a:sym typeface="Helvetica"/>
+                          <a:latin typeface="DejaVu Sans"/>
+                          <a:cs typeface="DejaVu Sans"/>
+                          <a:ea typeface="DejaVu Sans"/>
+                          <a:sym typeface="DejaVu Sans"/>
                         </a:rPr>
                         <a:t>-</a:t>
                       </a:r>
@@ -9878,10 +9878,10 @@
                               <a:alpha val="100000"/>
                             </a:srgbClr>
                           </a:solidFill>
-                          <a:latin typeface="Helvetica"/>
-                          <a:cs typeface="Helvetica"/>
-                          <a:ea typeface="Helvetica"/>
-                          <a:sym typeface="Helvetica"/>
+                          <a:latin typeface="DejaVu Sans"/>
+                          <a:cs typeface="DejaVu Sans"/>
+                          <a:ea typeface="DejaVu Sans"/>
+                          <a:sym typeface="DejaVu Sans"/>
                         </a:rPr>
                         <a:t>-</a:t>
                       </a:r>
@@ -9939,10 +9939,10 @@
                               <a:alpha val="100000"/>
                             </a:srgbClr>
                           </a:solidFill>
-                          <a:latin typeface="Helvetica"/>
-                          <a:cs typeface="Helvetica"/>
-                          <a:ea typeface="Helvetica"/>
-                          <a:sym typeface="Helvetica"/>
+                          <a:latin typeface="DejaVu Sans"/>
+                          <a:cs typeface="DejaVu Sans"/>
+                          <a:ea typeface="DejaVu Sans"/>
+                          <a:sym typeface="DejaVu Sans"/>
                         </a:rPr>
                         <a:t>-</a:t>
                       </a:r>
@@ -9977,7 +9977,7 @@
                   </a:tcPr>
                 </a:tc>
               </a:tr>
-              <a:tr h="361592">
+              <a:tr h="366435">
                 <a:tc>
                   <a:txBody>
                     <a:bodyPr/>
@@ -10002,10 +10002,10 @@
                               <a:alpha val="100000"/>
                             </a:srgbClr>
                           </a:solidFill>
-                          <a:latin typeface="Helvetica"/>
-                          <a:cs typeface="Helvetica"/>
-                          <a:ea typeface="Helvetica"/>
-                          <a:sym typeface="Helvetica"/>
+                          <a:latin typeface="DejaVu Sans"/>
+                          <a:cs typeface="DejaVu Sans"/>
+                          <a:ea typeface="DejaVu Sans"/>
+                          <a:sym typeface="DejaVu Sans"/>
                         </a:rPr>
                         <a:t>2008</a:t>
                       </a:r>
@@ -10063,10 +10063,10 @@
                               <a:alpha val="100000"/>
                             </a:srgbClr>
                           </a:solidFill>
-                          <a:latin typeface="Helvetica"/>
-                          <a:cs typeface="Helvetica"/>
-                          <a:ea typeface="Helvetica"/>
-                          <a:sym typeface="Helvetica"/>
+                          <a:latin typeface="DejaVu Sans"/>
+                          <a:cs typeface="DejaVu Sans"/>
+                          <a:ea typeface="DejaVu Sans"/>
+                          <a:sym typeface="DejaVu Sans"/>
                         </a:rPr>
                         <a:t>8</a:t>
                       </a:r>
@@ -10120,10 +10120,10 @@
                               <a:alpha val="100000"/>
                             </a:srgbClr>
                           </a:solidFill>
-                          <a:latin typeface="Helvetica"/>
-                          <a:cs typeface="Helvetica"/>
-                          <a:ea typeface="Helvetica"/>
-                          <a:sym typeface="Helvetica"/>
+                          <a:latin typeface="DejaVu Sans"/>
+                          <a:cs typeface="DejaVu Sans"/>
+                          <a:ea typeface="DejaVu Sans"/>
+                          <a:sym typeface="DejaVu Sans"/>
                         </a:rPr>
                         <a:t>8</a:t>
                       </a:r>
@@ -10177,10 +10177,10 @@
                               <a:alpha val="100000"/>
                             </a:srgbClr>
                           </a:solidFill>
-                          <a:latin typeface="Helvetica"/>
-                          <a:cs typeface="Helvetica"/>
-                          <a:ea typeface="Helvetica"/>
-                          <a:sym typeface="Helvetica"/>
+                          <a:latin typeface="DejaVu Sans"/>
+                          <a:cs typeface="DejaVu Sans"/>
+                          <a:ea typeface="DejaVu Sans"/>
+                          <a:sym typeface="DejaVu Sans"/>
                         </a:rPr>
                         <a:t>-</a:t>
                       </a:r>
@@ -10234,10 +10234,10 @@
                               <a:alpha val="100000"/>
                             </a:srgbClr>
                           </a:solidFill>
-                          <a:latin typeface="Helvetica"/>
-                          <a:cs typeface="Helvetica"/>
-                          <a:ea typeface="Helvetica"/>
-                          <a:sym typeface="Helvetica"/>
+                          <a:latin typeface="DejaVu Sans"/>
+                          <a:cs typeface="DejaVu Sans"/>
+                          <a:ea typeface="DejaVu Sans"/>
+                          <a:sym typeface="DejaVu Sans"/>
                         </a:rPr>
                         <a:t>-</a:t>
                       </a:r>
@@ -10291,10 +10291,10 @@
                               <a:alpha val="100000"/>
                             </a:srgbClr>
                           </a:solidFill>
-                          <a:latin typeface="Helvetica"/>
-                          <a:cs typeface="Helvetica"/>
-                          <a:ea typeface="Helvetica"/>
-                          <a:sym typeface="Helvetica"/>
+                          <a:latin typeface="DejaVu Sans"/>
+                          <a:cs typeface="DejaVu Sans"/>
+                          <a:ea typeface="DejaVu Sans"/>
+                          <a:sym typeface="DejaVu Sans"/>
                         </a:rPr>
                         <a:t>-</a:t>
                       </a:r>
@@ -10348,10 +10348,10 @@
                               <a:alpha val="100000"/>
                             </a:srgbClr>
                           </a:solidFill>
-                          <a:latin typeface="Helvetica"/>
-                          <a:cs typeface="Helvetica"/>
-                          <a:ea typeface="Helvetica"/>
-                          <a:sym typeface="Helvetica"/>
+                          <a:latin typeface="DejaVu Sans"/>
+                          <a:cs typeface="DejaVu Sans"/>
+                          <a:ea typeface="DejaVu Sans"/>
+                          <a:sym typeface="DejaVu Sans"/>
                         </a:rPr>
                         <a:t>-</a:t>
                       </a:r>
@@ -10382,7 +10382,7 @@
                   </a:tcPr>
                 </a:tc>
               </a:tr>
-              <a:tr h="361524">
+              <a:tr h="366435">
                 <a:tc>
                   <a:txBody>
                     <a:bodyPr/>
@@ -10407,10 +10407,10 @@
                               <a:alpha val="100000"/>
                             </a:srgbClr>
                           </a:solidFill>
-                          <a:latin typeface="Helvetica"/>
-                          <a:cs typeface="Helvetica"/>
-                          <a:ea typeface="Helvetica"/>
-                          <a:sym typeface="Helvetica"/>
+                          <a:latin typeface="DejaVu Sans"/>
+                          <a:cs typeface="DejaVu Sans"/>
+                          <a:ea typeface="DejaVu Sans"/>
+                          <a:sym typeface="DejaVu Sans"/>
                         </a:rPr>
                         <a:t>2009</a:t>
                       </a:r>
@@ -10472,10 +10472,10 @@
                               <a:alpha val="100000"/>
                             </a:srgbClr>
                           </a:solidFill>
-                          <a:latin typeface="Helvetica"/>
-                          <a:cs typeface="Helvetica"/>
-                          <a:ea typeface="Helvetica"/>
-                          <a:sym typeface="Helvetica"/>
+                          <a:latin typeface="DejaVu Sans"/>
+                          <a:cs typeface="DejaVu Sans"/>
+                          <a:ea typeface="DejaVu Sans"/>
+                          <a:sym typeface="DejaVu Sans"/>
                         </a:rPr>
                         <a:t>8</a:t>
                       </a:r>
@@ -10533,10 +10533,10 @@
                               <a:alpha val="100000"/>
                             </a:srgbClr>
                           </a:solidFill>
-                          <a:latin typeface="Helvetica"/>
-                          <a:cs typeface="Helvetica"/>
-                          <a:ea typeface="Helvetica"/>
-                          <a:sym typeface="Helvetica"/>
+                          <a:latin typeface="DejaVu Sans"/>
+                          <a:cs typeface="DejaVu Sans"/>
+                          <a:ea typeface="DejaVu Sans"/>
+                          <a:sym typeface="DejaVu Sans"/>
                         </a:rPr>
                         <a:t>8</a:t>
                       </a:r>
@@ -10594,10 +10594,10 @@
                               <a:alpha val="100000"/>
                             </a:srgbClr>
                           </a:solidFill>
-                          <a:latin typeface="Helvetica"/>
-                          <a:cs typeface="Helvetica"/>
-                          <a:ea typeface="Helvetica"/>
-                          <a:sym typeface="Helvetica"/>
+                          <a:latin typeface="DejaVu Sans"/>
+                          <a:cs typeface="DejaVu Sans"/>
+                          <a:ea typeface="DejaVu Sans"/>
+                          <a:sym typeface="DejaVu Sans"/>
                         </a:rPr>
                         <a:t>-</a:t>
                       </a:r>
@@ -10655,10 +10655,10 @@
                               <a:alpha val="100000"/>
                             </a:srgbClr>
                           </a:solidFill>
-                          <a:latin typeface="Helvetica"/>
-                          <a:cs typeface="Helvetica"/>
-                          <a:ea typeface="Helvetica"/>
-                          <a:sym typeface="Helvetica"/>
+                          <a:latin typeface="DejaVu Sans"/>
+                          <a:cs typeface="DejaVu Sans"/>
+                          <a:ea typeface="DejaVu Sans"/>
+                          <a:sym typeface="DejaVu Sans"/>
                         </a:rPr>
                         <a:t>-</a:t>
                       </a:r>
@@ -10716,10 +10716,10 @@
                               <a:alpha val="100000"/>
                             </a:srgbClr>
                           </a:solidFill>
-                          <a:latin typeface="Helvetica"/>
-                          <a:cs typeface="Helvetica"/>
-                          <a:ea typeface="Helvetica"/>
-                          <a:sym typeface="Helvetica"/>
+                          <a:latin typeface="DejaVu Sans"/>
+                          <a:cs typeface="DejaVu Sans"/>
+                          <a:ea typeface="DejaVu Sans"/>
+                          <a:sym typeface="DejaVu Sans"/>
                         </a:rPr>
                         <a:t>-</a:t>
                       </a:r>
@@ -10777,10 +10777,10 @@
                               <a:alpha val="100000"/>
                             </a:srgbClr>
                           </a:solidFill>
-                          <a:latin typeface="Helvetica"/>
-                          <a:cs typeface="Helvetica"/>
-                          <a:ea typeface="Helvetica"/>
-                          <a:sym typeface="Helvetica"/>
+                          <a:latin typeface="DejaVu Sans"/>
+                          <a:cs typeface="DejaVu Sans"/>
+                          <a:ea typeface="DejaVu Sans"/>
+                          <a:sym typeface="DejaVu Sans"/>
                         </a:rPr>
                         <a:t>-</a:t>
                       </a:r>
@@ -10815,7 +10815,7 @@
                   </a:tcPr>
                 </a:tc>
               </a:tr>
-              <a:tr h="363434">
+              <a:tr h="368891">
                 <a:tc>
                   <a:txBody>
                     <a:bodyPr/>
@@ -10840,10 +10840,10 @@
                               <a:alpha val="100000"/>
                             </a:srgbClr>
                           </a:solidFill>
-                          <a:latin typeface="Helvetica"/>
-                          <a:cs typeface="Helvetica"/>
-                          <a:ea typeface="Helvetica"/>
-                          <a:sym typeface="Helvetica"/>
+                          <a:latin typeface="DejaVu Sans"/>
+                          <a:cs typeface="DejaVu Sans"/>
+                          <a:ea typeface="DejaVu Sans"/>
+                          <a:sym typeface="DejaVu Sans"/>
                         </a:rPr>
                         <a:t>Maximum</a:t>
                       </a:r>
@@ -10905,10 +10905,10 @@
                               <a:alpha val="100000"/>
                             </a:srgbClr>
                           </a:solidFill>
-                          <a:latin typeface="Helvetica"/>
-                          <a:cs typeface="Helvetica"/>
-                          <a:ea typeface="Helvetica"/>
-                          <a:sym typeface="Helvetica"/>
+                          <a:latin typeface="DejaVu Sans"/>
+                          <a:cs typeface="DejaVu Sans"/>
+                          <a:ea typeface="DejaVu Sans"/>
+                          <a:sym typeface="DejaVu Sans"/>
                         </a:rPr>
                         <a:t>8</a:t>
                       </a:r>
@@ -10966,10 +10966,10 @@
                               <a:alpha val="100000"/>
                             </a:srgbClr>
                           </a:solidFill>
-                          <a:latin typeface="Helvetica"/>
-                          <a:cs typeface="Helvetica"/>
-                          <a:ea typeface="Helvetica"/>
-                          <a:sym typeface="Helvetica"/>
+                          <a:latin typeface="DejaVu Sans"/>
+                          <a:cs typeface="DejaVu Sans"/>
+                          <a:ea typeface="DejaVu Sans"/>
+                          <a:sym typeface="DejaVu Sans"/>
                         </a:rPr>
                         <a:t>8</a:t>
                       </a:r>
@@ -11027,10 +11027,10 @@
                               <a:alpha val="100000"/>
                             </a:srgbClr>
                           </a:solidFill>
-                          <a:latin typeface="Helvetica"/>
-                          <a:cs typeface="Helvetica"/>
-                          <a:ea typeface="Helvetica"/>
-                          <a:sym typeface="Helvetica"/>
+                          <a:latin typeface="DejaVu Sans"/>
+                          <a:cs typeface="DejaVu Sans"/>
+                          <a:ea typeface="DejaVu Sans"/>
+                          <a:sym typeface="DejaVu Sans"/>
                         </a:rPr>
                         <a:t>-</a:t>
                       </a:r>
@@ -11088,10 +11088,10 @@
                               <a:alpha val="100000"/>
                             </a:srgbClr>
                           </a:solidFill>
-                          <a:latin typeface="Helvetica"/>
-                          <a:cs typeface="Helvetica"/>
-                          <a:ea typeface="Helvetica"/>
-                          <a:sym typeface="Helvetica"/>
+                          <a:latin typeface="DejaVu Sans"/>
+                          <a:cs typeface="DejaVu Sans"/>
+                          <a:ea typeface="DejaVu Sans"/>
+                          <a:sym typeface="DejaVu Sans"/>
                         </a:rPr>
                         <a:t>-</a:t>
                       </a:r>
@@ -11149,10 +11149,10 @@
                               <a:alpha val="100000"/>
                             </a:srgbClr>
                           </a:solidFill>
-                          <a:latin typeface="Helvetica"/>
-                          <a:cs typeface="Helvetica"/>
-                          <a:ea typeface="Helvetica"/>
-                          <a:sym typeface="Helvetica"/>
+                          <a:latin typeface="DejaVu Sans"/>
+                          <a:cs typeface="DejaVu Sans"/>
+                          <a:ea typeface="DejaVu Sans"/>
+                          <a:sym typeface="DejaVu Sans"/>
                         </a:rPr>
                         <a:t>-</a:t>
                       </a:r>
@@ -11210,10 +11210,10 @@
                               <a:alpha val="100000"/>
                             </a:srgbClr>
                           </a:solidFill>
-                          <a:latin typeface="Helvetica"/>
-                          <a:cs typeface="Helvetica"/>
-                          <a:ea typeface="Helvetica"/>
-                          <a:sym typeface="Helvetica"/>
+                          <a:latin typeface="DejaVu Sans"/>
+                          <a:cs typeface="DejaVu Sans"/>
+                          <a:ea typeface="DejaVu Sans"/>
+                          <a:sym typeface="DejaVu Sans"/>
                         </a:rPr>
                         <a:t>-</a:t>
                       </a:r>
@@ -11248,7 +11248,7 @@
                   </a:tcPr>
                 </a:tc>
               </a:tr>
-              <a:tr h="363638">
+              <a:tr h="368891">
                 <a:tc>
                   <a:txBody>
                     <a:bodyPr/>
@@ -11273,10 +11273,10 @@
                               <a:alpha val="100000"/>
                             </a:srgbClr>
                           </a:solidFill>
-                          <a:latin typeface="Helvetica"/>
-                          <a:cs typeface="Helvetica"/>
-                          <a:ea typeface="Helvetica"/>
-                          <a:sym typeface="Helvetica"/>
+                          <a:latin typeface="DejaVu Sans"/>
+                          <a:cs typeface="DejaVu Sans"/>
+                          <a:ea typeface="DejaVu Sans"/>
+                          <a:sym typeface="DejaVu Sans"/>
                         </a:rPr>
                         <a:t>Total</a:t>
                       </a:r>
@@ -11338,10 +11338,10 @@
                               <a:alpha val="100000"/>
                             </a:srgbClr>
                           </a:solidFill>
-                          <a:latin typeface="Helvetica"/>
-                          <a:cs typeface="Helvetica"/>
-                          <a:ea typeface="Helvetica"/>
-                          <a:sym typeface="Helvetica"/>
+                          <a:latin typeface="DejaVu Sans"/>
+                          <a:cs typeface="DejaVu Sans"/>
+                          <a:ea typeface="DejaVu Sans"/>
+                          <a:sym typeface="DejaVu Sans"/>
                         </a:rPr>
                         <a:t>24</a:t>
                       </a:r>
@@ -11399,10 +11399,10 @@
                               <a:alpha val="100000"/>
                             </a:srgbClr>
                           </a:solidFill>
-                          <a:latin typeface="Helvetica"/>
-                          <a:cs typeface="Helvetica"/>
-                          <a:ea typeface="Helvetica"/>
-                          <a:sym typeface="Helvetica"/>
+                          <a:latin typeface="DejaVu Sans"/>
+                          <a:cs typeface="DejaVu Sans"/>
+                          <a:ea typeface="DejaVu Sans"/>
+                          <a:sym typeface="DejaVu Sans"/>
                         </a:rPr>
                         <a:t>23</a:t>
                       </a:r>
@@ -11460,10 +11460,10 @@
                               <a:alpha val="100000"/>
                             </a:srgbClr>
                           </a:solidFill>
-                          <a:latin typeface="Helvetica"/>
-                          <a:cs typeface="Helvetica"/>
-                          <a:ea typeface="Helvetica"/>
-                          <a:sym typeface="Helvetica"/>
+                          <a:latin typeface="DejaVu Sans"/>
+                          <a:cs typeface="DejaVu Sans"/>
+                          <a:ea typeface="DejaVu Sans"/>
+                          <a:sym typeface="DejaVu Sans"/>
                         </a:rPr>
                         <a:t>-</a:t>
                       </a:r>
@@ -11521,10 +11521,10 @@
                               <a:alpha val="100000"/>
                             </a:srgbClr>
                           </a:solidFill>
-                          <a:latin typeface="Helvetica"/>
-                          <a:cs typeface="Helvetica"/>
-                          <a:ea typeface="Helvetica"/>
-                          <a:sym typeface="Helvetica"/>
+                          <a:latin typeface="DejaVu Sans"/>
+                          <a:cs typeface="DejaVu Sans"/>
+                          <a:ea typeface="DejaVu Sans"/>
+                          <a:sym typeface="DejaVu Sans"/>
                         </a:rPr>
                         <a:t>-</a:t>
                       </a:r>
@@ -11582,10 +11582,10 @@
                               <a:alpha val="100000"/>
                             </a:srgbClr>
                           </a:solidFill>
-                          <a:latin typeface="Helvetica"/>
-                          <a:cs typeface="Helvetica"/>
-                          <a:ea typeface="Helvetica"/>
-                          <a:sym typeface="Helvetica"/>
+                          <a:latin typeface="DejaVu Sans"/>
+                          <a:cs typeface="DejaVu Sans"/>
+                          <a:ea typeface="DejaVu Sans"/>
+                          <a:sym typeface="DejaVu Sans"/>
                         </a:rPr>
                         <a:t>-</a:t>
                       </a:r>
@@ -11643,10 +11643,10 @@
                               <a:alpha val="100000"/>
                             </a:srgbClr>
                           </a:solidFill>
-                          <a:latin typeface="Helvetica"/>
-                          <a:cs typeface="Helvetica"/>
-                          <a:ea typeface="Helvetica"/>
-                          <a:sym typeface="Helvetica"/>
+                          <a:latin typeface="DejaVu Sans"/>
+                          <a:cs typeface="DejaVu Sans"/>
+                          <a:ea typeface="DejaVu Sans"/>
+                          <a:sym typeface="DejaVu Sans"/>
                         </a:rPr>
                         <a:t>-</a:t>
                       </a:r>

--- a/table.pptx
+++ b/table.pptx
@@ -2231,15 +2231,15 @@
             <a:tbl>
               <a:tblPr/>
               <a:tblGrid>
-                <a:gridCol w="949110"/>
-                <a:gridCol w="773530"/>
-                <a:gridCol w="591674"/>
-                <a:gridCol w="773530"/>
-                <a:gridCol w="591674"/>
-                <a:gridCol w="773530"/>
-                <a:gridCol w="591674"/>
+                <a:gridCol w="866163"/>
+                <a:gridCol w="726599"/>
+                <a:gridCol w="563570"/>
+                <a:gridCol w="726599"/>
+                <a:gridCol w="563570"/>
+                <a:gridCol w="726599"/>
+                <a:gridCol w="563570"/>
               </a:tblGrid>
-              <a:tr h="509947">
+              <a:tr h="270000">
                 <a:tc gridSpan="7">
                   <a:txBody>
                     <a:bodyPr/>
@@ -2668,7 +2668,7 @@
                   </a:tcPr>
                 </a:tc>
               </a:tr>
-              <a:tr h="390992">
+              <a:tr h="270000">
                 <a:tc gridSpan="7">
                   <a:txBody>
                     <a:bodyPr/>
@@ -3069,7 +3069,7 @@
                   </a:tcPr>
                 </a:tc>
               </a:tr>
-              <a:tr h="395971">
+              <a:tr h="270000">
                 <a:tc>
                   <a:txBody>
                     <a:bodyPr/>
@@ -3094,10 +3094,10 @@
                               <a:alpha val="100000"/>
                             </a:srgbClr>
                           </a:solidFill>
-                          <a:latin typeface="DejaVu Sans"/>
-                          <a:cs typeface="DejaVu Sans"/>
-                          <a:ea typeface="DejaVu Sans"/>
-                          <a:sym typeface="DejaVu Sans"/>
+                          <a:latin typeface="Arial"/>
+                          <a:cs typeface="Arial"/>
+                          <a:ea typeface="Arial"/>
+                          <a:sym typeface="Arial"/>
                         </a:rPr>
                         <a:t/>
                       </a:r>
@@ -3151,10 +3151,10 @@
                               <a:alpha val="100000"/>
                             </a:srgbClr>
                           </a:solidFill>
-                          <a:latin typeface="DejaVu Sans"/>
-                          <a:cs typeface="DejaVu Sans"/>
-                          <a:ea typeface="DejaVu Sans"/>
-                          <a:sym typeface="DejaVu Sans"/>
+                          <a:latin typeface="Arial"/>
+                          <a:cs typeface="Arial"/>
+                          <a:ea typeface="Arial"/>
+                          <a:sym typeface="Arial"/>
                         </a:rPr>
                         <a:t>Adelie</a:t>
                       </a:r>
@@ -3208,10 +3208,10 @@
                               <a:alpha val="100000"/>
                             </a:srgbClr>
                           </a:solidFill>
-                          <a:latin typeface="DejaVu Sans"/>
-                          <a:cs typeface="DejaVu Sans"/>
-                          <a:ea typeface="DejaVu Sans"/>
-                          <a:sym typeface="DejaVu Sans"/>
+                          <a:latin typeface="Arial"/>
+                          <a:cs typeface="Arial"/>
+                          <a:ea typeface="Arial"/>
+                          <a:sym typeface="Arial"/>
                         </a:rPr>
                         <a:t>Adelie</a:t>
                       </a:r>
@@ -3265,10 +3265,10 @@
                               <a:alpha val="100000"/>
                             </a:srgbClr>
                           </a:solidFill>
-                          <a:latin typeface="DejaVu Sans"/>
-                          <a:cs typeface="DejaVu Sans"/>
-                          <a:ea typeface="DejaVu Sans"/>
-                          <a:sym typeface="DejaVu Sans"/>
+                          <a:latin typeface="Arial"/>
+                          <a:cs typeface="Arial"/>
+                          <a:ea typeface="Arial"/>
+                          <a:sym typeface="Arial"/>
                         </a:rPr>
                         <a:t>Chinstrap</a:t>
                       </a:r>
@@ -3322,10 +3322,10 @@
                               <a:alpha val="100000"/>
                             </a:srgbClr>
                           </a:solidFill>
-                          <a:latin typeface="DejaVu Sans"/>
-                          <a:cs typeface="DejaVu Sans"/>
-                          <a:ea typeface="DejaVu Sans"/>
-                          <a:sym typeface="DejaVu Sans"/>
+                          <a:latin typeface="Arial"/>
+                          <a:cs typeface="Arial"/>
+                          <a:ea typeface="Arial"/>
+                          <a:sym typeface="Arial"/>
                         </a:rPr>
                         <a:t>Chinstrap</a:t>
                       </a:r>
@@ -3379,10 +3379,10 @@
                               <a:alpha val="100000"/>
                             </a:srgbClr>
                           </a:solidFill>
-                          <a:latin typeface="DejaVu Sans"/>
-                          <a:cs typeface="DejaVu Sans"/>
-                          <a:ea typeface="DejaVu Sans"/>
-                          <a:sym typeface="DejaVu Sans"/>
+                          <a:latin typeface="Arial"/>
+                          <a:cs typeface="Arial"/>
+                          <a:ea typeface="Arial"/>
+                          <a:sym typeface="Arial"/>
                         </a:rPr>
                         <a:t>Gentoo</a:t>
                       </a:r>
@@ -3436,10 +3436,10 @@
                               <a:alpha val="100000"/>
                             </a:srgbClr>
                           </a:solidFill>
-                          <a:latin typeface="DejaVu Sans"/>
-                          <a:cs typeface="DejaVu Sans"/>
-                          <a:ea typeface="DejaVu Sans"/>
-                          <a:sym typeface="DejaVu Sans"/>
+                          <a:latin typeface="Arial"/>
+                          <a:cs typeface="Arial"/>
+                          <a:ea typeface="Arial"/>
+                          <a:sym typeface="Arial"/>
                         </a:rPr>
                         <a:t>Gentoo</a:t>
                       </a:r>
@@ -3470,7 +3470,7 @@
                   </a:tcPr>
                 </a:tc>
               </a:tr>
-              <a:tr h="368891">
+              <a:tr h="270000">
                 <a:tc>
                   <a:txBody>
                     <a:bodyPr/>
@@ -3495,10 +3495,10 @@
                               <a:alpha val="100000"/>
                             </a:srgbClr>
                           </a:solidFill>
-                          <a:latin typeface="DejaVu Sans"/>
-                          <a:cs typeface="DejaVu Sans"/>
-                          <a:ea typeface="DejaVu Sans"/>
-                          <a:sym typeface="DejaVu Sans"/>
+                          <a:latin typeface="Arial"/>
+                          <a:cs typeface="Arial"/>
+                          <a:ea typeface="Arial"/>
+                          <a:sym typeface="Arial"/>
                         </a:rPr>
                         <a:t/>
                       </a:r>
@@ -3517,7 +3517,7 @@
                       <a:noFill/>
                       <a:prstDash val="solid"/>
                     </a:lnT>
-                    <a:lnB algn="ctr" cmpd="sng" cap="flat" w="25400">
+                    <a:lnB algn="ctr" cmpd="sng" cap="flat" w="19050">
                       <a:solidFill>
                         <a:srgbClr val="666666">
                           <a:alpha val="100000"/>
@@ -3556,10 +3556,10 @@
                               <a:alpha val="100000"/>
                             </a:srgbClr>
                           </a:solidFill>
-                          <a:latin typeface="DejaVu Sans"/>
-                          <a:cs typeface="DejaVu Sans"/>
-                          <a:ea typeface="DejaVu Sans"/>
-                          <a:sym typeface="DejaVu Sans"/>
+                          <a:latin typeface="Arial"/>
+                          <a:cs typeface="Arial"/>
+                          <a:ea typeface="Arial"/>
+                          <a:sym typeface="Arial"/>
                         </a:rPr>
                         <a:t>Female</a:t>
                       </a:r>
@@ -3578,7 +3578,7 @@
                       <a:noFill/>
                       <a:prstDash val="solid"/>
                     </a:lnT>
-                    <a:lnB algn="ctr" cmpd="sng" cap="flat" w="25400">
+                    <a:lnB algn="ctr" cmpd="sng" cap="flat" w="19050">
                       <a:solidFill>
                         <a:srgbClr val="666666">
                           <a:alpha val="100000"/>
@@ -3617,10 +3617,10 @@
                               <a:alpha val="100000"/>
                             </a:srgbClr>
                           </a:solidFill>
-                          <a:latin typeface="DejaVu Sans"/>
-                          <a:cs typeface="DejaVu Sans"/>
-                          <a:ea typeface="DejaVu Sans"/>
-                          <a:sym typeface="DejaVu Sans"/>
+                          <a:latin typeface="Arial"/>
+                          <a:cs typeface="Arial"/>
+                          <a:ea typeface="Arial"/>
+                          <a:sym typeface="Arial"/>
                         </a:rPr>
                         <a:t>Male</a:t>
                       </a:r>
@@ -3639,7 +3639,7 @@
                       <a:noFill/>
                       <a:prstDash val="solid"/>
                     </a:lnT>
-                    <a:lnB algn="ctr" cmpd="sng" cap="flat" w="25400">
+                    <a:lnB algn="ctr" cmpd="sng" cap="flat" w="19050">
                       <a:solidFill>
                         <a:srgbClr val="666666">
                           <a:alpha val="100000"/>
@@ -3678,10 +3678,10 @@
                               <a:alpha val="100000"/>
                             </a:srgbClr>
                           </a:solidFill>
-                          <a:latin typeface="DejaVu Sans"/>
-                          <a:cs typeface="DejaVu Sans"/>
-                          <a:ea typeface="DejaVu Sans"/>
-                          <a:sym typeface="DejaVu Sans"/>
+                          <a:latin typeface="Arial"/>
+                          <a:cs typeface="Arial"/>
+                          <a:ea typeface="Arial"/>
+                          <a:sym typeface="Arial"/>
                         </a:rPr>
                         <a:t>Female</a:t>
                       </a:r>
@@ -3700,7 +3700,7 @@
                       <a:noFill/>
                       <a:prstDash val="solid"/>
                     </a:lnT>
-                    <a:lnB algn="ctr" cmpd="sng" cap="flat" w="25400">
+                    <a:lnB algn="ctr" cmpd="sng" cap="flat" w="19050">
                       <a:solidFill>
                         <a:srgbClr val="666666">
                           <a:alpha val="100000"/>
@@ -3739,10 +3739,10 @@
                               <a:alpha val="100000"/>
                             </a:srgbClr>
                           </a:solidFill>
-                          <a:latin typeface="DejaVu Sans"/>
-                          <a:cs typeface="DejaVu Sans"/>
-                          <a:ea typeface="DejaVu Sans"/>
-                          <a:sym typeface="DejaVu Sans"/>
+                          <a:latin typeface="Arial"/>
+                          <a:cs typeface="Arial"/>
+                          <a:ea typeface="Arial"/>
+                          <a:sym typeface="Arial"/>
                         </a:rPr>
                         <a:t>Male</a:t>
                       </a:r>
@@ -3761,7 +3761,7 @@
                       <a:noFill/>
                       <a:prstDash val="solid"/>
                     </a:lnT>
-                    <a:lnB algn="ctr" cmpd="sng" cap="flat" w="25400">
+                    <a:lnB algn="ctr" cmpd="sng" cap="flat" w="19050">
                       <a:solidFill>
                         <a:srgbClr val="666666">
                           <a:alpha val="100000"/>
@@ -3800,10 +3800,10 @@
                               <a:alpha val="100000"/>
                             </a:srgbClr>
                           </a:solidFill>
-                          <a:latin typeface="DejaVu Sans"/>
-                          <a:cs typeface="DejaVu Sans"/>
-                          <a:ea typeface="DejaVu Sans"/>
-                          <a:sym typeface="DejaVu Sans"/>
+                          <a:latin typeface="Arial"/>
+                          <a:cs typeface="Arial"/>
+                          <a:ea typeface="Arial"/>
+                          <a:sym typeface="Arial"/>
                         </a:rPr>
                         <a:t>Female</a:t>
                       </a:r>
@@ -3822,7 +3822,7 @@
                       <a:noFill/>
                       <a:prstDash val="solid"/>
                     </a:lnT>
-                    <a:lnB algn="ctr" cmpd="sng" cap="flat" w="25400">
+                    <a:lnB algn="ctr" cmpd="sng" cap="flat" w="19050">
                       <a:solidFill>
                         <a:srgbClr val="666666">
                           <a:alpha val="100000"/>
@@ -3861,10 +3861,10 @@
                               <a:alpha val="100000"/>
                             </a:srgbClr>
                           </a:solidFill>
-                          <a:latin typeface="DejaVu Sans"/>
-                          <a:cs typeface="DejaVu Sans"/>
-                          <a:ea typeface="DejaVu Sans"/>
-                          <a:sym typeface="DejaVu Sans"/>
+                          <a:latin typeface="Arial"/>
+                          <a:cs typeface="Arial"/>
+                          <a:ea typeface="Arial"/>
+                          <a:sym typeface="Arial"/>
                         </a:rPr>
                         <a:t>Male</a:t>
                       </a:r>
@@ -3883,7 +3883,7 @@
                       <a:noFill/>
                       <a:prstDash val="solid"/>
                     </a:lnT>
-                    <a:lnB algn="ctr" cmpd="sng" cap="flat" w="25400">
+                    <a:lnB algn="ctr" cmpd="sng" cap="flat" w="19050">
                       <a:solidFill>
                         <a:srgbClr val="666666">
                           <a:alpha val="100000"/>
@@ -3899,7 +3899,7 @@
                   </a:tcPr>
                 </a:tc>
               </a:tr>
-              <a:tr h="372692">
+              <a:tr h="270000">
                 <a:tc gridSpan="7">
                   <a:txBody>
                     <a:bodyPr/>
@@ -3910,10 +3910,10 @@
                           <a:spcPct val="90000"/>
                         </a:lnSpc>
                         <a:spcBef>
-                          <a:spcPts val="500"/>
-                        </a:spcBef>
-                        <a:spcAft>
-                          <a:spcPts val="500"/>
+                          <a:spcPts val="0"/>
+                        </a:spcBef>
+                        <a:spcAft>
+                          <a:spcPts val="0"/>
                         </a:spcAft>
                         <a:buNone/>
                       </a:pPr>
@@ -3933,7 +3933,7 @@
                       </a:r>
                     </a:p>
                   </a:txBody>
-                  <a:tcPr anchor="ctr" marB="63500" marT="63500" marR="0" marL="0">
+                  <a:tcPr anchor="ctr" marB="0" marT="0" marR="0" marL="0">
                     <a:lnL algn="ctr" cmpd="sng" cap="flat" w="0">
                       <a:noFill/>
                       <a:prstDash val="solid"/>
@@ -3975,10 +3975,10 @@
                           <a:spcPct val="90000"/>
                         </a:lnSpc>
                         <a:spcBef>
-                          <a:spcPts val="500"/>
-                        </a:spcBef>
-                        <a:spcAft>
-                          <a:spcPts val="500"/>
+                          <a:spcPts val="0"/>
+                        </a:spcBef>
+                        <a:spcAft>
+                          <a:spcPts val="0"/>
                         </a:spcAft>
                         <a:buNone/>
                       </a:pPr>
@@ -3998,7 +3998,7 @@
                       </a:r>
                     </a:p>
                   </a:txBody>
-                  <a:tcPr anchor="ctr" marB="63500" marT="63500" marR="0" marL="0">
+                  <a:tcPr anchor="ctr" marB="0" marT="0" marR="0" marL="0">
                     <a:lnL algn="ctr" cmpd="sng" cap="flat" w="0">
                       <a:noFill/>
                       <a:prstDash val="solid"/>
@@ -4040,10 +4040,10 @@
                           <a:spcPct val="90000"/>
                         </a:lnSpc>
                         <a:spcBef>
-                          <a:spcPts val="500"/>
-                        </a:spcBef>
-                        <a:spcAft>
-                          <a:spcPts val="500"/>
+                          <a:spcPts val="0"/>
+                        </a:spcBef>
+                        <a:spcAft>
+                          <a:spcPts val="0"/>
                         </a:spcAft>
                         <a:buNone/>
                       </a:pPr>
@@ -4063,7 +4063,7 @@
                       </a:r>
                     </a:p>
                   </a:txBody>
-                  <a:tcPr anchor="ctr" marB="63500" marT="63500" marR="0" marL="0">
+                  <a:tcPr anchor="ctr" marB="0" marT="0" marR="0" marL="0">
                     <a:lnL algn="ctr" cmpd="sng" cap="flat" w="0">
                       <a:noFill/>
                       <a:prstDash val="solid"/>
@@ -4105,10 +4105,10 @@
                           <a:spcPct val="90000"/>
                         </a:lnSpc>
                         <a:spcBef>
-                          <a:spcPts val="500"/>
-                        </a:spcBef>
-                        <a:spcAft>
-                          <a:spcPts val="500"/>
+                          <a:spcPts val="0"/>
+                        </a:spcBef>
+                        <a:spcAft>
+                          <a:spcPts val="0"/>
                         </a:spcAft>
                         <a:buNone/>
                       </a:pPr>
@@ -4128,7 +4128,7 @@
                       </a:r>
                     </a:p>
                   </a:txBody>
-                  <a:tcPr anchor="ctr" marB="63500" marT="63500" marR="0" marL="0">
+                  <a:tcPr anchor="ctr" marB="0" marT="0" marR="0" marL="0">
                     <a:lnL algn="ctr" cmpd="sng" cap="flat" w="0">
                       <a:noFill/>
                       <a:prstDash val="solid"/>
@@ -4170,10 +4170,10 @@
                           <a:spcPct val="90000"/>
                         </a:lnSpc>
                         <a:spcBef>
-                          <a:spcPts val="500"/>
-                        </a:spcBef>
-                        <a:spcAft>
-                          <a:spcPts val="500"/>
+                          <a:spcPts val="0"/>
+                        </a:spcBef>
+                        <a:spcAft>
+                          <a:spcPts val="0"/>
                         </a:spcAft>
                         <a:buNone/>
                       </a:pPr>
@@ -4193,7 +4193,7 @@
                       </a:r>
                     </a:p>
                   </a:txBody>
-                  <a:tcPr anchor="ctr" marB="63500" marT="63500" marR="0" marL="0">
+                  <a:tcPr anchor="ctr" marB="0" marT="0" marR="0" marL="0">
                     <a:lnL algn="ctr" cmpd="sng" cap="flat" w="0">
                       <a:noFill/>
                       <a:prstDash val="solid"/>
@@ -4235,10 +4235,10 @@
                           <a:spcPct val="90000"/>
                         </a:lnSpc>
                         <a:spcBef>
-                          <a:spcPts val="500"/>
-                        </a:spcBef>
-                        <a:spcAft>
-                          <a:spcPts val="500"/>
+                          <a:spcPts val="0"/>
+                        </a:spcBef>
+                        <a:spcAft>
+                          <a:spcPts val="0"/>
                         </a:spcAft>
                         <a:buNone/>
                       </a:pPr>
@@ -4258,7 +4258,7 @@
                       </a:r>
                     </a:p>
                   </a:txBody>
-                  <a:tcPr anchor="ctr" marB="63500" marT="63500" marR="0" marL="0">
+                  <a:tcPr anchor="ctr" marB="0" marT="0" marR="0" marL="0">
                     <a:lnL algn="ctr" cmpd="sng" cap="flat" w="0">
                       <a:noFill/>
                       <a:prstDash val="solid"/>
@@ -4300,10 +4300,10 @@
                           <a:spcPct val="90000"/>
                         </a:lnSpc>
                         <a:spcBef>
-                          <a:spcPts val="500"/>
-                        </a:spcBef>
-                        <a:spcAft>
-                          <a:spcPts val="500"/>
+                          <a:spcPts val="0"/>
+                        </a:spcBef>
+                        <a:spcAft>
+                          <a:spcPts val="0"/>
                         </a:spcAft>
                         <a:buNone/>
                       </a:pPr>
@@ -4323,7 +4323,7 @@
                       </a:r>
                     </a:p>
                   </a:txBody>
-                  <a:tcPr anchor="ctr" marB="63500" marT="63500" marR="0" marL="0">
+                  <a:tcPr anchor="ctr" marB="0" marT="0" marR="0" marL="0">
                     <a:lnL algn="ctr" cmpd="sng" cap="flat" w="0">
                       <a:noFill/>
                       <a:prstDash val="solid"/>
@@ -4356,7 +4356,7 @@
                   </a:tcPr>
                 </a:tc>
               </a:tr>
-              <a:tr h="366435">
+              <a:tr h="270000">
                 <a:tc>
                   <a:txBody>
                     <a:bodyPr/>
@@ -4367,10 +4367,10 @@
                           <a:spcPct val="90000"/>
                         </a:lnSpc>
                         <a:spcBef>
-                          <a:spcPts val="500"/>
-                        </a:spcBef>
-                        <a:spcAft>
-                          <a:spcPts val="500"/>
+                          <a:spcPts val="0"/>
+                        </a:spcBef>
+                        <a:spcAft>
+                          <a:spcPts val="0"/>
                         </a:spcAft>
                         <a:buNone/>
                       </a:pPr>
@@ -4381,16 +4381,16 @@
                               <a:alpha val="100000"/>
                             </a:srgbClr>
                           </a:solidFill>
-                          <a:latin typeface="DejaVu Sans"/>
-                          <a:cs typeface="DejaVu Sans"/>
-                          <a:ea typeface="DejaVu Sans"/>
-                          <a:sym typeface="DejaVu Sans"/>
+                          <a:latin typeface="Arial"/>
+                          <a:cs typeface="Arial"/>
+                          <a:ea typeface="Arial"/>
+                          <a:sym typeface="Arial"/>
                         </a:rPr>
                         <a:t>2007</a:t>
                       </a:r>
                     </a:p>
                   </a:txBody>
-                  <a:tcPr anchor="ctr" marB="63500" marT="63500" marR="0" marL="0">
+                  <a:tcPr anchor="ctr" marB="0" marT="0" marR="0" marL="0">
                     <a:lnL algn="ctr" cmpd="sng" cap="flat" w="0">
                       <a:noFill/>
                       <a:prstDash val="solid"/>
@@ -4432,10 +4432,10 @@
                           <a:spcPct val="90000"/>
                         </a:lnSpc>
                         <a:spcBef>
-                          <a:spcPts val="500"/>
-                        </a:spcBef>
-                        <a:spcAft>
-                          <a:spcPts val="500"/>
+                          <a:spcPts val="0"/>
+                        </a:spcBef>
+                        <a:spcAft>
+                          <a:spcPts val="0"/>
                         </a:spcAft>
                         <a:buNone/>
                       </a:pPr>
@@ -4446,16 +4446,16 @@
                               <a:alpha val="100000"/>
                             </a:srgbClr>
                           </a:solidFill>
-                          <a:latin typeface="DejaVu Sans"/>
-                          <a:cs typeface="DejaVu Sans"/>
-                          <a:ea typeface="DejaVu Sans"/>
-                          <a:sym typeface="DejaVu Sans"/>
+                          <a:latin typeface="Arial"/>
+                          <a:cs typeface="Arial"/>
+                          <a:ea typeface="Arial"/>
+                          <a:sym typeface="Arial"/>
                         </a:rPr>
                         <a:t>5</a:t>
                       </a:r>
                     </a:p>
                   </a:txBody>
-                  <a:tcPr anchor="ctr" marB="63500" marT="63500" marR="0" marL="0">
+                  <a:tcPr anchor="ctr" marB="0" marT="0" marR="0" marL="0">
                     <a:lnL algn="ctr" cmpd="sng" cap="flat" w="0">
                       <a:noFill/>
                       <a:prstDash val="solid"/>
@@ -4493,10 +4493,10 @@
                           <a:spcPct val="90000"/>
                         </a:lnSpc>
                         <a:spcBef>
-                          <a:spcPts val="500"/>
-                        </a:spcBef>
-                        <a:spcAft>
-                          <a:spcPts val="500"/>
+                          <a:spcPts val="0"/>
+                        </a:spcBef>
+                        <a:spcAft>
+                          <a:spcPts val="0"/>
                         </a:spcAft>
                         <a:buNone/>
                       </a:pPr>
@@ -4507,16 +4507,16 @@
                               <a:alpha val="100000"/>
                             </a:srgbClr>
                           </a:solidFill>
-                          <a:latin typeface="DejaVu Sans"/>
-                          <a:cs typeface="DejaVu Sans"/>
-                          <a:ea typeface="DejaVu Sans"/>
-                          <a:sym typeface="DejaVu Sans"/>
+                          <a:latin typeface="Arial"/>
+                          <a:cs typeface="Arial"/>
+                          <a:ea typeface="Arial"/>
+                          <a:sym typeface="Arial"/>
                         </a:rPr>
                         <a:t>5</a:t>
                       </a:r>
                     </a:p>
                   </a:txBody>
-                  <a:tcPr anchor="ctr" marB="63500" marT="63500" marR="0" marL="0">
+                  <a:tcPr anchor="ctr" marB="0" marT="0" marR="0" marL="0">
                     <a:lnL algn="ctr" cmpd="sng" cap="flat" w="0">
                       <a:noFill/>
                       <a:prstDash val="solid"/>
@@ -4554,10 +4554,10 @@
                           <a:spcPct val="90000"/>
                         </a:lnSpc>
                         <a:spcBef>
-                          <a:spcPts val="500"/>
-                        </a:spcBef>
-                        <a:spcAft>
-                          <a:spcPts val="500"/>
+                          <a:spcPts val="0"/>
+                        </a:spcBef>
+                        <a:spcAft>
+                          <a:spcPts val="0"/>
                         </a:spcAft>
                         <a:buNone/>
                       </a:pPr>
@@ -4568,16 +4568,16 @@
                               <a:alpha val="100000"/>
                             </a:srgbClr>
                           </a:solidFill>
-                          <a:latin typeface="DejaVu Sans"/>
-                          <a:cs typeface="DejaVu Sans"/>
-                          <a:ea typeface="DejaVu Sans"/>
-                          <a:sym typeface="DejaVu Sans"/>
+                          <a:latin typeface="Arial"/>
+                          <a:cs typeface="Arial"/>
+                          <a:ea typeface="Arial"/>
+                          <a:sym typeface="Arial"/>
                         </a:rPr>
                         <a:t>-</a:t>
                       </a:r>
                     </a:p>
                   </a:txBody>
-                  <a:tcPr anchor="ctr" marB="63500" marT="63500" marR="0" marL="0">
+                  <a:tcPr anchor="ctr" marB="0" marT="0" marR="0" marL="0">
                     <a:lnL algn="ctr" cmpd="sng" cap="flat" w="0">
                       <a:noFill/>
                       <a:prstDash val="solid"/>
@@ -4615,10 +4615,10 @@
                           <a:spcPct val="90000"/>
                         </a:lnSpc>
                         <a:spcBef>
-                          <a:spcPts val="500"/>
-                        </a:spcBef>
-                        <a:spcAft>
-                          <a:spcPts val="500"/>
+                          <a:spcPts val="0"/>
+                        </a:spcBef>
+                        <a:spcAft>
+                          <a:spcPts val="0"/>
                         </a:spcAft>
                         <a:buNone/>
                       </a:pPr>
@@ -4629,16 +4629,16 @@
                               <a:alpha val="100000"/>
                             </a:srgbClr>
                           </a:solidFill>
-                          <a:latin typeface="DejaVu Sans"/>
-                          <a:cs typeface="DejaVu Sans"/>
-                          <a:ea typeface="DejaVu Sans"/>
-                          <a:sym typeface="DejaVu Sans"/>
+                          <a:latin typeface="Arial"/>
+                          <a:cs typeface="Arial"/>
+                          <a:ea typeface="Arial"/>
+                          <a:sym typeface="Arial"/>
                         </a:rPr>
                         <a:t>-</a:t>
                       </a:r>
                     </a:p>
                   </a:txBody>
-                  <a:tcPr anchor="ctr" marB="63500" marT="63500" marR="0" marL="0">
+                  <a:tcPr anchor="ctr" marB="0" marT="0" marR="0" marL="0">
                     <a:lnL algn="ctr" cmpd="sng" cap="flat" w="0">
                       <a:noFill/>
                       <a:prstDash val="solid"/>
@@ -4676,10 +4676,10 @@
                           <a:spcPct val="90000"/>
                         </a:lnSpc>
                         <a:spcBef>
-                          <a:spcPts val="500"/>
-                        </a:spcBef>
-                        <a:spcAft>
-                          <a:spcPts val="500"/>
+                          <a:spcPts val="0"/>
+                        </a:spcBef>
+                        <a:spcAft>
+                          <a:spcPts val="0"/>
                         </a:spcAft>
                         <a:buNone/>
                       </a:pPr>
@@ -4690,16 +4690,16 @@
                               <a:alpha val="100000"/>
                             </a:srgbClr>
                           </a:solidFill>
-                          <a:latin typeface="DejaVu Sans"/>
-                          <a:cs typeface="DejaVu Sans"/>
-                          <a:ea typeface="DejaVu Sans"/>
-                          <a:sym typeface="DejaVu Sans"/>
+                          <a:latin typeface="Arial"/>
+                          <a:cs typeface="Arial"/>
+                          <a:ea typeface="Arial"/>
+                          <a:sym typeface="Arial"/>
                         </a:rPr>
                         <a:t>16</a:t>
                       </a:r>
                     </a:p>
                   </a:txBody>
-                  <a:tcPr anchor="ctr" marB="63500" marT="63500" marR="0" marL="0">
+                  <a:tcPr anchor="ctr" marB="0" marT="0" marR="0" marL="0">
                     <a:lnL algn="ctr" cmpd="sng" cap="flat" w="0">
                       <a:noFill/>
                       <a:prstDash val="solid"/>
@@ -4737,10 +4737,10 @@
                           <a:spcPct val="90000"/>
                         </a:lnSpc>
                         <a:spcBef>
-                          <a:spcPts val="500"/>
-                        </a:spcBef>
-                        <a:spcAft>
-                          <a:spcPts val="500"/>
+                          <a:spcPts val="0"/>
+                        </a:spcBef>
+                        <a:spcAft>
+                          <a:spcPts val="0"/>
                         </a:spcAft>
                         <a:buNone/>
                       </a:pPr>
@@ -4751,16 +4751,16 @@
                               <a:alpha val="100000"/>
                             </a:srgbClr>
                           </a:solidFill>
-                          <a:latin typeface="DejaVu Sans"/>
-                          <a:cs typeface="DejaVu Sans"/>
-                          <a:ea typeface="DejaVu Sans"/>
-                          <a:sym typeface="DejaVu Sans"/>
+                          <a:latin typeface="Arial"/>
+                          <a:cs typeface="Arial"/>
+                          <a:ea typeface="Arial"/>
+                          <a:sym typeface="Arial"/>
                         </a:rPr>
                         <a:t>17</a:t>
                       </a:r>
                     </a:p>
                   </a:txBody>
-                  <a:tcPr anchor="ctr" marB="63500" marT="63500" marR="0" marL="0">
+                  <a:tcPr anchor="ctr" marB="0" marT="0" marR="0" marL="0">
                     <a:lnL algn="ctr" cmpd="sng" cap="flat" w="0">
                       <a:noFill/>
                       <a:prstDash val="solid"/>
@@ -4789,7 +4789,7 @@
                   </a:tcPr>
                 </a:tc>
               </a:tr>
-              <a:tr h="366435">
+              <a:tr h="270000">
                 <a:tc>
                   <a:txBody>
                     <a:bodyPr/>
@@ -4800,10 +4800,10 @@
                           <a:spcPct val="90000"/>
                         </a:lnSpc>
                         <a:spcBef>
-                          <a:spcPts val="500"/>
-                        </a:spcBef>
-                        <a:spcAft>
-                          <a:spcPts val="500"/>
+                          <a:spcPts val="0"/>
+                        </a:spcBef>
+                        <a:spcAft>
+                          <a:spcPts val="0"/>
                         </a:spcAft>
                         <a:buNone/>
                       </a:pPr>
@@ -4814,16 +4814,16 @@
                               <a:alpha val="100000"/>
                             </a:srgbClr>
                           </a:solidFill>
-                          <a:latin typeface="DejaVu Sans"/>
-                          <a:cs typeface="DejaVu Sans"/>
-                          <a:ea typeface="DejaVu Sans"/>
-                          <a:sym typeface="DejaVu Sans"/>
+                          <a:latin typeface="Arial"/>
+                          <a:cs typeface="Arial"/>
+                          <a:ea typeface="Arial"/>
+                          <a:sym typeface="Arial"/>
                         </a:rPr>
                         <a:t>2008</a:t>
                       </a:r>
                     </a:p>
                   </a:txBody>
-                  <a:tcPr anchor="ctr" marB="63500" marT="63500" marR="0" marL="0">
+                  <a:tcPr anchor="ctr" marB="0" marT="0" marR="0" marL="0">
                     <a:lnL algn="ctr" cmpd="sng" cap="flat" w="0">
                       <a:noFill/>
                       <a:prstDash val="solid"/>
@@ -4861,10 +4861,10 @@
                           <a:spcPct val="90000"/>
                         </a:lnSpc>
                         <a:spcBef>
-                          <a:spcPts val="500"/>
-                        </a:spcBef>
-                        <a:spcAft>
-                          <a:spcPts val="500"/>
+                          <a:spcPts val="0"/>
+                        </a:spcBef>
+                        <a:spcAft>
+                          <a:spcPts val="0"/>
                         </a:spcAft>
                         <a:buNone/>
                       </a:pPr>
@@ -4875,16 +4875,16 @@
                               <a:alpha val="100000"/>
                             </a:srgbClr>
                           </a:solidFill>
-                          <a:latin typeface="DejaVu Sans"/>
-                          <a:cs typeface="DejaVu Sans"/>
-                          <a:ea typeface="DejaVu Sans"/>
-                          <a:sym typeface="DejaVu Sans"/>
+                          <a:latin typeface="Arial"/>
+                          <a:cs typeface="Arial"/>
+                          <a:ea typeface="Arial"/>
+                          <a:sym typeface="Arial"/>
                         </a:rPr>
                         <a:t>9</a:t>
                       </a:r>
                     </a:p>
                   </a:txBody>
-                  <a:tcPr anchor="ctr" marB="63500" marT="63500" marR="0" marL="0">
+                  <a:tcPr anchor="ctr" marB="0" marT="0" marR="0" marL="0">
                     <a:lnL algn="ctr" cmpd="sng" cap="flat" w="0">
                       <a:noFill/>
                       <a:prstDash val="solid"/>
@@ -4918,10 +4918,10 @@
                           <a:spcPct val="90000"/>
                         </a:lnSpc>
                         <a:spcBef>
-                          <a:spcPts val="500"/>
-                        </a:spcBef>
-                        <a:spcAft>
-                          <a:spcPts val="500"/>
+                          <a:spcPts val="0"/>
+                        </a:spcBef>
+                        <a:spcAft>
+                          <a:spcPts val="0"/>
                         </a:spcAft>
                         <a:buNone/>
                       </a:pPr>
@@ -4932,16 +4932,16 @@
                               <a:alpha val="100000"/>
                             </a:srgbClr>
                           </a:solidFill>
-                          <a:latin typeface="DejaVu Sans"/>
-                          <a:cs typeface="DejaVu Sans"/>
-                          <a:ea typeface="DejaVu Sans"/>
-                          <a:sym typeface="DejaVu Sans"/>
+                          <a:latin typeface="Arial"/>
+                          <a:cs typeface="Arial"/>
+                          <a:ea typeface="Arial"/>
+                          <a:sym typeface="Arial"/>
                         </a:rPr>
                         <a:t>9</a:t>
                       </a:r>
                     </a:p>
                   </a:txBody>
-                  <a:tcPr anchor="ctr" marB="63500" marT="63500" marR="0" marL="0">
+                  <a:tcPr anchor="ctr" marB="0" marT="0" marR="0" marL="0">
                     <a:lnL algn="ctr" cmpd="sng" cap="flat" w="0">
                       <a:noFill/>
                       <a:prstDash val="solid"/>
@@ -4975,10 +4975,10 @@
                           <a:spcPct val="90000"/>
                         </a:lnSpc>
                         <a:spcBef>
-                          <a:spcPts val="500"/>
-                        </a:spcBef>
-                        <a:spcAft>
-                          <a:spcPts val="500"/>
+                          <a:spcPts val="0"/>
+                        </a:spcBef>
+                        <a:spcAft>
+                          <a:spcPts val="0"/>
                         </a:spcAft>
                         <a:buNone/>
                       </a:pPr>
@@ -4989,16 +4989,16 @@
                               <a:alpha val="100000"/>
                             </a:srgbClr>
                           </a:solidFill>
-                          <a:latin typeface="DejaVu Sans"/>
-                          <a:cs typeface="DejaVu Sans"/>
-                          <a:ea typeface="DejaVu Sans"/>
-                          <a:sym typeface="DejaVu Sans"/>
+                          <a:latin typeface="Arial"/>
+                          <a:cs typeface="Arial"/>
+                          <a:ea typeface="Arial"/>
+                          <a:sym typeface="Arial"/>
                         </a:rPr>
                         <a:t>-</a:t>
                       </a:r>
                     </a:p>
                   </a:txBody>
-                  <a:tcPr anchor="ctr" marB="63500" marT="63500" marR="0" marL="0">
+                  <a:tcPr anchor="ctr" marB="0" marT="0" marR="0" marL="0">
                     <a:lnL algn="ctr" cmpd="sng" cap="flat" w="0">
                       <a:noFill/>
                       <a:prstDash val="solid"/>
@@ -5032,10 +5032,10 @@
                           <a:spcPct val="90000"/>
                         </a:lnSpc>
                         <a:spcBef>
-                          <a:spcPts val="500"/>
-                        </a:spcBef>
-                        <a:spcAft>
-                          <a:spcPts val="500"/>
+                          <a:spcPts val="0"/>
+                        </a:spcBef>
+                        <a:spcAft>
+                          <a:spcPts val="0"/>
                         </a:spcAft>
                         <a:buNone/>
                       </a:pPr>
@@ -5046,16 +5046,16 @@
                               <a:alpha val="100000"/>
                             </a:srgbClr>
                           </a:solidFill>
-                          <a:latin typeface="DejaVu Sans"/>
-                          <a:cs typeface="DejaVu Sans"/>
-                          <a:ea typeface="DejaVu Sans"/>
-                          <a:sym typeface="DejaVu Sans"/>
+                          <a:latin typeface="Arial"/>
+                          <a:cs typeface="Arial"/>
+                          <a:ea typeface="Arial"/>
+                          <a:sym typeface="Arial"/>
                         </a:rPr>
                         <a:t>-</a:t>
                       </a:r>
                     </a:p>
                   </a:txBody>
-                  <a:tcPr anchor="ctr" marB="63500" marT="63500" marR="0" marL="0">
+                  <a:tcPr anchor="ctr" marB="0" marT="0" marR="0" marL="0">
                     <a:lnL algn="ctr" cmpd="sng" cap="flat" w="0">
                       <a:noFill/>
                       <a:prstDash val="solid"/>
@@ -5089,10 +5089,10 @@
                           <a:spcPct val="90000"/>
                         </a:lnSpc>
                         <a:spcBef>
-                          <a:spcPts val="500"/>
-                        </a:spcBef>
-                        <a:spcAft>
-                          <a:spcPts val="500"/>
+                          <a:spcPts val="0"/>
+                        </a:spcBef>
+                        <a:spcAft>
+                          <a:spcPts val="0"/>
                         </a:spcAft>
                         <a:buNone/>
                       </a:pPr>
@@ -5103,16 +5103,16 @@
                               <a:alpha val="100000"/>
                             </a:srgbClr>
                           </a:solidFill>
-                          <a:latin typeface="DejaVu Sans"/>
-                          <a:cs typeface="DejaVu Sans"/>
-                          <a:ea typeface="DejaVu Sans"/>
-                          <a:sym typeface="DejaVu Sans"/>
+                          <a:latin typeface="Arial"/>
+                          <a:cs typeface="Arial"/>
+                          <a:ea typeface="Arial"/>
+                          <a:sym typeface="Arial"/>
                         </a:rPr>
                         <a:t>22</a:t>
                       </a:r>
                     </a:p>
                   </a:txBody>
-                  <a:tcPr anchor="ctr" marB="63500" marT="63500" marR="0" marL="0">
+                  <a:tcPr anchor="ctr" marB="0" marT="0" marR="0" marL="0">
                     <a:lnL algn="ctr" cmpd="sng" cap="flat" w="0">
                       <a:noFill/>
                       <a:prstDash val="solid"/>
@@ -5146,10 +5146,10 @@
                           <a:spcPct val="90000"/>
                         </a:lnSpc>
                         <a:spcBef>
-                          <a:spcPts val="500"/>
-                        </a:spcBef>
-                        <a:spcAft>
-                          <a:spcPts val="500"/>
+                          <a:spcPts val="0"/>
+                        </a:spcBef>
+                        <a:spcAft>
+                          <a:spcPts val="0"/>
                         </a:spcAft>
                         <a:buNone/>
                       </a:pPr>
@@ -5160,16 +5160,16 @@
                               <a:alpha val="100000"/>
                             </a:srgbClr>
                           </a:solidFill>
-                          <a:latin typeface="DejaVu Sans"/>
-                          <a:cs typeface="DejaVu Sans"/>
-                          <a:ea typeface="DejaVu Sans"/>
-                          <a:sym typeface="DejaVu Sans"/>
+                          <a:latin typeface="Arial"/>
+                          <a:cs typeface="Arial"/>
+                          <a:ea typeface="Arial"/>
+                          <a:sym typeface="Arial"/>
                         </a:rPr>
                         <a:t>23</a:t>
                       </a:r>
                     </a:p>
                   </a:txBody>
-                  <a:tcPr anchor="ctr" marB="63500" marT="63500" marR="0" marL="0">
+                  <a:tcPr anchor="ctr" marB="0" marT="0" marR="0" marL="0">
                     <a:lnL algn="ctr" cmpd="sng" cap="flat" w="0">
                       <a:noFill/>
                       <a:prstDash val="solid"/>
@@ -5194,7 +5194,7 @@
                   </a:tcPr>
                 </a:tc>
               </a:tr>
-              <a:tr h="366435">
+              <a:tr h="270000">
                 <a:tc>
                   <a:txBody>
                     <a:bodyPr/>
@@ -5205,10 +5205,10 @@
                           <a:spcPct val="90000"/>
                         </a:lnSpc>
                         <a:spcBef>
-                          <a:spcPts val="500"/>
-                        </a:spcBef>
-                        <a:spcAft>
-                          <a:spcPts val="500"/>
+                          <a:spcPts val="0"/>
+                        </a:spcBef>
+                        <a:spcAft>
+                          <a:spcPts val="0"/>
                         </a:spcAft>
                         <a:buNone/>
                       </a:pPr>
@@ -5219,16 +5219,16 @@
                               <a:alpha val="100000"/>
                             </a:srgbClr>
                           </a:solidFill>
-                          <a:latin typeface="DejaVu Sans"/>
-                          <a:cs typeface="DejaVu Sans"/>
-                          <a:ea typeface="DejaVu Sans"/>
-                          <a:sym typeface="DejaVu Sans"/>
+                          <a:latin typeface="Arial"/>
+                          <a:cs typeface="Arial"/>
+                          <a:ea typeface="Arial"/>
+                          <a:sym typeface="Arial"/>
                         </a:rPr>
                         <a:t>2009</a:t>
                       </a:r>
                     </a:p>
                   </a:txBody>
-                  <a:tcPr anchor="ctr" marB="63500" marT="63500" marR="0" marL="0">
+                  <a:tcPr anchor="ctr" marB="0" marT="0" marR="0" marL="0">
                     <a:lnL algn="ctr" cmpd="sng" cap="flat" w="0">
                       <a:noFill/>
                       <a:prstDash val="solid"/>
@@ -5270,10 +5270,10 @@
                           <a:spcPct val="90000"/>
                         </a:lnSpc>
                         <a:spcBef>
-                          <a:spcPts val="500"/>
-                        </a:spcBef>
-                        <a:spcAft>
-                          <a:spcPts val="500"/>
+                          <a:spcPts val="0"/>
+                        </a:spcBef>
+                        <a:spcAft>
+                          <a:spcPts val="0"/>
                         </a:spcAft>
                         <a:buNone/>
                       </a:pPr>
@@ -5284,16 +5284,16 @@
                               <a:alpha val="100000"/>
                             </a:srgbClr>
                           </a:solidFill>
-                          <a:latin typeface="DejaVu Sans"/>
-                          <a:cs typeface="DejaVu Sans"/>
-                          <a:ea typeface="DejaVu Sans"/>
-                          <a:sym typeface="DejaVu Sans"/>
+                          <a:latin typeface="Arial"/>
+                          <a:cs typeface="Arial"/>
+                          <a:ea typeface="Arial"/>
+                          <a:sym typeface="Arial"/>
                         </a:rPr>
                         <a:t>8</a:t>
                       </a:r>
                     </a:p>
                   </a:txBody>
-                  <a:tcPr anchor="ctr" marB="63500" marT="63500" marR="0" marL="0">
+                  <a:tcPr anchor="ctr" marB="0" marT="0" marR="0" marL="0">
                     <a:lnL algn="ctr" cmpd="sng" cap="flat" w="0">
                       <a:noFill/>
                       <a:prstDash val="solid"/>
@@ -5331,10 +5331,10 @@
                           <a:spcPct val="90000"/>
                         </a:lnSpc>
                         <a:spcBef>
-                          <a:spcPts val="500"/>
-                        </a:spcBef>
-                        <a:spcAft>
-                          <a:spcPts val="500"/>
+                          <a:spcPts val="0"/>
+                        </a:spcBef>
+                        <a:spcAft>
+                          <a:spcPts val="0"/>
                         </a:spcAft>
                         <a:buNone/>
                       </a:pPr>
@@ -5345,16 +5345,16 @@
                               <a:alpha val="100000"/>
                             </a:srgbClr>
                           </a:solidFill>
-                          <a:latin typeface="DejaVu Sans"/>
-                          <a:cs typeface="DejaVu Sans"/>
-                          <a:ea typeface="DejaVu Sans"/>
-                          <a:sym typeface="DejaVu Sans"/>
+                          <a:latin typeface="Arial"/>
+                          <a:cs typeface="Arial"/>
+                          <a:ea typeface="Arial"/>
+                          <a:sym typeface="Arial"/>
                         </a:rPr>
                         <a:t>8</a:t>
                       </a:r>
                     </a:p>
                   </a:txBody>
-                  <a:tcPr anchor="ctr" marB="63500" marT="63500" marR="0" marL="0">
+                  <a:tcPr anchor="ctr" marB="0" marT="0" marR="0" marL="0">
                     <a:lnL algn="ctr" cmpd="sng" cap="flat" w="0">
                       <a:noFill/>
                       <a:prstDash val="solid"/>
@@ -5392,10 +5392,10 @@
                           <a:spcPct val="90000"/>
                         </a:lnSpc>
                         <a:spcBef>
-                          <a:spcPts val="500"/>
-                        </a:spcBef>
-                        <a:spcAft>
-                          <a:spcPts val="500"/>
+                          <a:spcPts val="0"/>
+                        </a:spcBef>
+                        <a:spcAft>
+                          <a:spcPts val="0"/>
                         </a:spcAft>
                         <a:buNone/>
                       </a:pPr>
@@ -5406,16 +5406,16 @@
                               <a:alpha val="100000"/>
                             </a:srgbClr>
                           </a:solidFill>
-                          <a:latin typeface="DejaVu Sans"/>
-                          <a:cs typeface="DejaVu Sans"/>
-                          <a:ea typeface="DejaVu Sans"/>
-                          <a:sym typeface="DejaVu Sans"/>
+                          <a:latin typeface="Arial"/>
+                          <a:cs typeface="Arial"/>
+                          <a:ea typeface="Arial"/>
+                          <a:sym typeface="Arial"/>
                         </a:rPr>
                         <a:t>-</a:t>
                       </a:r>
                     </a:p>
                   </a:txBody>
-                  <a:tcPr anchor="ctr" marB="63500" marT="63500" marR="0" marL="0">
+                  <a:tcPr anchor="ctr" marB="0" marT="0" marR="0" marL="0">
                     <a:lnL algn="ctr" cmpd="sng" cap="flat" w="0">
                       <a:noFill/>
                       <a:prstDash val="solid"/>
@@ -5453,10 +5453,10 @@
                           <a:spcPct val="90000"/>
                         </a:lnSpc>
                         <a:spcBef>
-                          <a:spcPts val="500"/>
-                        </a:spcBef>
-                        <a:spcAft>
-                          <a:spcPts val="500"/>
+                          <a:spcPts val="0"/>
+                        </a:spcBef>
+                        <a:spcAft>
+                          <a:spcPts val="0"/>
                         </a:spcAft>
                         <a:buNone/>
                       </a:pPr>
@@ -5467,16 +5467,16 @@
                               <a:alpha val="100000"/>
                             </a:srgbClr>
                           </a:solidFill>
-                          <a:latin typeface="DejaVu Sans"/>
-                          <a:cs typeface="DejaVu Sans"/>
-                          <a:ea typeface="DejaVu Sans"/>
-                          <a:sym typeface="DejaVu Sans"/>
+                          <a:latin typeface="Arial"/>
+                          <a:cs typeface="Arial"/>
+                          <a:ea typeface="Arial"/>
+                          <a:sym typeface="Arial"/>
                         </a:rPr>
                         <a:t>-</a:t>
                       </a:r>
                     </a:p>
                   </a:txBody>
-                  <a:tcPr anchor="ctr" marB="63500" marT="63500" marR="0" marL="0">
+                  <a:tcPr anchor="ctr" marB="0" marT="0" marR="0" marL="0">
                     <a:lnL algn="ctr" cmpd="sng" cap="flat" w="0">
                       <a:noFill/>
                       <a:prstDash val="solid"/>
@@ -5514,10 +5514,10 @@
                           <a:spcPct val="90000"/>
                         </a:lnSpc>
                         <a:spcBef>
-                          <a:spcPts val="500"/>
-                        </a:spcBef>
-                        <a:spcAft>
-                          <a:spcPts val="500"/>
+                          <a:spcPts val="0"/>
+                        </a:spcBef>
+                        <a:spcAft>
+                          <a:spcPts val="0"/>
                         </a:spcAft>
                         <a:buNone/>
                       </a:pPr>
@@ -5528,16 +5528,16 @@
                               <a:alpha val="100000"/>
                             </a:srgbClr>
                           </a:solidFill>
-                          <a:latin typeface="DejaVu Sans"/>
-                          <a:cs typeface="DejaVu Sans"/>
-                          <a:ea typeface="DejaVu Sans"/>
-                          <a:sym typeface="DejaVu Sans"/>
+                          <a:latin typeface="Arial"/>
+                          <a:cs typeface="Arial"/>
+                          <a:ea typeface="Arial"/>
+                          <a:sym typeface="Arial"/>
                         </a:rPr>
                         <a:t>20</a:t>
                       </a:r>
                     </a:p>
                   </a:txBody>
-                  <a:tcPr anchor="ctr" marB="63500" marT="63500" marR="0" marL="0">
+                  <a:tcPr anchor="ctr" marB="0" marT="0" marR="0" marL="0">
                     <a:lnL algn="ctr" cmpd="sng" cap="flat" w="0">
                       <a:noFill/>
                       <a:prstDash val="solid"/>
@@ -5575,10 +5575,10 @@
                           <a:spcPct val="90000"/>
                         </a:lnSpc>
                         <a:spcBef>
-                          <a:spcPts val="500"/>
-                        </a:spcBef>
-                        <a:spcAft>
-                          <a:spcPts val="500"/>
+                          <a:spcPts val="0"/>
+                        </a:spcBef>
+                        <a:spcAft>
+                          <a:spcPts val="0"/>
                         </a:spcAft>
                         <a:buNone/>
                       </a:pPr>
@@ -5589,16 +5589,16 @@
                               <a:alpha val="100000"/>
                             </a:srgbClr>
                           </a:solidFill>
-                          <a:latin typeface="DejaVu Sans"/>
-                          <a:cs typeface="DejaVu Sans"/>
-                          <a:ea typeface="DejaVu Sans"/>
-                          <a:sym typeface="DejaVu Sans"/>
+                          <a:latin typeface="Arial"/>
+                          <a:cs typeface="Arial"/>
+                          <a:ea typeface="Arial"/>
+                          <a:sym typeface="Arial"/>
                         </a:rPr>
                         <a:t>21</a:t>
                       </a:r>
                     </a:p>
                   </a:txBody>
-                  <a:tcPr anchor="ctr" marB="63500" marT="63500" marR="0" marL="0">
+                  <a:tcPr anchor="ctr" marB="0" marT="0" marR="0" marL="0">
                     <a:lnL algn="ctr" cmpd="sng" cap="flat" w="0">
                       <a:noFill/>
                       <a:prstDash val="solid"/>
@@ -5627,7 +5627,7 @@
                   </a:tcPr>
                 </a:tc>
               </a:tr>
-              <a:tr h="368891">
+              <a:tr h="270000">
                 <a:tc>
                   <a:txBody>
                     <a:bodyPr/>
@@ -5638,10 +5638,10 @@
                           <a:spcPct val="90000"/>
                         </a:lnSpc>
                         <a:spcBef>
-                          <a:spcPts val="500"/>
-                        </a:spcBef>
-                        <a:spcAft>
-                          <a:spcPts val="500"/>
+                          <a:spcPts val="0"/>
+                        </a:spcBef>
+                        <a:spcAft>
+                          <a:spcPts val="0"/>
                         </a:spcAft>
                         <a:buNone/>
                       </a:pPr>
@@ -5652,16 +5652,16 @@
                               <a:alpha val="100000"/>
                             </a:srgbClr>
                           </a:solidFill>
-                          <a:latin typeface="DejaVu Sans"/>
-                          <a:cs typeface="DejaVu Sans"/>
-                          <a:ea typeface="DejaVu Sans"/>
-                          <a:sym typeface="DejaVu Sans"/>
+                          <a:latin typeface="Arial"/>
+                          <a:cs typeface="Arial"/>
+                          <a:ea typeface="Arial"/>
+                          <a:sym typeface="Arial"/>
                         </a:rPr>
                         <a:t>Maximum</a:t>
                       </a:r>
                     </a:p>
                   </a:txBody>
-                  <a:tcPr anchor="ctr" marB="63500" marT="63500" marR="0" marL="0">
+                  <a:tcPr anchor="ctr" marB="0" marT="0" marR="0" marL="0">
                     <a:lnL algn="ctr" cmpd="sng" cap="flat" w="0">
                       <a:noFill/>
                       <a:prstDash val="solid"/>
@@ -5703,10 +5703,10 @@
                           <a:spcPct val="90000"/>
                         </a:lnSpc>
                         <a:spcBef>
-                          <a:spcPts val="500"/>
-                        </a:spcBef>
-                        <a:spcAft>
-                          <a:spcPts val="500"/>
+                          <a:spcPts val="0"/>
+                        </a:spcBef>
+                        <a:spcAft>
+                          <a:spcPts val="0"/>
                         </a:spcAft>
                         <a:buNone/>
                       </a:pPr>
@@ -5717,16 +5717,16 @@
                               <a:alpha val="100000"/>
                             </a:srgbClr>
                           </a:solidFill>
-                          <a:latin typeface="DejaVu Sans"/>
-                          <a:cs typeface="DejaVu Sans"/>
-                          <a:ea typeface="DejaVu Sans"/>
-                          <a:sym typeface="DejaVu Sans"/>
+                          <a:latin typeface="Arial"/>
+                          <a:cs typeface="Arial"/>
+                          <a:ea typeface="Arial"/>
+                          <a:sym typeface="Arial"/>
                         </a:rPr>
                         <a:t>9</a:t>
                       </a:r>
                     </a:p>
                   </a:txBody>
-                  <a:tcPr anchor="ctr" marB="63500" marT="63500" marR="0" marL="0">
+                  <a:tcPr anchor="ctr" marB="0" marT="0" marR="0" marL="0">
                     <a:lnL algn="ctr" cmpd="sng" cap="flat" w="0">
                       <a:noFill/>
                       <a:prstDash val="solid"/>
@@ -5764,10 +5764,10 @@
                           <a:spcPct val="90000"/>
                         </a:lnSpc>
                         <a:spcBef>
-                          <a:spcPts val="500"/>
-                        </a:spcBef>
-                        <a:spcAft>
-                          <a:spcPts val="500"/>
+                          <a:spcPts val="0"/>
+                        </a:spcBef>
+                        <a:spcAft>
+                          <a:spcPts val="0"/>
                         </a:spcAft>
                         <a:buNone/>
                       </a:pPr>
@@ -5778,16 +5778,16 @@
                               <a:alpha val="100000"/>
                             </a:srgbClr>
                           </a:solidFill>
-                          <a:latin typeface="DejaVu Sans"/>
-                          <a:cs typeface="DejaVu Sans"/>
-                          <a:ea typeface="DejaVu Sans"/>
-                          <a:sym typeface="DejaVu Sans"/>
+                          <a:latin typeface="Arial"/>
+                          <a:cs typeface="Arial"/>
+                          <a:ea typeface="Arial"/>
+                          <a:sym typeface="Arial"/>
                         </a:rPr>
                         <a:t>9</a:t>
                       </a:r>
                     </a:p>
                   </a:txBody>
-                  <a:tcPr anchor="ctr" marB="63500" marT="63500" marR="0" marL="0">
+                  <a:tcPr anchor="ctr" marB="0" marT="0" marR="0" marL="0">
                     <a:lnL algn="ctr" cmpd="sng" cap="flat" w="0">
                       <a:noFill/>
                       <a:prstDash val="solid"/>
@@ -5825,10 +5825,10 @@
                           <a:spcPct val="90000"/>
                         </a:lnSpc>
                         <a:spcBef>
-                          <a:spcPts val="500"/>
-                        </a:spcBef>
-                        <a:spcAft>
-                          <a:spcPts val="500"/>
+                          <a:spcPts val="0"/>
+                        </a:spcBef>
+                        <a:spcAft>
+                          <a:spcPts val="0"/>
                         </a:spcAft>
                         <a:buNone/>
                       </a:pPr>
@@ -5839,16 +5839,16 @@
                               <a:alpha val="100000"/>
                             </a:srgbClr>
                           </a:solidFill>
-                          <a:latin typeface="DejaVu Sans"/>
-                          <a:cs typeface="DejaVu Sans"/>
-                          <a:ea typeface="DejaVu Sans"/>
-                          <a:sym typeface="DejaVu Sans"/>
+                          <a:latin typeface="Arial"/>
+                          <a:cs typeface="Arial"/>
+                          <a:ea typeface="Arial"/>
+                          <a:sym typeface="Arial"/>
                         </a:rPr>
                         <a:t>-</a:t>
                       </a:r>
                     </a:p>
                   </a:txBody>
-                  <a:tcPr anchor="ctr" marB="63500" marT="63500" marR="0" marL="0">
+                  <a:tcPr anchor="ctr" marB="0" marT="0" marR="0" marL="0">
                     <a:lnL algn="ctr" cmpd="sng" cap="flat" w="0">
                       <a:noFill/>
                       <a:prstDash val="solid"/>
@@ -5886,10 +5886,10 @@
                           <a:spcPct val="90000"/>
                         </a:lnSpc>
                         <a:spcBef>
-                          <a:spcPts val="500"/>
-                        </a:spcBef>
-                        <a:spcAft>
-                          <a:spcPts val="500"/>
+                          <a:spcPts val="0"/>
+                        </a:spcBef>
+                        <a:spcAft>
+                          <a:spcPts val="0"/>
                         </a:spcAft>
                         <a:buNone/>
                       </a:pPr>
@@ -5900,16 +5900,16 @@
                               <a:alpha val="100000"/>
                             </a:srgbClr>
                           </a:solidFill>
-                          <a:latin typeface="DejaVu Sans"/>
-                          <a:cs typeface="DejaVu Sans"/>
-                          <a:ea typeface="DejaVu Sans"/>
-                          <a:sym typeface="DejaVu Sans"/>
+                          <a:latin typeface="Arial"/>
+                          <a:cs typeface="Arial"/>
+                          <a:ea typeface="Arial"/>
+                          <a:sym typeface="Arial"/>
                         </a:rPr>
                         <a:t>-</a:t>
                       </a:r>
                     </a:p>
                   </a:txBody>
-                  <a:tcPr anchor="ctr" marB="63500" marT="63500" marR="0" marL="0">
+                  <a:tcPr anchor="ctr" marB="0" marT="0" marR="0" marL="0">
                     <a:lnL algn="ctr" cmpd="sng" cap="flat" w="0">
                       <a:noFill/>
                       <a:prstDash val="solid"/>
@@ -5947,10 +5947,10 @@
                           <a:spcPct val="90000"/>
                         </a:lnSpc>
                         <a:spcBef>
-                          <a:spcPts val="500"/>
-                        </a:spcBef>
-                        <a:spcAft>
-                          <a:spcPts val="500"/>
+                          <a:spcPts val="0"/>
+                        </a:spcBef>
+                        <a:spcAft>
+                          <a:spcPts val="0"/>
                         </a:spcAft>
                         <a:buNone/>
                       </a:pPr>
@@ -5961,16 +5961,16 @@
                               <a:alpha val="100000"/>
                             </a:srgbClr>
                           </a:solidFill>
-                          <a:latin typeface="DejaVu Sans"/>
-                          <a:cs typeface="DejaVu Sans"/>
-                          <a:ea typeface="DejaVu Sans"/>
-                          <a:sym typeface="DejaVu Sans"/>
+                          <a:latin typeface="Arial"/>
+                          <a:cs typeface="Arial"/>
+                          <a:ea typeface="Arial"/>
+                          <a:sym typeface="Arial"/>
                         </a:rPr>
                         <a:t>22</a:t>
                       </a:r>
                     </a:p>
                   </a:txBody>
-                  <a:tcPr anchor="ctr" marB="63500" marT="63500" marR="0" marL="0">
+                  <a:tcPr anchor="ctr" marB="0" marT="0" marR="0" marL="0">
                     <a:lnL algn="ctr" cmpd="sng" cap="flat" w="0">
                       <a:noFill/>
                       <a:prstDash val="solid"/>
@@ -6008,10 +6008,10 @@
                           <a:spcPct val="90000"/>
                         </a:lnSpc>
                         <a:spcBef>
-                          <a:spcPts val="500"/>
-                        </a:spcBef>
-                        <a:spcAft>
-                          <a:spcPts val="500"/>
+                          <a:spcPts val="0"/>
+                        </a:spcBef>
+                        <a:spcAft>
+                          <a:spcPts val="0"/>
                         </a:spcAft>
                         <a:buNone/>
                       </a:pPr>
@@ -6022,16 +6022,16 @@
                               <a:alpha val="100000"/>
                             </a:srgbClr>
                           </a:solidFill>
-                          <a:latin typeface="DejaVu Sans"/>
-                          <a:cs typeface="DejaVu Sans"/>
-                          <a:ea typeface="DejaVu Sans"/>
-                          <a:sym typeface="DejaVu Sans"/>
+                          <a:latin typeface="Arial"/>
+                          <a:cs typeface="Arial"/>
+                          <a:ea typeface="Arial"/>
+                          <a:sym typeface="Arial"/>
                         </a:rPr>
                         <a:t>23</a:t>
                       </a:r>
                     </a:p>
                   </a:txBody>
-                  <a:tcPr anchor="ctr" marB="63500" marT="63500" marR="0" marL="0">
+                  <a:tcPr anchor="ctr" marB="0" marT="0" marR="0" marL="0">
                     <a:lnL algn="ctr" cmpd="sng" cap="flat" w="0">
                       <a:noFill/>
                       <a:prstDash val="solid"/>
@@ -6060,7 +6060,7 @@
                   </a:tcPr>
                 </a:tc>
               </a:tr>
-              <a:tr h="368891">
+              <a:tr h="270000">
                 <a:tc>
                   <a:txBody>
                     <a:bodyPr/>
@@ -6071,10 +6071,10 @@
                           <a:spcPct val="90000"/>
                         </a:lnSpc>
                         <a:spcBef>
-                          <a:spcPts val="500"/>
-                        </a:spcBef>
-                        <a:spcAft>
-                          <a:spcPts val="500"/>
+                          <a:spcPts val="0"/>
+                        </a:spcBef>
+                        <a:spcAft>
+                          <a:spcPts val="0"/>
                         </a:spcAft>
                         <a:buNone/>
                       </a:pPr>
@@ -6085,16 +6085,16 @@
                               <a:alpha val="100000"/>
                             </a:srgbClr>
                           </a:solidFill>
-                          <a:latin typeface="DejaVu Sans"/>
-                          <a:cs typeface="DejaVu Sans"/>
-                          <a:ea typeface="DejaVu Sans"/>
-                          <a:sym typeface="DejaVu Sans"/>
+                          <a:latin typeface="Arial"/>
+                          <a:cs typeface="Arial"/>
+                          <a:ea typeface="Arial"/>
+                          <a:sym typeface="Arial"/>
                         </a:rPr>
                         <a:t>Total</a:t>
                       </a:r>
                     </a:p>
                   </a:txBody>
-                  <a:tcPr anchor="ctr" marB="63500" marT="63500" marR="0" marL="0">
+                  <a:tcPr anchor="ctr" marB="0" marT="0" marR="0" marL="0">
                     <a:lnL algn="ctr" cmpd="sng" cap="flat" w="0">
                       <a:noFill/>
                       <a:prstDash val="solid"/>
@@ -6136,10 +6136,10 @@
                           <a:spcPct val="90000"/>
                         </a:lnSpc>
                         <a:spcBef>
-                          <a:spcPts val="500"/>
-                        </a:spcBef>
-                        <a:spcAft>
-                          <a:spcPts val="500"/>
+                          <a:spcPts val="0"/>
+                        </a:spcBef>
+                        <a:spcAft>
+                          <a:spcPts val="0"/>
                         </a:spcAft>
                         <a:buNone/>
                       </a:pPr>
@@ -6150,16 +6150,16 @@
                               <a:alpha val="100000"/>
                             </a:srgbClr>
                           </a:solidFill>
-                          <a:latin typeface="DejaVu Sans"/>
-                          <a:cs typeface="DejaVu Sans"/>
-                          <a:ea typeface="DejaVu Sans"/>
-                          <a:sym typeface="DejaVu Sans"/>
+                          <a:latin typeface="Arial"/>
+                          <a:cs typeface="Arial"/>
+                          <a:ea typeface="Arial"/>
+                          <a:sym typeface="Arial"/>
                         </a:rPr>
                         <a:t>22</a:t>
                       </a:r>
                     </a:p>
                   </a:txBody>
-                  <a:tcPr anchor="ctr" marB="63500" marT="63500" marR="0" marL="0">
+                  <a:tcPr anchor="ctr" marB="0" marT="0" marR="0" marL="0">
                     <a:lnL algn="ctr" cmpd="sng" cap="flat" w="0">
                       <a:noFill/>
                       <a:prstDash val="solid"/>
@@ -6197,10 +6197,10 @@
                           <a:spcPct val="90000"/>
                         </a:lnSpc>
                         <a:spcBef>
-                          <a:spcPts val="500"/>
-                        </a:spcBef>
-                        <a:spcAft>
-                          <a:spcPts val="500"/>
+                          <a:spcPts val="0"/>
+                        </a:spcBef>
+                        <a:spcAft>
+                          <a:spcPts val="0"/>
                         </a:spcAft>
                         <a:buNone/>
                       </a:pPr>
@@ -6211,16 +6211,16 @@
                               <a:alpha val="100000"/>
                             </a:srgbClr>
                           </a:solidFill>
-                          <a:latin typeface="DejaVu Sans"/>
-                          <a:cs typeface="DejaVu Sans"/>
-                          <a:ea typeface="DejaVu Sans"/>
-                          <a:sym typeface="DejaVu Sans"/>
+                          <a:latin typeface="Arial"/>
+                          <a:cs typeface="Arial"/>
+                          <a:ea typeface="Arial"/>
+                          <a:sym typeface="Arial"/>
                         </a:rPr>
                         <a:t>22</a:t>
                       </a:r>
                     </a:p>
                   </a:txBody>
-                  <a:tcPr anchor="ctr" marB="63500" marT="63500" marR="0" marL="0">
+                  <a:tcPr anchor="ctr" marB="0" marT="0" marR="0" marL="0">
                     <a:lnL algn="ctr" cmpd="sng" cap="flat" w="0">
                       <a:noFill/>
                       <a:prstDash val="solid"/>
@@ -6258,10 +6258,10 @@
                           <a:spcPct val="90000"/>
                         </a:lnSpc>
                         <a:spcBef>
-                          <a:spcPts val="500"/>
-                        </a:spcBef>
-                        <a:spcAft>
-                          <a:spcPts val="500"/>
+                          <a:spcPts val="0"/>
+                        </a:spcBef>
+                        <a:spcAft>
+                          <a:spcPts val="0"/>
                         </a:spcAft>
                         <a:buNone/>
                       </a:pPr>
@@ -6272,16 +6272,16 @@
                               <a:alpha val="100000"/>
                             </a:srgbClr>
                           </a:solidFill>
-                          <a:latin typeface="DejaVu Sans"/>
-                          <a:cs typeface="DejaVu Sans"/>
-                          <a:ea typeface="DejaVu Sans"/>
-                          <a:sym typeface="DejaVu Sans"/>
+                          <a:latin typeface="Arial"/>
+                          <a:cs typeface="Arial"/>
+                          <a:ea typeface="Arial"/>
+                          <a:sym typeface="Arial"/>
                         </a:rPr>
                         <a:t>-</a:t>
                       </a:r>
                     </a:p>
                   </a:txBody>
-                  <a:tcPr anchor="ctr" marB="63500" marT="63500" marR="0" marL="0">
+                  <a:tcPr anchor="ctr" marB="0" marT="0" marR="0" marL="0">
                     <a:lnL algn="ctr" cmpd="sng" cap="flat" w="0">
                       <a:noFill/>
                       <a:prstDash val="solid"/>
@@ -6319,10 +6319,10 @@
                           <a:spcPct val="90000"/>
                         </a:lnSpc>
                         <a:spcBef>
-                          <a:spcPts val="500"/>
-                        </a:spcBef>
-                        <a:spcAft>
-                          <a:spcPts val="500"/>
+                          <a:spcPts val="0"/>
+                        </a:spcBef>
+                        <a:spcAft>
+                          <a:spcPts val="0"/>
                         </a:spcAft>
                         <a:buNone/>
                       </a:pPr>
@@ -6333,16 +6333,16 @@
                               <a:alpha val="100000"/>
                             </a:srgbClr>
                           </a:solidFill>
-                          <a:latin typeface="DejaVu Sans"/>
-                          <a:cs typeface="DejaVu Sans"/>
-                          <a:ea typeface="DejaVu Sans"/>
-                          <a:sym typeface="DejaVu Sans"/>
+                          <a:latin typeface="Arial"/>
+                          <a:cs typeface="Arial"/>
+                          <a:ea typeface="Arial"/>
+                          <a:sym typeface="Arial"/>
                         </a:rPr>
                         <a:t>-</a:t>
                       </a:r>
                     </a:p>
                   </a:txBody>
-                  <a:tcPr anchor="ctr" marB="63500" marT="63500" marR="0" marL="0">
+                  <a:tcPr anchor="ctr" marB="0" marT="0" marR="0" marL="0">
                     <a:lnL algn="ctr" cmpd="sng" cap="flat" w="0">
                       <a:noFill/>
                       <a:prstDash val="solid"/>
@@ -6380,10 +6380,10 @@
                           <a:spcPct val="90000"/>
                         </a:lnSpc>
                         <a:spcBef>
-                          <a:spcPts val="500"/>
-                        </a:spcBef>
-                        <a:spcAft>
-                          <a:spcPts val="500"/>
+                          <a:spcPts val="0"/>
+                        </a:spcBef>
+                        <a:spcAft>
+                          <a:spcPts val="0"/>
                         </a:spcAft>
                         <a:buNone/>
                       </a:pPr>
@@ -6394,16 +6394,16 @@
                               <a:alpha val="100000"/>
                             </a:srgbClr>
                           </a:solidFill>
-                          <a:latin typeface="DejaVu Sans"/>
-                          <a:cs typeface="DejaVu Sans"/>
-                          <a:ea typeface="DejaVu Sans"/>
-                          <a:sym typeface="DejaVu Sans"/>
+                          <a:latin typeface="Arial"/>
+                          <a:cs typeface="Arial"/>
+                          <a:ea typeface="Arial"/>
+                          <a:sym typeface="Arial"/>
                         </a:rPr>
                         <a:t>58</a:t>
                       </a:r>
                     </a:p>
                   </a:txBody>
-                  <a:tcPr anchor="ctr" marB="63500" marT="63500" marR="0" marL="0">
+                  <a:tcPr anchor="ctr" marB="0" marT="0" marR="0" marL="0">
                     <a:lnL algn="ctr" cmpd="sng" cap="flat" w="0">
                       <a:noFill/>
                       <a:prstDash val="solid"/>
@@ -6441,10 +6441,10 @@
                           <a:spcPct val="90000"/>
                         </a:lnSpc>
                         <a:spcBef>
-                          <a:spcPts val="500"/>
-                        </a:spcBef>
-                        <a:spcAft>
-                          <a:spcPts val="500"/>
+                          <a:spcPts val="0"/>
+                        </a:spcBef>
+                        <a:spcAft>
+                          <a:spcPts val="0"/>
                         </a:spcAft>
                         <a:buNone/>
                       </a:pPr>
@@ -6455,16 +6455,16 @@
                               <a:alpha val="100000"/>
                             </a:srgbClr>
                           </a:solidFill>
-                          <a:latin typeface="DejaVu Sans"/>
-                          <a:cs typeface="DejaVu Sans"/>
-                          <a:ea typeface="DejaVu Sans"/>
-                          <a:sym typeface="DejaVu Sans"/>
+                          <a:latin typeface="Arial"/>
+                          <a:cs typeface="Arial"/>
+                          <a:ea typeface="Arial"/>
+                          <a:sym typeface="Arial"/>
                         </a:rPr>
                         <a:t>61</a:t>
                       </a:r>
                     </a:p>
                   </a:txBody>
-                  <a:tcPr anchor="ctr" marB="63500" marT="63500" marR="0" marL="0">
+                  <a:tcPr anchor="ctr" marB="0" marT="0" marR="0" marL="0">
                     <a:lnL algn="ctr" cmpd="sng" cap="flat" w="0">
                       <a:noFill/>
                       <a:prstDash val="solid"/>
@@ -6493,7 +6493,7 @@
                   </a:tcPr>
                 </a:tc>
               </a:tr>
-              <a:tr h="372692">
+              <a:tr h="270000">
                 <a:tc gridSpan="7">
                   <a:txBody>
                     <a:bodyPr/>
@@ -6504,10 +6504,10 @@
                           <a:spcPct val="90000"/>
                         </a:lnSpc>
                         <a:spcBef>
-                          <a:spcPts val="500"/>
-                        </a:spcBef>
-                        <a:spcAft>
-                          <a:spcPts val="500"/>
+                          <a:spcPts val="0"/>
+                        </a:spcBef>
+                        <a:spcAft>
+                          <a:spcPts val="0"/>
                         </a:spcAft>
                         <a:buNone/>
                       </a:pPr>
@@ -6527,7 +6527,7 @@
                       </a:r>
                     </a:p>
                   </a:txBody>
-                  <a:tcPr anchor="ctr" marB="63500" marT="63500" marR="0" marL="0">
+                  <a:tcPr anchor="ctr" marB="0" marT="0" marR="0" marL="0">
                     <a:lnL algn="ctr" cmpd="sng" cap="flat" w="0">
                       <a:noFill/>
                       <a:prstDash val="solid"/>
@@ -6569,10 +6569,10 @@
                           <a:spcPct val="90000"/>
                         </a:lnSpc>
                         <a:spcBef>
-                          <a:spcPts val="500"/>
-                        </a:spcBef>
-                        <a:spcAft>
-                          <a:spcPts val="500"/>
+                          <a:spcPts val="0"/>
+                        </a:spcBef>
+                        <a:spcAft>
+                          <a:spcPts val="0"/>
                         </a:spcAft>
                         <a:buNone/>
                       </a:pPr>
@@ -6592,7 +6592,7 @@
                       </a:r>
                     </a:p>
                   </a:txBody>
-                  <a:tcPr anchor="ctr" marB="63500" marT="63500" marR="0" marL="0">
+                  <a:tcPr anchor="ctr" marB="0" marT="0" marR="0" marL="0">
                     <a:lnL algn="ctr" cmpd="sng" cap="flat" w="0">
                       <a:noFill/>
                       <a:prstDash val="solid"/>
@@ -6634,10 +6634,10 @@
                           <a:spcPct val="90000"/>
                         </a:lnSpc>
                         <a:spcBef>
-                          <a:spcPts val="500"/>
-                        </a:spcBef>
-                        <a:spcAft>
-                          <a:spcPts val="500"/>
+                          <a:spcPts val="0"/>
+                        </a:spcBef>
+                        <a:spcAft>
+                          <a:spcPts val="0"/>
                         </a:spcAft>
                         <a:buNone/>
                       </a:pPr>
@@ -6657,7 +6657,7 @@
                       </a:r>
                     </a:p>
                   </a:txBody>
-                  <a:tcPr anchor="ctr" marB="63500" marT="63500" marR="0" marL="0">
+                  <a:tcPr anchor="ctr" marB="0" marT="0" marR="0" marL="0">
                     <a:lnL algn="ctr" cmpd="sng" cap="flat" w="0">
                       <a:noFill/>
                       <a:prstDash val="solid"/>
@@ -6699,10 +6699,10 @@
                           <a:spcPct val="90000"/>
                         </a:lnSpc>
                         <a:spcBef>
-                          <a:spcPts val="500"/>
-                        </a:spcBef>
-                        <a:spcAft>
-                          <a:spcPts val="500"/>
+                          <a:spcPts val="0"/>
+                        </a:spcBef>
+                        <a:spcAft>
+                          <a:spcPts val="0"/>
                         </a:spcAft>
                         <a:buNone/>
                       </a:pPr>
@@ -6722,7 +6722,7 @@
                       </a:r>
                     </a:p>
                   </a:txBody>
-                  <a:tcPr anchor="ctr" marB="63500" marT="63500" marR="0" marL="0">
+                  <a:tcPr anchor="ctr" marB="0" marT="0" marR="0" marL="0">
                     <a:lnL algn="ctr" cmpd="sng" cap="flat" w="0">
                       <a:noFill/>
                       <a:prstDash val="solid"/>
@@ -6764,10 +6764,10 @@
                           <a:spcPct val="90000"/>
                         </a:lnSpc>
                         <a:spcBef>
-                          <a:spcPts val="500"/>
-                        </a:spcBef>
-                        <a:spcAft>
-                          <a:spcPts val="500"/>
+                          <a:spcPts val="0"/>
+                        </a:spcBef>
+                        <a:spcAft>
+                          <a:spcPts val="0"/>
                         </a:spcAft>
                         <a:buNone/>
                       </a:pPr>
@@ -6787,7 +6787,7 @@
                       </a:r>
                     </a:p>
                   </a:txBody>
-                  <a:tcPr anchor="ctr" marB="63500" marT="63500" marR="0" marL="0">
+                  <a:tcPr anchor="ctr" marB="0" marT="0" marR="0" marL="0">
                     <a:lnL algn="ctr" cmpd="sng" cap="flat" w="0">
                       <a:noFill/>
                       <a:prstDash val="solid"/>
@@ -6829,10 +6829,10 @@
                           <a:spcPct val="90000"/>
                         </a:lnSpc>
                         <a:spcBef>
-                          <a:spcPts val="500"/>
-                        </a:spcBef>
-                        <a:spcAft>
-                          <a:spcPts val="500"/>
+                          <a:spcPts val="0"/>
+                        </a:spcBef>
+                        <a:spcAft>
+                          <a:spcPts val="0"/>
                         </a:spcAft>
                         <a:buNone/>
                       </a:pPr>
@@ -6852,7 +6852,7 @@
                       </a:r>
                     </a:p>
                   </a:txBody>
-                  <a:tcPr anchor="ctr" marB="63500" marT="63500" marR="0" marL="0">
+                  <a:tcPr anchor="ctr" marB="0" marT="0" marR="0" marL="0">
                     <a:lnL algn="ctr" cmpd="sng" cap="flat" w="0">
                       <a:noFill/>
                       <a:prstDash val="solid"/>
@@ -6894,10 +6894,10 @@
                           <a:spcPct val="90000"/>
                         </a:lnSpc>
                         <a:spcBef>
-                          <a:spcPts val="500"/>
-                        </a:spcBef>
-                        <a:spcAft>
-                          <a:spcPts val="500"/>
+                          <a:spcPts val="0"/>
+                        </a:spcBef>
+                        <a:spcAft>
+                          <a:spcPts val="0"/>
                         </a:spcAft>
                         <a:buNone/>
                       </a:pPr>
@@ -6917,7 +6917,7 @@
                       </a:r>
                     </a:p>
                   </a:txBody>
-                  <a:tcPr anchor="ctr" marB="63500" marT="63500" marR="0" marL="0">
+                  <a:tcPr anchor="ctr" marB="0" marT="0" marR="0" marL="0">
                     <a:lnL algn="ctr" cmpd="sng" cap="flat" w="0">
                       <a:noFill/>
                       <a:prstDash val="solid"/>
@@ -6950,7 +6950,7 @@
                   </a:tcPr>
                 </a:tc>
               </a:tr>
-              <a:tr h="366435">
+              <a:tr h="270000">
                 <a:tc>
                   <a:txBody>
                     <a:bodyPr/>
@@ -6961,10 +6961,10 @@
                           <a:spcPct val="90000"/>
                         </a:lnSpc>
                         <a:spcBef>
-                          <a:spcPts val="500"/>
-                        </a:spcBef>
-                        <a:spcAft>
-                          <a:spcPts val="500"/>
+                          <a:spcPts val="0"/>
+                        </a:spcBef>
+                        <a:spcAft>
+                          <a:spcPts val="0"/>
                         </a:spcAft>
                         <a:buNone/>
                       </a:pPr>
@@ -6975,16 +6975,16 @@
                               <a:alpha val="100000"/>
                             </a:srgbClr>
                           </a:solidFill>
-                          <a:latin typeface="DejaVu Sans"/>
-                          <a:cs typeface="DejaVu Sans"/>
-                          <a:ea typeface="DejaVu Sans"/>
-                          <a:sym typeface="DejaVu Sans"/>
+                          <a:latin typeface="Arial"/>
+                          <a:cs typeface="Arial"/>
+                          <a:ea typeface="Arial"/>
+                          <a:sym typeface="Arial"/>
                         </a:rPr>
                         <a:t>2007</a:t>
                       </a:r>
                     </a:p>
                   </a:txBody>
-                  <a:tcPr anchor="ctr" marB="63500" marT="63500" marR="0" marL="0">
+                  <a:tcPr anchor="ctr" marB="0" marT="0" marR="0" marL="0">
                     <a:lnL algn="ctr" cmpd="sng" cap="flat" w="0">
                       <a:noFill/>
                       <a:prstDash val="solid"/>
@@ -7026,10 +7026,10 @@
                           <a:spcPct val="90000"/>
                         </a:lnSpc>
                         <a:spcBef>
-                          <a:spcPts val="500"/>
-                        </a:spcBef>
-                        <a:spcAft>
-                          <a:spcPts val="500"/>
+                          <a:spcPts val="0"/>
+                        </a:spcBef>
+                        <a:spcAft>
+                          <a:spcPts val="0"/>
                         </a:spcAft>
                         <a:buNone/>
                       </a:pPr>
@@ -7040,16 +7040,16 @@
                               <a:alpha val="100000"/>
                             </a:srgbClr>
                           </a:solidFill>
-                          <a:latin typeface="DejaVu Sans"/>
-                          <a:cs typeface="DejaVu Sans"/>
-                          <a:ea typeface="DejaVu Sans"/>
-                          <a:sym typeface="DejaVu Sans"/>
+                          <a:latin typeface="Arial"/>
+                          <a:cs typeface="Arial"/>
+                          <a:ea typeface="Arial"/>
+                          <a:sym typeface="Arial"/>
                         </a:rPr>
                         <a:t>9</a:t>
                       </a:r>
                     </a:p>
                   </a:txBody>
-                  <a:tcPr anchor="ctr" marB="63500" marT="63500" marR="0" marL="0">
+                  <a:tcPr anchor="ctr" marB="0" marT="0" marR="0" marL="0">
                     <a:lnL algn="ctr" cmpd="sng" cap="flat" w="0">
                       <a:noFill/>
                       <a:prstDash val="solid"/>
@@ -7087,10 +7087,10 @@
                           <a:spcPct val="90000"/>
                         </a:lnSpc>
                         <a:spcBef>
-                          <a:spcPts val="500"/>
-                        </a:spcBef>
-                        <a:spcAft>
-                          <a:spcPts val="500"/>
+                          <a:spcPts val="0"/>
+                        </a:spcBef>
+                        <a:spcAft>
+                          <a:spcPts val="0"/>
                         </a:spcAft>
                         <a:buNone/>
                       </a:pPr>
@@ -7101,16 +7101,16 @@
                               <a:alpha val="100000"/>
                             </a:srgbClr>
                           </a:solidFill>
-                          <a:latin typeface="DejaVu Sans"/>
-                          <a:cs typeface="DejaVu Sans"/>
-                          <a:ea typeface="DejaVu Sans"/>
-                          <a:sym typeface="DejaVu Sans"/>
+                          <a:latin typeface="Arial"/>
+                          <a:cs typeface="Arial"/>
+                          <a:ea typeface="Arial"/>
+                          <a:sym typeface="Arial"/>
                         </a:rPr>
                         <a:t>10</a:t>
                       </a:r>
                     </a:p>
                   </a:txBody>
-                  <a:tcPr anchor="ctr" marB="63500" marT="63500" marR="0" marL="0">
+                  <a:tcPr anchor="ctr" marB="0" marT="0" marR="0" marL="0">
                     <a:lnL algn="ctr" cmpd="sng" cap="flat" w="0">
                       <a:noFill/>
                       <a:prstDash val="solid"/>
@@ -7148,10 +7148,10 @@
                           <a:spcPct val="90000"/>
                         </a:lnSpc>
                         <a:spcBef>
-                          <a:spcPts val="500"/>
-                        </a:spcBef>
-                        <a:spcAft>
-                          <a:spcPts val="500"/>
+                          <a:spcPts val="0"/>
+                        </a:spcBef>
+                        <a:spcAft>
+                          <a:spcPts val="0"/>
                         </a:spcAft>
                         <a:buNone/>
                       </a:pPr>
@@ -7162,16 +7162,16 @@
                               <a:alpha val="100000"/>
                             </a:srgbClr>
                           </a:solidFill>
-                          <a:latin typeface="DejaVu Sans"/>
-                          <a:cs typeface="DejaVu Sans"/>
-                          <a:ea typeface="DejaVu Sans"/>
-                          <a:sym typeface="DejaVu Sans"/>
+                          <a:latin typeface="Arial"/>
+                          <a:cs typeface="Arial"/>
+                          <a:ea typeface="Arial"/>
+                          <a:sym typeface="Arial"/>
                         </a:rPr>
                         <a:t>13</a:t>
                       </a:r>
                     </a:p>
                   </a:txBody>
-                  <a:tcPr anchor="ctr" marB="63500" marT="63500" marR="0" marL="0">
+                  <a:tcPr anchor="ctr" marB="0" marT="0" marR="0" marL="0">
                     <a:lnL algn="ctr" cmpd="sng" cap="flat" w="0">
                       <a:noFill/>
                       <a:prstDash val="solid"/>
@@ -7209,10 +7209,10 @@
                           <a:spcPct val="90000"/>
                         </a:lnSpc>
                         <a:spcBef>
-                          <a:spcPts val="500"/>
-                        </a:spcBef>
-                        <a:spcAft>
-                          <a:spcPts val="500"/>
+                          <a:spcPts val="0"/>
+                        </a:spcBef>
+                        <a:spcAft>
+                          <a:spcPts val="0"/>
                         </a:spcAft>
                         <a:buNone/>
                       </a:pPr>
@@ -7223,16 +7223,16 @@
                               <a:alpha val="100000"/>
                             </a:srgbClr>
                           </a:solidFill>
-                          <a:latin typeface="DejaVu Sans"/>
-                          <a:cs typeface="DejaVu Sans"/>
-                          <a:ea typeface="DejaVu Sans"/>
-                          <a:sym typeface="DejaVu Sans"/>
+                          <a:latin typeface="Arial"/>
+                          <a:cs typeface="Arial"/>
+                          <a:ea typeface="Arial"/>
+                          <a:sym typeface="Arial"/>
                         </a:rPr>
                         <a:t>13</a:t>
                       </a:r>
                     </a:p>
                   </a:txBody>
-                  <a:tcPr anchor="ctr" marB="63500" marT="63500" marR="0" marL="0">
+                  <a:tcPr anchor="ctr" marB="0" marT="0" marR="0" marL="0">
                     <a:lnL algn="ctr" cmpd="sng" cap="flat" w="0">
                       <a:noFill/>
                       <a:prstDash val="solid"/>
@@ -7270,10 +7270,10 @@
                           <a:spcPct val="90000"/>
                         </a:lnSpc>
                         <a:spcBef>
-                          <a:spcPts val="500"/>
-                        </a:spcBef>
-                        <a:spcAft>
-                          <a:spcPts val="500"/>
+                          <a:spcPts val="0"/>
+                        </a:spcBef>
+                        <a:spcAft>
+                          <a:spcPts val="0"/>
                         </a:spcAft>
                         <a:buNone/>
                       </a:pPr>
@@ -7284,16 +7284,16 @@
                               <a:alpha val="100000"/>
                             </a:srgbClr>
                           </a:solidFill>
-                          <a:latin typeface="DejaVu Sans"/>
-                          <a:cs typeface="DejaVu Sans"/>
-                          <a:ea typeface="DejaVu Sans"/>
-                          <a:sym typeface="DejaVu Sans"/>
+                          <a:latin typeface="Arial"/>
+                          <a:cs typeface="Arial"/>
+                          <a:ea typeface="Arial"/>
+                          <a:sym typeface="Arial"/>
                         </a:rPr>
                         <a:t>-</a:t>
                       </a:r>
                     </a:p>
                   </a:txBody>
-                  <a:tcPr anchor="ctr" marB="63500" marT="63500" marR="0" marL="0">
+                  <a:tcPr anchor="ctr" marB="0" marT="0" marR="0" marL="0">
                     <a:lnL algn="ctr" cmpd="sng" cap="flat" w="0">
                       <a:noFill/>
                       <a:prstDash val="solid"/>
@@ -7331,10 +7331,10 @@
                           <a:spcPct val="90000"/>
                         </a:lnSpc>
                         <a:spcBef>
-                          <a:spcPts val="500"/>
-                        </a:spcBef>
-                        <a:spcAft>
-                          <a:spcPts val="500"/>
+                          <a:spcPts val="0"/>
+                        </a:spcBef>
+                        <a:spcAft>
+                          <a:spcPts val="0"/>
                         </a:spcAft>
                         <a:buNone/>
                       </a:pPr>
@@ -7345,16 +7345,16 @@
                               <a:alpha val="100000"/>
                             </a:srgbClr>
                           </a:solidFill>
-                          <a:latin typeface="DejaVu Sans"/>
-                          <a:cs typeface="DejaVu Sans"/>
-                          <a:ea typeface="DejaVu Sans"/>
-                          <a:sym typeface="DejaVu Sans"/>
+                          <a:latin typeface="Arial"/>
+                          <a:cs typeface="Arial"/>
+                          <a:ea typeface="Arial"/>
+                          <a:sym typeface="Arial"/>
                         </a:rPr>
                         <a:t>-</a:t>
                       </a:r>
                     </a:p>
                   </a:txBody>
-                  <a:tcPr anchor="ctr" marB="63500" marT="63500" marR="0" marL="0">
+                  <a:tcPr anchor="ctr" marB="0" marT="0" marR="0" marL="0">
                     <a:lnL algn="ctr" cmpd="sng" cap="flat" w="0">
                       <a:noFill/>
                       <a:prstDash val="solid"/>
@@ -7383,7 +7383,7 @@
                   </a:tcPr>
                 </a:tc>
               </a:tr>
-              <a:tr h="366435">
+              <a:tr h="270000">
                 <a:tc>
                   <a:txBody>
                     <a:bodyPr/>
@@ -7394,10 +7394,10 @@
                           <a:spcPct val="90000"/>
                         </a:lnSpc>
                         <a:spcBef>
-                          <a:spcPts val="500"/>
-                        </a:spcBef>
-                        <a:spcAft>
-                          <a:spcPts val="500"/>
+                          <a:spcPts val="0"/>
+                        </a:spcBef>
+                        <a:spcAft>
+                          <a:spcPts val="0"/>
                         </a:spcAft>
                         <a:buNone/>
                       </a:pPr>
@@ -7408,16 +7408,16 @@
                               <a:alpha val="100000"/>
                             </a:srgbClr>
                           </a:solidFill>
-                          <a:latin typeface="DejaVu Sans"/>
-                          <a:cs typeface="DejaVu Sans"/>
-                          <a:ea typeface="DejaVu Sans"/>
-                          <a:sym typeface="DejaVu Sans"/>
+                          <a:latin typeface="Arial"/>
+                          <a:cs typeface="Arial"/>
+                          <a:ea typeface="Arial"/>
+                          <a:sym typeface="Arial"/>
                         </a:rPr>
                         <a:t>2008</a:t>
                       </a:r>
                     </a:p>
                   </a:txBody>
-                  <a:tcPr anchor="ctr" marB="63500" marT="63500" marR="0" marL="0">
+                  <a:tcPr anchor="ctr" marB="0" marT="0" marR="0" marL="0">
                     <a:lnL algn="ctr" cmpd="sng" cap="flat" w="0">
                       <a:noFill/>
                       <a:prstDash val="solid"/>
@@ -7455,10 +7455,10 @@
                           <a:spcPct val="90000"/>
                         </a:lnSpc>
                         <a:spcBef>
-                          <a:spcPts val="500"/>
-                        </a:spcBef>
-                        <a:spcAft>
-                          <a:spcPts val="500"/>
+                          <a:spcPts val="0"/>
+                        </a:spcBef>
+                        <a:spcAft>
+                          <a:spcPts val="0"/>
                         </a:spcAft>
                         <a:buNone/>
                       </a:pPr>
@@ -7469,16 +7469,16 @@
                               <a:alpha val="100000"/>
                             </a:srgbClr>
                           </a:solidFill>
-                          <a:latin typeface="DejaVu Sans"/>
-                          <a:cs typeface="DejaVu Sans"/>
-                          <a:ea typeface="DejaVu Sans"/>
-                          <a:sym typeface="DejaVu Sans"/>
+                          <a:latin typeface="Arial"/>
+                          <a:cs typeface="Arial"/>
+                          <a:ea typeface="Arial"/>
+                          <a:sym typeface="Arial"/>
                         </a:rPr>
                         <a:t>8</a:t>
                       </a:r>
                     </a:p>
                   </a:txBody>
-                  <a:tcPr anchor="ctr" marB="63500" marT="63500" marR="0" marL="0">
+                  <a:tcPr anchor="ctr" marB="0" marT="0" marR="0" marL="0">
                     <a:lnL algn="ctr" cmpd="sng" cap="flat" w="0">
                       <a:noFill/>
                       <a:prstDash val="solid"/>
@@ -7512,10 +7512,10 @@
                           <a:spcPct val="90000"/>
                         </a:lnSpc>
                         <a:spcBef>
-                          <a:spcPts val="500"/>
-                        </a:spcBef>
-                        <a:spcAft>
-                          <a:spcPts val="500"/>
+                          <a:spcPts val="0"/>
+                        </a:spcBef>
+                        <a:spcAft>
+                          <a:spcPts val="0"/>
                         </a:spcAft>
                         <a:buNone/>
                       </a:pPr>
@@ -7526,16 +7526,16 @@
                               <a:alpha val="100000"/>
                             </a:srgbClr>
                           </a:solidFill>
-                          <a:latin typeface="DejaVu Sans"/>
-                          <a:cs typeface="DejaVu Sans"/>
-                          <a:ea typeface="DejaVu Sans"/>
-                          <a:sym typeface="DejaVu Sans"/>
+                          <a:latin typeface="Arial"/>
+                          <a:cs typeface="Arial"/>
+                          <a:ea typeface="Arial"/>
+                          <a:sym typeface="Arial"/>
                         </a:rPr>
                         <a:t>8</a:t>
                       </a:r>
                     </a:p>
                   </a:txBody>
-                  <a:tcPr anchor="ctr" marB="63500" marT="63500" marR="0" marL="0">
+                  <a:tcPr anchor="ctr" marB="0" marT="0" marR="0" marL="0">
                     <a:lnL algn="ctr" cmpd="sng" cap="flat" w="0">
                       <a:noFill/>
                       <a:prstDash val="solid"/>
@@ -7569,10 +7569,10 @@
                           <a:spcPct val="90000"/>
                         </a:lnSpc>
                         <a:spcBef>
-                          <a:spcPts val="500"/>
-                        </a:spcBef>
-                        <a:spcAft>
-                          <a:spcPts val="500"/>
+                          <a:spcPts val="0"/>
+                        </a:spcBef>
+                        <a:spcAft>
+                          <a:spcPts val="0"/>
                         </a:spcAft>
                         <a:buNone/>
                       </a:pPr>
@@ -7583,16 +7583,16 @@
                               <a:alpha val="100000"/>
                             </a:srgbClr>
                           </a:solidFill>
-                          <a:latin typeface="DejaVu Sans"/>
-                          <a:cs typeface="DejaVu Sans"/>
-                          <a:ea typeface="DejaVu Sans"/>
-                          <a:sym typeface="DejaVu Sans"/>
+                          <a:latin typeface="Arial"/>
+                          <a:cs typeface="Arial"/>
+                          <a:ea typeface="Arial"/>
+                          <a:sym typeface="Arial"/>
                         </a:rPr>
                         <a:t>9</a:t>
                       </a:r>
                     </a:p>
                   </a:txBody>
-                  <a:tcPr anchor="ctr" marB="63500" marT="63500" marR="0" marL="0">
+                  <a:tcPr anchor="ctr" marB="0" marT="0" marR="0" marL="0">
                     <a:lnL algn="ctr" cmpd="sng" cap="flat" w="0">
                       <a:noFill/>
                       <a:prstDash val="solid"/>
@@ -7626,10 +7626,10 @@
                           <a:spcPct val="90000"/>
                         </a:lnSpc>
                         <a:spcBef>
-                          <a:spcPts val="500"/>
-                        </a:spcBef>
-                        <a:spcAft>
-                          <a:spcPts val="500"/>
+                          <a:spcPts val="0"/>
+                        </a:spcBef>
+                        <a:spcAft>
+                          <a:spcPts val="0"/>
                         </a:spcAft>
                         <a:buNone/>
                       </a:pPr>
@@ -7640,16 +7640,16 @@
                               <a:alpha val="100000"/>
                             </a:srgbClr>
                           </a:solidFill>
-                          <a:latin typeface="DejaVu Sans"/>
-                          <a:cs typeface="DejaVu Sans"/>
-                          <a:ea typeface="DejaVu Sans"/>
-                          <a:sym typeface="DejaVu Sans"/>
+                          <a:latin typeface="Arial"/>
+                          <a:cs typeface="Arial"/>
+                          <a:ea typeface="Arial"/>
+                          <a:sym typeface="Arial"/>
                         </a:rPr>
                         <a:t>9</a:t>
                       </a:r>
                     </a:p>
                   </a:txBody>
-                  <a:tcPr anchor="ctr" marB="63500" marT="63500" marR="0" marL="0">
+                  <a:tcPr anchor="ctr" marB="0" marT="0" marR="0" marL="0">
                     <a:lnL algn="ctr" cmpd="sng" cap="flat" w="0">
                       <a:noFill/>
                       <a:prstDash val="solid"/>
@@ -7683,10 +7683,10 @@
                           <a:spcPct val="90000"/>
                         </a:lnSpc>
                         <a:spcBef>
-                          <a:spcPts val="500"/>
-                        </a:spcBef>
-                        <a:spcAft>
-                          <a:spcPts val="500"/>
+                          <a:spcPts val="0"/>
+                        </a:spcBef>
+                        <a:spcAft>
+                          <a:spcPts val="0"/>
                         </a:spcAft>
                         <a:buNone/>
                       </a:pPr>
@@ -7697,16 +7697,16 @@
                               <a:alpha val="100000"/>
                             </a:srgbClr>
                           </a:solidFill>
-                          <a:latin typeface="DejaVu Sans"/>
-                          <a:cs typeface="DejaVu Sans"/>
-                          <a:ea typeface="DejaVu Sans"/>
-                          <a:sym typeface="DejaVu Sans"/>
+                          <a:latin typeface="Arial"/>
+                          <a:cs typeface="Arial"/>
+                          <a:ea typeface="Arial"/>
+                          <a:sym typeface="Arial"/>
                         </a:rPr>
                         <a:t>-</a:t>
                       </a:r>
                     </a:p>
                   </a:txBody>
-                  <a:tcPr anchor="ctr" marB="63500" marT="63500" marR="0" marL="0">
+                  <a:tcPr anchor="ctr" marB="0" marT="0" marR="0" marL="0">
                     <a:lnL algn="ctr" cmpd="sng" cap="flat" w="0">
                       <a:noFill/>
                       <a:prstDash val="solid"/>
@@ -7740,10 +7740,10 @@
                           <a:spcPct val="90000"/>
                         </a:lnSpc>
                         <a:spcBef>
-                          <a:spcPts val="500"/>
-                        </a:spcBef>
-                        <a:spcAft>
-                          <a:spcPts val="500"/>
+                          <a:spcPts val="0"/>
+                        </a:spcBef>
+                        <a:spcAft>
+                          <a:spcPts val="0"/>
                         </a:spcAft>
                         <a:buNone/>
                       </a:pPr>
@@ -7754,16 +7754,16 @@
                               <a:alpha val="100000"/>
                             </a:srgbClr>
                           </a:solidFill>
-                          <a:latin typeface="DejaVu Sans"/>
-                          <a:cs typeface="DejaVu Sans"/>
-                          <a:ea typeface="DejaVu Sans"/>
-                          <a:sym typeface="DejaVu Sans"/>
+                          <a:latin typeface="Arial"/>
+                          <a:cs typeface="Arial"/>
+                          <a:ea typeface="Arial"/>
+                          <a:sym typeface="Arial"/>
                         </a:rPr>
                         <a:t>-</a:t>
                       </a:r>
                     </a:p>
                   </a:txBody>
-                  <a:tcPr anchor="ctr" marB="63500" marT="63500" marR="0" marL="0">
+                  <a:tcPr anchor="ctr" marB="0" marT="0" marR="0" marL="0">
                     <a:lnL algn="ctr" cmpd="sng" cap="flat" w="0">
                       <a:noFill/>
                       <a:prstDash val="solid"/>
@@ -7788,7 +7788,7 @@
                   </a:tcPr>
                 </a:tc>
               </a:tr>
-              <a:tr h="366435">
+              <a:tr h="270000">
                 <a:tc>
                   <a:txBody>
                     <a:bodyPr/>
@@ -7799,10 +7799,10 @@
                           <a:spcPct val="90000"/>
                         </a:lnSpc>
                         <a:spcBef>
-                          <a:spcPts val="500"/>
-                        </a:spcBef>
-                        <a:spcAft>
-                          <a:spcPts val="500"/>
+                          <a:spcPts val="0"/>
+                        </a:spcBef>
+                        <a:spcAft>
+                          <a:spcPts val="0"/>
                         </a:spcAft>
                         <a:buNone/>
                       </a:pPr>
@@ -7813,16 +7813,16 @@
                               <a:alpha val="100000"/>
                             </a:srgbClr>
                           </a:solidFill>
-                          <a:latin typeface="DejaVu Sans"/>
-                          <a:cs typeface="DejaVu Sans"/>
-                          <a:ea typeface="DejaVu Sans"/>
-                          <a:sym typeface="DejaVu Sans"/>
+                          <a:latin typeface="Arial"/>
+                          <a:cs typeface="Arial"/>
+                          <a:ea typeface="Arial"/>
+                          <a:sym typeface="Arial"/>
                         </a:rPr>
                         <a:t>2009</a:t>
                       </a:r>
                     </a:p>
                   </a:txBody>
-                  <a:tcPr anchor="ctr" marB="63500" marT="63500" marR="0" marL="0">
+                  <a:tcPr anchor="ctr" marB="0" marT="0" marR="0" marL="0">
                     <a:lnL algn="ctr" cmpd="sng" cap="flat" w="0">
                       <a:noFill/>
                       <a:prstDash val="solid"/>
@@ -7864,10 +7864,10 @@
                           <a:spcPct val="90000"/>
                         </a:lnSpc>
                         <a:spcBef>
-                          <a:spcPts val="500"/>
-                        </a:spcBef>
-                        <a:spcAft>
-                          <a:spcPts val="500"/>
+                          <a:spcPts val="0"/>
+                        </a:spcBef>
+                        <a:spcAft>
+                          <a:spcPts val="0"/>
                         </a:spcAft>
                         <a:buNone/>
                       </a:pPr>
@@ -7878,16 +7878,16 @@
                               <a:alpha val="100000"/>
                             </a:srgbClr>
                           </a:solidFill>
-                          <a:latin typeface="DejaVu Sans"/>
-                          <a:cs typeface="DejaVu Sans"/>
-                          <a:ea typeface="DejaVu Sans"/>
-                          <a:sym typeface="DejaVu Sans"/>
+                          <a:latin typeface="Arial"/>
+                          <a:cs typeface="Arial"/>
+                          <a:ea typeface="Arial"/>
+                          <a:sym typeface="Arial"/>
                         </a:rPr>
                         <a:t>10</a:t>
                       </a:r>
                     </a:p>
                   </a:txBody>
-                  <a:tcPr anchor="ctr" marB="63500" marT="63500" marR="0" marL="0">
+                  <a:tcPr anchor="ctr" marB="0" marT="0" marR="0" marL="0">
                     <a:lnL algn="ctr" cmpd="sng" cap="flat" w="0">
                       <a:noFill/>
                       <a:prstDash val="solid"/>
@@ -7925,10 +7925,10 @@
                           <a:spcPct val="90000"/>
                         </a:lnSpc>
                         <a:spcBef>
-                          <a:spcPts val="500"/>
-                        </a:spcBef>
-                        <a:spcAft>
-                          <a:spcPts val="500"/>
+                          <a:spcPts val="0"/>
+                        </a:spcBef>
+                        <a:spcAft>
+                          <a:spcPts val="0"/>
                         </a:spcAft>
                         <a:buNone/>
                       </a:pPr>
@@ -7939,16 +7939,16 @@
                               <a:alpha val="100000"/>
                             </a:srgbClr>
                           </a:solidFill>
-                          <a:latin typeface="DejaVu Sans"/>
-                          <a:cs typeface="DejaVu Sans"/>
-                          <a:ea typeface="DejaVu Sans"/>
-                          <a:sym typeface="DejaVu Sans"/>
+                          <a:latin typeface="Arial"/>
+                          <a:cs typeface="Arial"/>
+                          <a:ea typeface="Arial"/>
+                          <a:sym typeface="Arial"/>
                         </a:rPr>
                         <a:t>10</a:t>
                       </a:r>
                     </a:p>
                   </a:txBody>
-                  <a:tcPr anchor="ctr" marB="63500" marT="63500" marR="0" marL="0">
+                  <a:tcPr anchor="ctr" marB="0" marT="0" marR="0" marL="0">
                     <a:lnL algn="ctr" cmpd="sng" cap="flat" w="0">
                       <a:noFill/>
                       <a:prstDash val="solid"/>
@@ -7986,10 +7986,10 @@
                           <a:spcPct val="90000"/>
                         </a:lnSpc>
                         <a:spcBef>
-                          <a:spcPts val="500"/>
-                        </a:spcBef>
-                        <a:spcAft>
-                          <a:spcPts val="500"/>
+                          <a:spcPts val="0"/>
+                        </a:spcBef>
+                        <a:spcAft>
+                          <a:spcPts val="0"/>
                         </a:spcAft>
                         <a:buNone/>
                       </a:pPr>
@@ -8000,16 +8000,16 @@
                               <a:alpha val="100000"/>
                             </a:srgbClr>
                           </a:solidFill>
-                          <a:latin typeface="DejaVu Sans"/>
-                          <a:cs typeface="DejaVu Sans"/>
-                          <a:ea typeface="DejaVu Sans"/>
-                          <a:sym typeface="DejaVu Sans"/>
+                          <a:latin typeface="Arial"/>
+                          <a:cs typeface="Arial"/>
+                          <a:ea typeface="Arial"/>
+                          <a:sym typeface="Arial"/>
                         </a:rPr>
                         <a:t>12</a:t>
                       </a:r>
                     </a:p>
                   </a:txBody>
-                  <a:tcPr anchor="ctr" marB="63500" marT="63500" marR="0" marL="0">
+                  <a:tcPr anchor="ctr" marB="0" marT="0" marR="0" marL="0">
                     <a:lnL algn="ctr" cmpd="sng" cap="flat" w="0">
                       <a:noFill/>
                       <a:prstDash val="solid"/>
@@ -8047,10 +8047,10 @@
                           <a:spcPct val="90000"/>
                         </a:lnSpc>
                         <a:spcBef>
-                          <a:spcPts val="500"/>
-                        </a:spcBef>
-                        <a:spcAft>
-                          <a:spcPts val="500"/>
+                          <a:spcPts val="0"/>
+                        </a:spcBef>
+                        <a:spcAft>
+                          <a:spcPts val="0"/>
                         </a:spcAft>
                         <a:buNone/>
                       </a:pPr>
@@ -8061,16 +8061,16 @@
                               <a:alpha val="100000"/>
                             </a:srgbClr>
                           </a:solidFill>
-                          <a:latin typeface="DejaVu Sans"/>
-                          <a:cs typeface="DejaVu Sans"/>
-                          <a:ea typeface="DejaVu Sans"/>
-                          <a:sym typeface="DejaVu Sans"/>
+                          <a:latin typeface="Arial"/>
+                          <a:cs typeface="Arial"/>
+                          <a:ea typeface="Arial"/>
+                          <a:sym typeface="Arial"/>
                         </a:rPr>
                         <a:t>12</a:t>
                       </a:r>
                     </a:p>
                   </a:txBody>
-                  <a:tcPr anchor="ctr" marB="63500" marT="63500" marR="0" marL="0">
+                  <a:tcPr anchor="ctr" marB="0" marT="0" marR="0" marL="0">
                     <a:lnL algn="ctr" cmpd="sng" cap="flat" w="0">
                       <a:noFill/>
                       <a:prstDash val="solid"/>
@@ -8108,10 +8108,10 @@
                           <a:spcPct val="90000"/>
                         </a:lnSpc>
                         <a:spcBef>
-                          <a:spcPts val="500"/>
-                        </a:spcBef>
-                        <a:spcAft>
-                          <a:spcPts val="500"/>
+                          <a:spcPts val="0"/>
+                        </a:spcBef>
+                        <a:spcAft>
+                          <a:spcPts val="0"/>
                         </a:spcAft>
                         <a:buNone/>
                       </a:pPr>
@@ -8122,16 +8122,16 @@
                               <a:alpha val="100000"/>
                             </a:srgbClr>
                           </a:solidFill>
-                          <a:latin typeface="DejaVu Sans"/>
-                          <a:cs typeface="DejaVu Sans"/>
-                          <a:ea typeface="DejaVu Sans"/>
-                          <a:sym typeface="DejaVu Sans"/>
+                          <a:latin typeface="Arial"/>
+                          <a:cs typeface="Arial"/>
+                          <a:ea typeface="Arial"/>
+                          <a:sym typeface="Arial"/>
                         </a:rPr>
                         <a:t>-</a:t>
                       </a:r>
                     </a:p>
                   </a:txBody>
-                  <a:tcPr anchor="ctr" marB="63500" marT="63500" marR="0" marL="0">
+                  <a:tcPr anchor="ctr" marB="0" marT="0" marR="0" marL="0">
                     <a:lnL algn="ctr" cmpd="sng" cap="flat" w="0">
                       <a:noFill/>
                       <a:prstDash val="solid"/>
@@ -8169,10 +8169,10 @@
                           <a:spcPct val="90000"/>
                         </a:lnSpc>
                         <a:spcBef>
-                          <a:spcPts val="500"/>
-                        </a:spcBef>
-                        <a:spcAft>
-                          <a:spcPts val="500"/>
+                          <a:spcPts val="0"/>
+                        </a:spcBef>
+                        <a:spcAft>
+                          <a:spcPts val="0"/>
                         </a:spcAft>
                         <a:buNone/>
                       </a:pPr>
@@ -8183,16 +8183,16 @@
                               <a:alpha val="100000"/>
                             </a:srgbClr>
                           </a:solidFill>
-                          <a:latin typeface="DejaVu Sans"/>
-                          <a:cs typeface="DejaVu Sans"/>
-                          <a:ea typeface="DejaVu Sans"/>
-                          <a:sym typeface="DejaVu Sans"/>
+                          <a:latin typeface="Arial"/>
+                          <a:cs typeface="Arial"/>
+                          <a:ea typeface="Arial"/>
+                          <a:sym typeface="Arial"/>
                         </a:rPr>
                         <a:t>-</a:t>
                       </a:r>
                     </a:p>
                   </a:txBody>
-                  <a:tcPr anchor="ctr" marB="63500" marT="63500" marR="0" marL="0">
+                  <a:tcPr anchor="ctr" marB="0" marT="0" marR="0" marL="0">
                     <a:lnL algn="ctr" cmpd="sng" cap="flat" w="0">
                       <a:noFill/>
                       <a:prstDash val="solid"/>
@@ -8221,7 +8221,7 @@
                   </a:tcPr>
                 </a:tc>
               </a:tr>
-              <a:tr h="368891">
+              <a:tr h="270000">
                 <a:tc>
                   <a:txBody>
                     <a:bodyPr/>
@@ -8232,10 +8232,10 @@
                           <a:spcPct val="90000"/>
                         </a:lnSpc>
                         <a:spcBef>
-                          <a:spcPts val="500"/>
-                        </a:spcBef>
-                        <a:spcAft>
-                          <a:spcPts val="500"/>
+                          <a:spcPts val="0"/>
+                        </a:spcBef>
+                        <a:spcAft>
+                          <a:spcPts val="0"/>
                         </a:spcAft>
                         <a:buNone/>
                       </a:pPr>
@@ -8246,16 +8246,16 @@
                               <a:alpha val="100000"/>
                             </a:srgbClr>
                           </a:solidFill>
-                          <a:latin typeface="DejaVu Sans"/>
-                          <a:cs typeface="DejaVu Sans"/>
-                          <a:ea typeface="DejaVu Sans"/>
-                          <a:sym typeface="DejaVu Sans"/>
+                          <a:latin typeface="Arial"/>
+                          <a:cs typeface="Arial"/>
+                          <a:ea typeface="Arial"/>
+                          <a:sym typeface="Arial"/>
                         </a:rPr>
                         <a:t>Maximum</a:t>
                       </a:r>
                     </a:p>
                   </a:txBody>
-                  <a:tcPr anchor="ctr" marB="63500" marT="63500" marR="0" marL="0">
+                  <a:tcPr anchor="ctr" marB="0" marT="0" marR="0" marL="0">
                     <a:lnL algn="ctr" cmpd="sng" cap="flat" w="0">
                       <a:noFill/>
                       <a:prstDash val="solid"/>
@@ -8297,10 +8297,10 @@
                           <a:spcPct val="90000"/>
                         </a:lnSpc>
                         <a:spcBef>
-                          <a:spcPts val="500"/>
-                        </a:spcBef>
-                        <a:spcAft>
-                          <a:spcPts val="500"/>
+                          <a:spcPts val="0"/>
+                        </a:spcBef>
+                        <a:spcAft>
+                          <a:spcPts val="0"/>
                         </a:spcAft>
                         <a:buNone/>
                       </a:pPr>
@@ -8311,16 +8311,16 @@
                               <a:alpha val="100000"/>
                             </a:srgbClr>
                           </a:solidFill>
-                          <a:latin typeface="DejaVu Sans"/>
-                          <a:cs typeface="DejaVu Sans"/>
-                          <a:ea typeface="DejaVu Sans"/>
-                          <a:sym typeface="DejaVu Sans"/>
+                          <a:latin typeface="Arial"/>
+                          <a:cs typeface="Arial"/>
+                          <a:ea typeface="Arial"/>
+                          <a:sym typeface="Arial"/>
                         </a:rPr>
                         <a:t>10</a:t>
                       </a:r>
                     </a:p>
                   </a:txBody>
-                  <a:tcPr anchor="ctr" marB="63500" marT="63500" marR="0" marL="0">
+                  <a:tcPr anchor="ctr" marB="0" marT="0" marR="0" marL="0">
                     <a:lnL algn="ctr" cmpd="sng" cap="flat" w="0">
                       <a:noFill/>
                       <a:prstDash val="solid"/>
@@ -8358,10 +8358,10 @@
                           <a:spcPct val="90000"/>
                         </a:lnSpc>
                         <a:spcBef>
-                          <a:spcPts val="500"/>
-                        </a:spcBef>
-                        <a:spcAft>
-                          <a:spcPts val="500"/>
+                          <a:spcPts val="0"/>
+                        </a:spcBef>
+                        <a:spcAft>
+                          <a:spcPts val="0"/>
                         </a:spcAft>
                         <a:buNone/>
                       </a:pPr>
@@ -8372,16 +8372,16 @@
                               <a:alpha val="100000"/>
                             </a:srgbClr>
                           </a:solidFill>
-                          <a:latin typeface="DejaVu Sans"/>
-                          <a:cs typeface="DejaVu Sans"/>
-                          <a:ea typeface="DejaVu Sans"/>
-                          <a:sym typeface="DejaVu Sans"/>
+                          <a:latin typeface="Arial"/>
+                          <a:cs typeface="Arial"/>
+                          <a:ea typeface="Arial"/>
+                          <a:sym typeface="Arial"/>
                         </a:rPr>
                         <a:t>10</a:t>
                       </a:r>
                     </a:p>
                   </a:txBody>
-                  <a:tcPr anchor="ctr" marB="63500" marT="63500" marR="0" marL="0">
+                  <a:tcPr anchor="ctr" marB="0" marT="0" marR="0" marL="0">
                     <a:lnL algn="ctr" cmpd="sng" cap="flat" w="0">
                       <a:noFill/>
                       <a:prstDash val="solid"/>
@@ -8419,10 +8419,10 @@
                           <a:spcPct val="90000"/>
                         </a:lnSpc>
                         <a:spcBef>
-                          <a:spcPts val="500"/>
-                        </a:spcBef>
-                        <a:spcAft>
-                          <a:spcPts val="500"/>
+                          <a:spcPts val="0"/>
+                        </a:spcBef>
+                        <a:spcAft>
+                          <a:spcPts val="0"/>
                         </a:spcAft>
                         <a:buNone/>
                       </a:pPr>
@@ -8433,16 +8433,16 @@
                               <a:alpha val="100000"/>
                             </a:srgbClr>
                           </a:solidFill>
-                          <a:latin typeface="DejaVu Sans"/>
-                          <a:cs typeface="DejaVu Sans"/>
-                          <a:ea typeface="DejaVu Sans"/>
-                          <a:sym typeface="DejaVu Sans"/>
+                          <a:latin typeface="Arial"/>
+                          <a:cs typeface="Arial"/>
+                          <a:ea typeface="Arial"/>
+                          <a:sym typeface="Arial"/>
                         </a:rPr>
                         <a:t>13</a:t>
                       </a:r>
                     </a:p>
                   </a:txBody>
-                  <a:tcPr anchor="ctr" marB="63500" marT="63500" marR="0" marL="0">
+                  <a:tcPr anchor="ctr" marB="0" marT="0" marR="0" marL="0">
                     <a:lnL algn="ctr" cmpd="sng" cap="flat" w="0">
                       <a:noFill/>
                       <a:prstDash val="solid"/>
@@ -8480,10 +8480,10 @@
                           <a:spcPct val="90000"/>
                         </a:lnSpc>
                         <a:spcBef>
-                          <a:spcPts val="500"/>
-                        </a:spcBef>
-                        <a:spcAft>
-                          <a:spcPts val="500"/>
+                          <a:spcPts val="0"/>
+                        </a:spcBef>
+                        <a:spcAft>
+                          <a:spcPts val="0"/>
                         </a:spcAft>
                         <a:buNone/>
                       </a:pPr>
@@ -8494,16 +8494,16 @@
                               <a:alpha val="100000"/>
                             </a:srgbClr>
                           </a:solidFill>
-                          <a:latin typeface="DejaVu Sans"/>
-                          <a:cs typeface="DejaVu Sans"/>
-                          <a:ea typeface="DejaVu Sans"/>
-                          <a:sym typeface="DejaVu Sans"/>
+                          <a:latin typeface="Arial"/>
+                          <a:cs typeface="Arial"/>
+                          <a:ea typeface="Arial"/>
+                          <a:sym typeface="Arial"/>
                         </a:rPr>
                         <a:t>13</a:t>
                       </a:r>
                     </a:p>
                   </a:txBody>
-                  <a:tcPr anchor="ctr" marB="63500" marT="63500" marR="0" marL="0">
+                  <a:tcPr anchor="ctr" marB="0" marT="0" marR="0" marL="0">
                     <a:lnL algn="ctr" cmpd="sng" cap="flat" w="0">
                       <a:noFill/>
                       <a:prstDash val="solid"/>
@@ -8541,10 +8541,10 @@
                           <a:spcPct val="90000"/>
                         </a:lnSpc>
                         <a:spcBef>
-                          <a:spcPts val="500"/>
-                        </a:spcBef>
-                        <a:spcAft>
-                          <a:spcPts val="500"/>
+                          <a:spcPts val="0"/>
+                        </a:spcBef>
+                        <a:spcAft>
+                          <a:spcPts val="0"/>
                         </a:spcAft>
                         <a:buNone/>
                       </a:pPr>
@@ -8555,16 +8555,16 @@
                               <a:alpha val="100000"/>
                             </a:srgbClr>
                           </a:solidFill>
-                          <a:latin typeface="DejaVu Sans"/>
-                          <a:cs typeface="DejaVu Sans"/>
-                          <a:ea typeface="DejaVu Sans"/>
-                          <a:sym typeface="DejaVu Sans"/>
+                          <a:latin typeface="Arial"/>
+                          <a:cs typeface="Arial"/>
+                          <a:ea typeface="Arial"/>
+                          <a:sym typeface="Arial"/>
                         </a:rPr>
                         <a:t>-</a:t>
                       </a:r>
                     </a:p>
                   </a:txBody>
-                  <a:tcPr anchor="ctr" marB="63500" marT="63500" marR="0" marL="0">
+                  <a:tcPr anchor="ctr" marB="0" marT="0" marR="0" marL="0">
                     <a:lnL algn="ctr" cmpd="sng" cap="flat" w="0">
                       <a:noFill/>
                       <a:prstDash val="solid"/>
@@ -8602,10 +8602,10 @@
                           <a:spcPct val="90000"/>
                         </a:lnSpc>
                         <a:spcBef>
-                          <a:spcPts val="500"/>
-                        </a:spcBef>
-                        <a:spcAft>
-                          <a:spcPts val="500"/>
+                          <a:spcPts val="0"/>
+                        </a:spcBef>
+                        <a:spcAft>
+                          <a:spcPts val="0"/>
                         </a:spcAft>
                         <a:buNone/>
                       </a:pPr>
@@ -8616,16 +8616,16 @@
                               <a:alpha val="100000"/>
                             </a:srgbClr>
                           </a:solidFill>
-                          <a:latin typeface="DejaVu Sans"/>
-                          <a:cs typeface="DejaVu Sans"/>
-                          <a:ea typeface="DejaVu Sans"/>
-                          <a:sym typeface="DejaVu Sans"/>
+                          <a:latin typeface="Arial"/>
+                          <a:cs typeface="Arial"/>
+                          <a:ea typeface="Arial"/>
+                          <a:sym typeface="Arial"/>
                         </a:rPr>
                         <a:t>-</a:t>
                       </a:r>
                     </a:p>
                   </a:txBody>
-                  <a:tcPr anchor="ctr" marB="63500" marT="63500" marR="0" marL="0">
+                  <a:tcPr anchor="ctr" marB="0" marT="0" marR="0" marL="0">
                     <a:lnL algn="ctr" cmpd="sng" cap="flat" w="0">
                       <a:noFill/>
                       <a:prstDash val="solid"/>
@@ -8654,7 +8654,7 @@
                   </a:tcPr>
                 </a:tc>
               </a:tr>
-              <a:tr h="368891">
+              <a:tr h="270000">
                 <a:tc>
                   <a:txBody>
                     <a:bodyPr/>
@@ -8665,10 +8665,10 @@
                           <a:spcPct val="90000"/>
                         </a:lnSpc>
                         <a:spcBef>
-                          <a:spcPts val="500"/>
-                        </a:spcBef>
-                        <a:spcAft>
-                          <a:spcPts val="500"/>
+                          <a:spcPts val="0"/>
+                        </a:spcBef>
+                        <a:spcAft>
+                          <a:spcPts val="0"/>
                         </a:spcAft>
                         <a:buNone/>
                       </a:pPr>
@@ -8679,16 +8679,16 @@
                               <a:alpha val="100000"/>
                             </a:srgbClr>
                           </a:solidFill>
-                          <a:latin typeface="DejaVu Sans"/>
-                          <a:cs typeface="DejaVu Sans"/>
-                          <a:ea typeface="DejaVu Sans"/>
-                          <a:sym typeface="DejaVu Sans"/>
+                          <a:latin typeface="Arial"/>
+                          <a:cs typeface="Arial"/>
+                          <a:ea typeface="Arial"/>
+                          <a:sym typeface="Arial"/>
                         </a:rPr>
                         <a:t>Total</a:t>
                       </a:r>
                     </a:p>
                   </a:txBody>
-                  <a:tcPr anchor="ctr" marB="63500" marT="63500" marR="0" marL="0">
+                  <a:tcPr anchor="ctr" marB="0" marT="0" marR="0" marL="0">
                     <a:lnL algn="ctr" cmpd="sng" cap="flat" w="0">
                       <a:noFill/>
                       <a:prstDash val="solid"/>
@@ -8730,10 +8730,10 @@
                           <a:spcPct val="90000"/>
                         </a:lnSpc>
                         <a:spcBef>
-                          <a:spcPts val="500"/>
-                        </a:spcBef>
-                        <a:spcAft>
-                          <a:spcPts val="500"/>
+                          <a:spcPts val="0"/>
+                        </a:spcBef>
+                        <a:spcAft>
+                          <a:spcPts val="0"/>
                         </a:spcAft>
                         <a:buNone/>
                       </a:pPr>
@@ -8744,16 +8744,16 @@
                               <a:alpha val="100000"/>
                             </a:srgbClr>
                           </a:solidFill>
-                          <a:latin typeface="DejaVu Sans"/>
-                          <a:cs typeface="DejaVu Sans"/>
-                          <a:ea typeface="DejaVu Sans"/>
-                          <a:sym typeface="DejaVu Sans"/>
+                          <a:latin typeface="Arial"/>
+                          <a:cs typeface="Arial"/>
+                          <a:ea typeface="Arial"/>
+                          <a:sym typeface="Arial"/>
                         </a:rPr>
                         <a:t>27</a:t>
                       </a:r>
                     </a:p>
                   </a:txBody>
-                  <a:tcPr anchor="ctr" marB="63500" marT="63500" marR="0" marL="0">
+                  <a:tcPr anchor="ctr" marB="0" marT="0" marR="0" marL="0">
                     <a:lnL algn="ctr" cmpd="sng" cap="flat" w="0">
                       <a:noFill/>
                       <a:prstDash val="solid"/>
@@ -8791,10 +8791,10 @@
                           <a:spcPct val="90000"/>
                         </a:lnSpc>
                         <a:spcBef>
-                          <a:spcPts val="500"/>
-                        </a:spcBef>
-                        <a:spcAft>
-                          <a:spcPts val="500"/>
+                          <a:spcPts val="0"/>
+                        </a:spcBef>
+                        <a:spcAft>
+                          <a:spcPts val="0"/>
                         </a:spcAft>
                         <a:buNone/>
                       </a:pPr>
@@ -8805,16 +8805,16 @@
                               <a:alpha val="100000"/>
                             </a:srgbClr>
                           </a:solidFill>
-                          <a:latin typeface="DejaVu Sans"/>
-                          <a:cs typeface="DejaVu Sans"/>
-                          <a:ea typeface="DejaVu Sans"/>
-                          <a:sym typeface="DejaVu Sans"/>
+                          <a:latin typeface="Arial"/>
+                          <a:cs typeface="Arial"/>
+                          <a:ea typeface="Arial"/>
+                          <a:sym typeface="Arial"/>
                         </a:rPr>
                         <a:t>28</a:t>
                       </a:r>
                     </a:p>
                   </a:txBody>
-                  <a:tcPr anchor="ctr" marB="63500" marT="63500" marR="0" marL="0">
+                  <a:tcPr anchor="ctr" marB="0" marT="0" marR="0" marL="0">
                     <a:lnL algn="ctr" cmpd="sng" cap="flat" w="0">
                       <a:noFill/>
                       <a:prstDash val="solid"/>
@@ -8852,10 +8852,10 @@
                           <a:spcPct val="90000"/>
                         </a:lnSpc>
                         <a:spcBef>
-                          <a:spcPts val="500"/>
-                        </a:spcBef>
-                        <a:spcAft>
-                          <a:spcPts val="500"/>
+                          <a:spcPts val="0"/>
+                        </a:spcBef>
+                        <a:spcAft>
+                          <a:spcPts val="0"/>
                         </a:spcAft>
                         <a:buNone/>
                       </a:pPr>
@@ -8866,16 +8866,16 @@
                               <a:alpha val="100000"/>
                             </a:srgbClr>
                           </a:solidFill>
-                          <a:latin typeface="DejaVu Sans"/>
-                          <a:cs typeface="DejaVu Sans"/>
-                          <a:ea typeface="DejaVu Sans"/>
-                          <a:sym typeface="DejaVu Sans"/>
+                          <a:latin typeface="Arial"/>
+                          <a:cs typeface="Arial"/>
+                          <a:ea typeface="Arial"/>
+                          <a:sym typeface="Arial"/>
                         </a:rPr>
                         <a:t>34</a:t>
                       </a:r>
                     </a:p>
                   </a:txBody>
-                  <a:tcPr anchor="ctr" marB="63500" marT="63500" marR="0" marL="0">
+                  <a:tcPr anchor="ctr" marB="0" marT="0" marR="0" marL="0">
                     <a:lnL algn="ctr" cmpd="sng" cap="flat" w="0">
                       <a:noFill/>
                       <a:prstDash val="solid"/>
@@ -8913,10 +8913,10 @@
                           <a:spcPct val="90000"/>
                         </a:lnSpc>
                         <a:spcBef>
-                          <a:spcPts val="500"/>
-                        </a:spcBef>
-                        <a:spcAft>
-                          <a:spcPts val="500"/>
+                          <a:spcPts val="0"/>
+                        </a:spcBef>
+                        <a:spcAft>
+                          <a:spcPts val="0"/>
                         </a:spcAft>
                         <a:buNone/>
                       </a:pPr>
@@ -8927,16 +8927,16 @@
                               <a:alpha val="100000"/>
                             </a:srgbClr>
                           </a:solidFill>
-                          <a:latin typeface="DejaVu Sans"/>
-                          <a:cs typeface="DejaVu Sans"/>
-                          <a:ea typeface="DejaVu Sans"/>
-                          <a:sym typeface="DejaVu Sans"/>
+                          <a:latin typeface="Arial"/>
+                          <a:cs typeface="Arial"/>
+                          <a:ea typeface="Arial"/>
+                          <a:sym typeface="Arial"/>
                         </a:rPr>
                         <a:t>34</a:t>
                       </a:r>
                     </a:p>
                   </a:txBody>
-                  <a:tcPr anchor="ctr" marB="63500" marT="63500" marR="0" marL="0">
+                  <a:tcPr anchor="ctr" marB="0" marT="0" marR="0" marL="0">
                     <a:lnL algn="ctr" cmpd="sng" cap="flat" w="0">
                       <a:noFill/>
                       <a:prstDash val="solid"/>
@@ -8974,10 +8974,10 @@
                           <a:spcPct val="90000"/>
                         </a:lnSpc>
                         <a:spcBef>
-                          <a:spcPts val="500"/>
-                        </a:spcBef>
-                        <a:spcAft>
-                          <a:spcPts val="500"/>
+                          <a:spcPts val="0"/>
+                        </a:spcBef>
+                        <a:spcAft>
+                          <a:spcPts val="0"/>
                         </a:spcAft>
                         <a:buNone/>
                       </a:pPr>
@@ -8988,16 +8988,16 @@
                               <a:alpha val="100000"/>
                             </a:srgbClr>
                           </a:solidFill>
-                          <a:latin typeface="DejaVu Sans"/>
-                          <a:cs typeface="DejaVu Sans"/>
-                          <a:ea typeface="DejaVu Sans"/>
-                          <a:sym typeface="DejaVu Sans"/>
+                          <a:latin typeface="Arial"/>
+                          <a:cs typeface="Arial"/>
+                          <a:ea typeface="Arial"/>
+                          <a:sym typeface="Arial"/>
                         </a:rPr>
                         <a:t>-</a:t>
                       </a:r>
                     </a:p>
                   </a:txBody>
-                  <a:tcPr anchor="ctr" marB="63500" marT="63500" marR="0" marL="0">
+                  <a:tcPr anchor="ctr" marB="0" marT="0" marR="0" marL="0">
                     <a:lnL algn="ctr" cmpd="sng" cap="flat" w="0">
                       <a:noFill/>
                       <a:prstDash val="solid"/>
@@ -9035,10 +9035,10 @@
                           <a:spcPct val="90000"/>
                         </a:lnSpc>
                         <a:spcBef>
-                          <a:spcPts val="500"/>
-                        </a:spcBef>
-                        <a:spcAft>
-                          <a:spcPts val="500"/>
+                          <a:spcPts val="0"/>
+                        </a:spcBef>
+                        <a:spcAft>
+                          <a:spcPts val="0"/>
                         </a:spcAft>
                         <a:buNone/>
                       </a:pPr>
@@ -9049,16 +9049,16 @@
                               <a:alpha val="100000"/>
                             </a:srgbClr>
                           </a:solidFill>
-                          <a:latin typeface="DejaVu Sans"/>
-                          <a:cs typeface="DejaVu Sans"/>
-                          <a:ea typeface="DejaVu Sans"/>
-                          <a:sym typeface="DejaVu Sans"/>
+                          <a:latin typeface="Arial"/>
+                          <a:cs typeface="Arial"/>
+                          <a:ea typeface="Arial"/>
+                          <a:sym typeface="Arial"/>
                         </a:rPr>
                         <a:t>-</a:t>
                       </a:r>
                     </a:p>
                   </a:txBody>
-                  <a:tcPr anchor="ctr" marB="63500" marT="63500" marR="0" marL="0">
+                  <a:tcPr anchor="ctr" marB="0" marT="0" marR="0" marL="0">
                     <a:lnL algn="ctr" cmpd="sng" cap="flat" w="0">
                       <a:noFill/>
                       <a:prstDash val="solid"/>
@@ -9087,7 +9087,7 @@
                   </a:tcPr>
                 </a:tc>
               </a:tr>
-              <a:tr h="403500">
+              <a:tr h="270000">
                 <a:tc gridSpan="7">
                   <a:txBody>
                     <a:bodyPr/>
@@ -9098,10 +9098,10 @@
                           <a:spcPct val="90000"/>
                         </a:lnSpc>
                         <a:spcBef>
-                          <a:spcPts val="500"/>
-                        </a:spcBef>
-                        <a:spcAft>
-                          <a:spcPts val="500"/>
+                          <a:spcPts val="0"/>
+                        </a:spcBef>
+                        <a:spcAft>
+                          <a:spcPts val="0"/>
                         </a:spcAft>
                         <a:buNone/>
                       </a:pPr>
@@ -9121,7 +9121,7 @@
                       </a:r>
                     </a:p>
                   </a:txBody>
-                  <a:tcPr anchor="ctr" marB="63500" marT="63500" marR="0" marL="0">
+                  <a:tcPr anchor="ctr" marB="0" marT="0" marR="0" marL="0">
                     <a:lnL algn="ctr" cmpd="sng" cap="flat" w="0">
                       <a:noFill/>
                       <a:prstDash val="solid"/>
@@ -9163,10 +9163,10 @@
                           <a:spcPct val="90000"/>
                         </a:lnSpc>
                         <a:spcBef>
-                          <a:spcPts val="500"/>
-                        </a:spcBef>
-                        <a:spcAft>
-                          <a:spcPts val="500"/>
+                          <a:spcPts val="0"/>
+                        </a:spcBef>
+                        <a:spcAft>
+                          <a:spcPts val="0"/>
                         </a:spcAft>
                         <a:buNone/>
                       </a:pPr>
@@ -9186,7 +9186,7 @@
                       </a:r>
                     </a:p>
                   </a:txBody>
-                  <a:tcPr anchor="ctr" marB="63500" marT="63500" marR="0" marL="0">
+                  <a:tcPr anchor="ctr" marB="0" marT="0" marR="0" marL="0">
                     <a:lnL algn="ctr" cmpd="sng" cap="flat" w="0">
                       <a:noFill/>
                       <a:prstDash val="solid"/>
@@ -9228,10 +9228,10 @@
                           <a:spcPct val="90000"/>
                         </a:lnSpc>
                         <a:spcBef>
-                          <a:spcPts val="500"/>
-                        </a:spcBef>
-                        <a:spcAft>
-                          <a:spcPts val="500"/>
+                          <a:spcPts val="0"/>
+                        </a:spcBef>
+                        <a:spcAft>
+                          <a:spcPts val="0"/>
                         </a:spcAft>
                         <a:buNone/>
                       </a:pPr>
@@ -9251,7 +9251,7 @@
                       </a:r>
                     </a:p>
                   </a:txBody>
-                  <a:tcPr anchor="ctr" marB="63500" marT="63500" marR="0" marL="0">
+                  <a:tcPr anchor="ctr" marB="0" marT="0" marR="0" marL="0">
                     <a:lnL algn="ctr" cmpd="sng" cap="flat" w="0">
                       <a:noFill/>
                       <a:prstDash val="solid"/>
@@ -9293,10 +9293,10 @@
                           <a:spcPct val="90000"/>
                         </a:lnSpc>
                         <a:spcBef>
-                          <a:spcPts val="500"/>
-                        </a:spcBef>
-                        <a:spcAft>
-                          <a:spcPts val="500"/>
+                          <a:spcPts val="0"/>
+                        </a:spcBef>
+                        <a:spcAft>
+                          <a:spcPts val="0"/>
                         </a:spcAft>
                         <a:buNone/>
                       </a:pPr>
@@ -9316,7 +9316,7 @@
                       </a:r>
                     </a:p>
                   </a:txBody>
-                  <a:tcPr anchor="ctr" marB="63500" marT="63500" marR="0" marL="0">
+                  <a:tcPr anchor="ctr" marB="0" marT="0" marR="0" marL="0">
                     <a:lnL algn="ctr" cmpd="sng" cap="flat" w="0">
                       <a:noFill/>
                       <a:prstDash val="solid"/>
@@ -9358,10 +9358,10 @@
                           <a:spcPct val="90000"/>
                         </a:lnSpc>
                         <a:spcBef>
-                          <a:spcPts val="500"/>
-                        </a:spcBef>
-                        <a:spcAft>
-                          <a:spcPts val="500"/>
+                          <a:spcPts val="0"/>
+                        </a:spcBef>
+                        <a:spcAft>
+                          <a:spcPts val="0"/>
                         </a:spcAft>
                         <a:buNone/>
                       </a:pPr>
@@ -9381,7 +9381,7 @@
                       </a:r>
                     </a:p>
                   </a:txBody>
-                  <a:tcPr anchor="ctr" marB="63500" marT="63500" marR="0" marL="0">
+                  <a:tcPr anchor="ctr" marB="0" marT="0" marR="0" marL="0">
                     <a:lnL algn="ctr" cmpd="sng" cap="flat" w="0">
                       <a:noFill/>
                       <a:prstDash val="solid"/>
@@ -9423,10 +9423,10 @@
                           <a:spcPct val="90000"/>
                         </a:lnSpc>
                         <a:spcBef>
-                          <a:spcPts val="500"/>
-                        </a:spcBef>
-                        <a:spcAft>
-                          <a:spcPts val="500"/>
+                          <a:spcPts val="0"/>
+                        </a:spcBef>
+                        <a:spcAft>
+                          <a:spcPts val="0"/>
                         </a:spcAft>
                         <a:buNone/>
                       </a:pPr>
@@ -9446,7 +9446,7 @@
                       </a:r>
                     </a:p>
                   </a:txBody>
-                  <a:tcPr anchor="ctr" marB="63500" marT="63500" marR="0" marL="0">
+                  <a:tcPr anchor="ctr" marB="0" marT="0" marR="0" marL="0">
                     <a:lnL algn="ctr" cmpd="sng" cap="flat" w="0">
                       <a:noFill/>
                       <a:prstDash val="solid"/>
@@ -9488,10 +9488,10 @@
                           <a:spcPct val="90000"/>
                         </a:lnSpc>
                         <a:spcBef>
-                          <a:spcPts val="500"/>
-                        </a:spcBef>
-                        <a:spcAft>
-                          <a:spcPts val="500"/>
+                          <a:spcPts val="0"/>
+                        </a:spcBef>
+                        <a:spcAft>
+                          <a:spcPts val="0"/>
                         </a:spcAft>
                         <a:buNone/>
                       </a:pPr>
@@ -9511,7 +9511,7 @@
                       </a:r>
                     </a:p>
                   </a:txBody>
-                  <a:tcPr anchor="ctr" marB="63500" marT="63500" marR="0" marL="0">
+                  <a:tcPr anchor="ctr" marB="0" marT="0" marR="0" marL="0">
                     <a:lnL algn="ctr" cmpd="sng" cap="flat" w="0">
                       <a:noFill/>
                       <a:prstDash val="solid"/>
@@ -9544,7 +9544,7 @@
                   </a:tcPr>
                 </a:tc>
               </a:tr>
-              <a:tr h="366435">
+              <a:tr h="270000">
                 <a:tc>
                   <a:txBody>
                     <a:bodyPr/>
@@ -9555,10 +9555,10 @@
                           <a:spcPct val="90000"/>
                         </a:lnSpc>
                         <a:spcBef>
-                          <a:spcPts val="500"/>
-                        </a:spcBef>
-                        <a:spcAft>
-                          <a:spcPts val="500"/>
+                          <a:spcPts val="0"/>
+                        </a:spcBef>
+                        <a:spcAft>
+                          <a:spcPts val="0"/>
                         </a:spcAft>
                         <a:buNone/>
                       </a:pPr>
@@ -9569,16 +9569,16 @@
                               <a:alpha val="100000"/>
                             </a:srgbClr>
                           </a:solidFill>
-                          <a:latin typeface="DejaVu Sans"/>
-                          <a:cs typeface="DejaVu Sans"/>
-                          <a:ea typeface="DejaVu Sans"/>
-                          <a:sym typeface="DejaVu Sans"/>
+                          <a:latin typeface="Arial"/>
+                          <a:cs typeface="Arial"/>
+                          <a:ea typeface="Arial"/>
+                          <a:sym typeface="Arial"/>
                         </a:rPr>
                         <a:t>2007</a:t>
                       </a:r>
                     </a:p>
                   </a:txBody>
-                  <a:tcPr anchor="ctr" marB="63500" marT="63500" marR="0" marL="0">
+                  <a:tcPr anchor="ctr" marB="0" marT="0" marR="0" marL="0">
                     <a:lnL algn="ctr" cmpd="sng" cap="flat" w="0">
                       <a:noFill/>
                       <a:prstDash val="solid"/>
@@ -9620,10 +9620,10 @@
                           <a:spcPct val="90000"/>
                         </a:lnSpc>
                         <a:spcBef>
-                          <a:spcPts val="500"/>
-                        </a:spcBef>
-                        <a:spcAft>
-                          <a:spcPts val="500"/>
+                          <a:spcPts val="0"/>
+                        </a:spcBef>
+                        <a:spcAft>
+                          <a:spcPts val="0"/>
                         </a:spcAft>
                         <a:buNone/>
                       </a:pPr>
@@ -9634,16 +9634,16 @@
                               <a:alpha val="100000"/>
                             </a:srgbClr>
                           </a:solidFill>
-                          <a:latin typeface="DejaVu Sans"/>
-                          <a:cs typeface="DejaVu Sans"/>
-                          <a:ea typeface="DejaVu Sans"/>
-                          <a:sym typeface="DejaVu Sans"/>
+                          <a:latin typeface="Arial"/>
+                          <a:cs typeface="Arial"/>
+                          <a:ea typeface="Arial"/>
+                          <a:sym typeface="Arial"/>
                         </a:rPr>
                         <a:t>8</a:t>
                       </a:r>
                     </a:p>
                   </a:txBody>
-                  <a:tcPr anchor="ctr" marB="63500" marT="63500" marR="0" marL="0">
+                  <a:tcPr anchor="ctr" marB="0" marT="0" marR="0" marL="0">
                     <a:lnL algn="ctr" cmpd="sng" cap="flat" w="0">
                       <a:noFill/>
                       <a:prstDash val="solid"/>
@@ -9681,10 +9681,10 @@
                           <a:spcPct val="90000"/>
                         </a:lnSpc>
                         <a:spcBef>
-                          <a:spcPts val="500"/>
-                        </a:spcBef>
-                        <a:spcAft>
-                          <a:spcPts val="500"/>
+                          <a:spcPts val="0"/>
+                        </a:spcBef>
+                        <a:spcAft>
+                          <a:spcPts val="0"/>
                         </a:spcAft>
                         <a:buNone/>
                       </a:pPr>
@@ -9695,16 +9695,16 @@
                               <a:alpha val="100000"/>
                             </a:srgbClr>
                           </a:solidFill>
-                          <a:latin typeface="DejaVu Sans"/>
-                          <a:cs typeface="DejaVu Sans"/>
-                          <a:ea typeface="DejaVu Sans"/>
-                          <a:sym typeface="DejaVu Sans"/>
+                          <a:latin typeface="Arial"/>
+                          <a:cs typeface="Arial"/>
+                          <a:ea typeface="Arial"/>
+                          <a:sym typeface="Arial"/>
                         </a:rPr>
                         <a:t>7</a:t>
                       </a:r>
                     </a:p>
                   </a:txBody>
-                  <a:tcPr anchor="ctr" marB="63500" marT="63500" marR="0" marL="0">
+                  <a:tcPr anchor="ctr" marB="0" marT="0" marR="0" marL="0">
                     <a:lnL algn="ctr" cmpd="sng" cap="flat" w="0">
                       <a:noFill/>
                       <a:prstDash val="solid"/>
@@ -9742,10 +9742,10 @@
                           <a:spcPct val="90000"/>
                         </a:lnSpc>
                         <a:spcBef>
-                          <a:spcPts val="500"/>
-                        </a:spcBef>
-                        <a:spcAft>
-                          <a:spcPts val="500"/>
+                          <a:spcPts val="0"/>
+                        </a:spcBef>
+                        <a:spcAft>
+                          <a:spcPts val="0"/>
                         </a:spcAft>
                         <a:buNone/>
                       </a:pPr>
@@ -9756,16 +9756,16 @@
                               <a:alpha val="100000"/>
                             </a:srgbClr>
                           </a:solidFill>
-                          <a:latin typeface="DejaVu Sans"/>
-                          <a:cs typeface="DejaVu Sans"/>
-                          <a:ea typeface="DejaVu Sans"/>
-                          <a:sym typeface="DejaVu Sans"/>
+                          <a:latin typeface="Arial"/>
+                          <a:cs typeface="Arial"/>
+                          <a:ea typeface="Arial"/>
+                          <a:sym typeface="Arial"/>
                         </a:rPr>
                         <a:t>-</a:t>
                       </a:r>
                     </a:p>
                   </a:txBody>
-                  <a:tcPr anchor="ctr" marB="63500" marT="63500" marR="0" marL="0">
+                  <a:tcPr anchor="ctr" marB="0" marT="0" marR="0" marL="0">
                     <a:lnL algn="ctr" cmpd="sng" cap="flat" w="0">
                       <a:noFill/>
                       <a:prstDash val="solid"/>
@@ -9803,10 +9803,10 @@
                           <a:spcPct val="90000"/>
                         </a:lnSpc>
                         <a:spcBef>
-                          <a:spcPts val="500"/>
-                        </a:spcBef>
-                        <a:spcAft>
-                          <a:spcPts val="500"/>
+                          <a:spcPts val="0"/>
+                        </a:spcBef>
+                        <a:spcAft>
+                          <a:spcPts val="0"/>
                         </a:spcAft>
                         <a:buNone/>
                       </a:pPr>
@@ -9817,16 +9817,16 @@
                               <a:alpha val="100000"/>
                             </a:srgbClr>
                           </a:solidFill>
-                          <a:latin typeface="DejaVu Sans"/>
-                          <a:cs typeface="DejaVu Sans"/>
-                          <a:ea typeface="DejaVu Sans"/>
-                          <a:sym typeface="DejaVu Sans"/>
+                          <a:latin typeface="Arial"/>
+                          <a:cs typeface="Arial"/>
+                          <a:ea typeface="Arial"/>
+                          <a:sym typeface="Arial"/>
                         </a:rPr>
                         <a:t>-</a:t>
                       </a:r>
                     </a:p>
                   </a:txBody>
-                  <a:tcPr anchor="ctr" marB="63500" marT="63500" marR="0" marL="0">
+                  <a:tcPr anchor="ctr" marB="0" marT="0" marR="0" marL="0">
                     <a:lnL algn="ctr" cmpd="sng" cap="flat" w="0">
                       <a:noFill/>
                       <a:prstDash val="solid"/>
@@ -9864,10 +9864,10 @@
                           <a:spcPct val="90000"/>
                         </a:lnSpc>
                         <a:spcBef>
-                          <a:spcPts val="500"/>
-                        </a:spcBef>
-                        <a:spcAft>
-                          <a:spcPts val="500"/>
+                          <a:spcPts val="0"/>
+                        </a:spcBef>
+                        <a:spcAft>
+                          <a:spcPts val="0"/>
                         </a:spcAft>
                         <a:buNone/>
                       </a:pPr>
@@ -9878,16 +9878,16 @@
                               <a:alpha val="100000"/>
                             </a:srgbClr>
                           </a:solidFill>
-                          <a:latin typeface="DejaVu Sans"/>
-                          <a:cs typeface="DejaVu Sans"/>
-                          <a:ea typeface="DejaVu Sans"/>
-                          <a:sym typeface="DejaVu Sans"/>
+                          <a:latin typeface="Arial"/>
+                          <a:cs typeface="Arial"/>
+                          <a:ea typeface="Arial"/>
+                          <a:sym typeface="Arial"/>
                         </a:rPr>
                         <a:t>-</a:t>
                       </a:r>
                     </a:p>
                   </a:txBody>
-                  <a:tcPr anchor="ctr" marB="63500" marT="63500" marR="0" marL="0">
+                  <a:tcPr anchor="ctr" marB="0" marT="0" marR="0" marL="0">
                     <a:lnL algn="ctr" cmpd="sng" cap="flat" w="0">
                       <a:noFill/>
                       <a:prstDash val="solid"/>
@@ -9925,10 +9925,10 @@
                           <a:spcPct val="90000"/>
                         </a:lnSpc>
                         <a:spcBef>
-                          <a:spcPts val="500"/>
-                        </a:spcBef>
-                        <a:spcAft>
-                          <a:spcPts val="500"/>
+                          <a:spcPts val="0"/>
+                        </a:spcBef>
+                        <a:spcAft>
+                          <a:spcPts val="0"/>
                         </a:spcAft>
                         <a:buNone/>
                       </a:pPr>
@@ -9939,16 +9939,16 @@
                               <a:alpha val="100000"/>
                             </a:srgbClr>
                           </a:solidFill>
-                          <a:latin typeface="DejaVu Sans"/>
-                          <a:cs typeface="DejaVu Sans"/>
-                          <a:ea typeface="DejaVu Sans"/>
-                          <a:sym typeface="DejaVu Sans"/>
+                          <a:latin typeface="Arial"/>
+                          <a:cs typeface="Arial"/>
+                          <a:ea typeface="Arial"/>
+                          <a:sym typeface="Arial"/>
                         </a:rPr>
                         <a:t>-</a:t>
                       </a:r>
                     </a:p>
                   </a:txBody>
-                  <a:tcPr anchor="ctr" marB="63500" marT="63500" marR="0" marL="0">
+                  <a:tcPr anchor="ctr" marB="0" marT="0" marR="0" marL="0">
                     <a:lnL algn="ctr" cmpd="sng" cap="flat" w="0">
                       <a:noFill/>
                       <a:prstDash val="solid"/>
@@ -9977,7 +9977,7 @@
                   </a:tcPr>
                 </a:tc>
               </a:tr>
-              <a:tr h="366435">
+              <a:tr h="270000">
                 <a:tc>
                   <a:txBody>
                     <a:bodyPr/>
@@ -9988,10 +9988,10 @@
                           <a:spcPct val="90000"/>
                         </a:lnSpc>
                         <a:spcBef>
-                          <a:spcPts val="500"/>
-                        </a:spcBef>
-                        <a:spcAft>
-                          <a:spcPts val="500"/>
+                          <a:spcPts val="0"/>
+                        </a:spcBef>
+                        <a:spcAft>
+                          <a:spcPts val="0"/>
                         </a:spcAft>
                         <a:buNone/>
                       </a:pPr>
@@ -10002,16 +10002,16 @@
                               <a:alpha val="100000"/>
                             </a:srgbClr>
                           </a:solidFill>
-                          <a:latin typeface="DejaVu Sans"/>
-                          <a:cs typeface="DejaVu Sans"/>
-                          <a:ea typeface="DejaVu Sans"/>
-                          <a:sym typeface="DejaVu Sans"/>
+                          <a:latin typeface="Arial"/>
+                          <a:cs typeface="Arial"/>
+                          <a:ea typeface="Arial"/>
+                          <a:sym typeface="Arial"/>
                         </a:rPr>
                         <a:t>2008</a:t>
                       </a:r>
                     </a:p>
                   </a:txBody>
-                  <a:tcPr anchor="ctr" marB="63500" marT="63500" marR="0" marL="0">
+                  <a:tcPr anchor="ctr" marB="0" marT="0" marR="0" marL="0">
                     <a:lnL algn="ctr" cmpd="sng" cap="flat" w="0">
                       <a:noFill/>
                       <a:prstDash val="solid"/>
@@ -10049,10 +10049,10 @@
                           <a:spcPct val="90000"/>
                         </a:lnSpc>
                         <a:spcBef>
-                          <a:spcPts val="500"/>
-                        </a:spcBef>
-                        <a:spcAft>
-                          <a:spcPts val="500"/>
+                          <a:spcPts val="0"/>
+                        </a:spcBef>
+                        <a:spcAft>
+                          <a:spcPts val="0"/>
                         </a:spcAft>
                         <a:buNone/>
                       </a:pPr>
@@ -10063,16 +10063,16 @@
                               <a:alpha val="100000"/>
                             </a:srgbClr>
                           </a:solidFill>
-                          <a:latin typeface="DejaVu Sans"/>
-                          <a:cs typeface="DejaVu Sans"/>
-                          <a:ea typeface="DejaVu Sans"/>
-                          <a:sym typeface="DejaVu Sans"/>
+                          <a:latin typeface="Arial"/>
+                          <a:cs typeface="Arial"/>
+                          <a:ea typeface="Arial"/>
+                          <a:sym typeface="Arial"/>
                         </a:rPr>
                         <a:t>8</a:t>
                       </a:r>
                     </a:p>
                   </a:txBody>
-                  <a:tcPr anchor="ctr" marB="63500" marT="63500" marR="0" marL="0">
+                  <a:tcPr anchor="ctr" marB="0" marT="0" marR="0" marL="0">
                     <a:lnL algn="ctr" cmpd="sng" cap="flat" w="0">
                       <a:noFill/>
                       <a:prstDash val="solid"/>
@@ -10106,10 +10106,10 @@
                           <a:spcPct val="90000"/>
                         </a:lnSpc>
                         <a:spcBef>
-                          <a:spcPts val="500"/>
-                        </a:spcBef>
-                        <a:spcAft>
-                          <a:spcPts val="500"/>
+                          <a:spcPts val="0"/>
+                        </a:spcBef>
+                        <a:spcAft>
+                          <a:spcPts val="0"/>
                         </a:spcAft>
                         <a:buNone/>
                       </a:pPr>
@@ -10120,16 +10120,16 @@
                               <a:alpha val="100000"/>
                             </a:srgbClr>
                           </a:solidFill>
-                          <a:latin typeface="DejaVu Sans"/>
-                          <a:cs typeface="DejaVu Sans"/>
-                          <a:ea typeface="DejaVu Sans"/>
-                          <a:sym typeface="DejaVu Sans"/>
+                          <a:latin typeface="Arial"/>
+                          <a:cs typeface="Arial"/>
+                          <a:ea typeface="Arial"/>
+                          <a:sym typeface="Arial"/>
                         </a:rPr>
                         <a:t>8</a:t>
                       </a:r>
                     </a:p>
                   </a:txBody>
-                  <a:tcPr anchor="ctr" marB="63500" marT="63500" marR="0" marL="0">
+                  <a:tcPr anchor="ctr" marB="0" marT="0" marR="0" marL="0">
                     <a:lnL algn="ctr" cmpd="sng" cap="flat" w="0">
                       <a:noFill/>
                       <a:prstDash val="solid"/>
@@ -10163,10 +10163,10 @@
                           <a:spcPct val="90000"/>
                         </a:lnSpc>
                         <a:spcBef>
-                          <a:spcPts val="500"/>
-                        </a:spcBef>
-                        <a:spcAft>
-                          <a:spcPts val="500"/>
+                          <a:spcPts val="0"/>
+                        </a:spcBef>
+                        <a:spcAft>
+                          <a:spcPts val="0"/>
                         </a:spcAft>
                         <a:buNone/>
                       </a:pPr>
@@ -10177,16 +10177,16 @@
                               <a:alpha val="100000"/>
                             </a:srgbClr>
                           </a:solidFill>
-                          <a:latin typeface="DejaVu Sans"/>
-                          <a:cs typeface="DejaVu Sans"/>
-                          <a:ea typeface="DejaVu Sans"/>
-                          <a:sym typeface="DejaVu Sans"/>
+                          <a:latin typeface="Arial"/>
+                          <a:cs typeface="Arial"/>
+                          <a:ea typeface="Arial"/>
+                          <a:sym typeface="Arial"/>
                         </a:rPr>
                         <a:t>-</a:t>
                       </a:r>
                     </a:p>
                   </a:txBody>
-                  <a:tcPr anchor="ctr" marB="63500" marT="63500" marR="0" marL="0">
+                  <a:tcPr anchor="ctr" marB="0" marT="0" marR="0" marL="0">
                     <a:lnL algn="ctr" cmpd="sng" cap="flat" w="0">
                       <a:noFill/>
                       <a:prstDash val="solid"/>
@@ -10220,10 +10220,10 @@
                           <a:spcPct val="90000"/>
                         </a:lnSpc>
                         <a:spcBef>
-                          <a:spcPts val="500"/>
-                        </a:spcBef>
-                        <a:spcAft>
-                          <a:spcPts val="500"/>
+                          <a:spcPts val="0"/>
+                        </a:spcBef>
+                        <a:spcAft>
+                          <a:spcPts val="0"/>
                         </a:spcAft>
                         <a:buNone/>
                       </a:pPr>
@@ -10234,16 +10234,16 @@
                               <a:alpha val="100000"/>
                             </a:srgbClr>
                           </a:solidFill>
-                          <a:latin typeface="DejaVu Sans"/>
-                          <a:cs typeface="DejaVu Sans"/>
-                          <a:ea typeface="DejaVu Sans"/>
-                          <a:sym typeface="DejaVu Sans"/>
+                          <a:latin typeface="Arial"/>
+                          <a:cs typeface="Arial"/>
+                          <a:ea typeface="Arial"/>
+                          <a:sym typeface="Arial"/>
                         </a:rPr>
                         <a:t>-</a:t>
                       </a:r>
                     </a:p>
                   </a:txBody>
-                  <a:tcPr anchor="ctr" marB="63500" marT="63500" marR="0" marL="0">
+                  <a:tcPr anchor="ctr" marB="0" marT="0" marR="0" marL="0">
                     <a:lnL algn="ctr" cmpd="sng" cap="flat" w="0">
                       <a:noFill/>
                       <a:prstDash val="solid"/>
@@ -10277,10 +10277,10 @@
                           <a:spcPct val="90000"/>
                         </a:lnSpc>
                         <a:spcBef>
-                          <a:spcPts val="500"/>
-                        </a:spcBef>
-                        <a:spcAft>
-                          <a:spcPts val="500"/>
+                          <a:spcPts val="0"/>
+                        </a:spcBef>
+                        <a:spcAft>
+                          <a:spcPts val="0"/>
                         </a:spcAft>
                         <a:buNone/>
                       </a:pPr>
@@ -10291,16 +10291,16 @@
                               <a:alpha val="100000"/>
                             </a:srgbClr>
                           </a:solidFill>
-                          <a:latin typeface="DejaVu Sans"/>
-                          <a:cs typeface="DejaVu Sans"/>
-                          <a:ea typeface="DejaVu Sans"/>
-                          <a:sym typeface="DejaVu Sans"/>
+                          <a:latin typeface="Arial"/>
+                          <a:cs typeface="Arial"/>
+                          <a:ea typeface="Arial"/>
+                          <a:sym typeface="Arial"/>
                         </a:rPr>
                         <a:t>-</a:t>
                       </a:r>
                     </a:p>
                   </a:txBody>
-                  <a:tcPr anchor="ctr" marB="63500" marT="63500" marR="0" marL="0">
+                  <a:tcPr anchor="ctr" marB="0" marT="0" marR="0" marL="0">
                     <a:lnL algn="ctr" cmpd="sng" cap="flat" w="0">
                       <a:noFill/>
                       <a:prstDash val="solid"/>
@@ -10334,10 +10334,10 @@
                           <a:spcPct val="90000"/>
                         </a:lnSpc>
                         <a:spcBef>
-                          <a:spcPts val="500"/>
-                        </a:spcBef>
-                        <a:spcAft>
-                          <a:spcPts val="500"/>
+                          <a:spcPts val="0"/>
+                        </a:spcBef>
+                        <a:spcAft>
+                          <a:spcPts val="0"/>
                         </a:spcAft>
                         <a:buNone/>
                       </a:pPr>
@@ -10348,16 +10348,16 @@
                               <a:alpha val="100000"/>
                             </a:srgbClr>
                           </a:solidFill>
-                          <a:latin typeface="DejaVu Sans"/>
-                          <a:cs typeface="DejaVu Sans"/>
-                          <a:ea typeface="DejaVu Sans"/>
-                          <a:sym typeface="DejaVu Sans"/>
+                          <a:latin typeface="Arial"/>
+                          <a:cs typeface="Arial"/>
+                          <a:ea typeface="Arial"/>
+                          <a:sym typeface="Arial"/>
                         </a:rPr>
                         <a:t>-</a:t>
                       </a:r>
                     </a:p>
                   </a:txBody>
-                  <a:tcPr anchor="ctr" marB="63500" marT="63500" marR="0" marL="0">
+                  <a:tcPr anchor="ctr" marB="0" marT="0" marR="0" marL="0">
                     <a:lnL algn="ctr" cmpd="sng" cap="flat" w="0">
                       <a:noFill/>
                       <a:prstDash val="solid"/>
@@ -10382,7 +10382,7 @@
                   </a:tcPr>
                 </a:tc>
               </a:tr>
-              <a:tr h="366435">
+              <a:tr h="270000">
                 <a:tc>
                   <a:txBody>
                     <a:bodyPr/>
@@ -10393,10 +10393,10 @@
                           <a:spcPct val="90000"/>
                         </a:lnSpc>
                         <a:spcBef>
-                          <a:spcPts val="500"/>
-                        </a:spcBef>
-                        <a:spcAft>
-                          <a:spcPts val="500"/>
+                          <a:spcPts val="0"/>
+                        </a:spcBef>
+                        <a:spcAft>
+                          <a:spcPts val="0"/>
                         </a:spcAft>
                         <a:buNone/>
                       </a:pPr>
@@ -10407,16 +10407,16 @@
                               <a:alpha val="100000"/>
                             </a:srgbClr>
                           </a:solidFill>
-                          <a:latin typeface="DejaVu Sans"/>
-                          <a:cs typeface="DejaVu Sans"/>
-                          <a:ea typeface="DejaVu Sans"/>
-                          <a:sym typeface="DejaVu Sans"/>
+                          <a:latin typeface="Arial"/>
+                          <a:cs typeface="Arial"/>
+                          <a:ea typeface="Arial"/>
+                          <a:sym typeface="Arial"/>
                         </a:rPr>
                         <a:t>2009</a:t>
                       </a:r>
                     </a:p>
                   </a:txBody>
-                  <a:tcPr anchor="ctr" marB="63500" marT="63500" marR="0" marL="0">
+                  <a:tcPr anchor="ctr" marB="0" marT="0" marR="0" marL="0">
                     <a:lnL algn="ctr" cmpd="sng" cap="flat" w="0">
                       <a:noFill/>
                       <a:prstDash val="solid"/>
@@ -10458,10 +10458,10 @@
                           <a:spcPct val="90000"/>
                         </a:lnSpc>
                         <a:spcBef>
-                          <a:spcPts val="500"/>
-                        </a:spcBef>
-                        <a:spcAft>
-                          <a:spcPts val="500"/>
+                          <a:spcPts val="0"/>
+                        </a:spcBef>
+                        <a:spcAft>
+                          <a:spcPts val="0"/>
                         </a:spcAft>
                         <a:buNone/>
                       </a:pPr>
@@ -10472,16 +10472,16 @@
                               <a:alpha val="100000"/>
                             </a:srgbClr>
                           </a:solidFill>
-                          <a:latin typeface="DejaVu Sans"/>
-                          <a:cs typeface="DejaVu Sans"/>
-                          <a:ea typeface="DejaVu Sans"/>
-                          <a:sym typeface="DejaVu Sans"/>
+                          <a:latin typeface="Arial"/>
+                          <a:cs typeface="Arial"/>
+                          <a:ea typeface="Arial"/>
+                          <a:sym typeface="Arial"/>
                         </a:rPr>
                         <a:t>8</a:t>
                       </a:r>
                     </a:p>
                   </a:txBody>
-                  <a:tcPr anchor="ctr" marB="63500" marT="63500" marR="0" marL="0">
+                  <a:tcPr anchor="ctr" marB="0" marT="0" marR="0" marL="0">
                     <a:lnL algn="ctr" cmpd="sng" cap="flat" w="0">
                       <a:noFill/>
                       <a:prstDash val="solid"/>
@@ -10519,10 +10519,10 @@
                           <a:spcPct val="90000"/>
                         </a:lnSpc>
                         <a:spcBef>
-                          <a:spcPts val="500"/>
-                        </a:spcBef>
-                        <a:spcAft>
-                          <a:spcPts val="500"/>
+                          <a:spcPts val="0"/>
+                        </a:spcBef>
+                        <a:spcAft>
+                          <a:spcPts val="0"/>
                         </a:spcAft>
                         <a:buNone/>
                       </a:pPr>
@@ -10533,16 +10533,16 @@
                               <a:alpha val="100000"/>
                             </a:srgbClr>
                           </a:solidFill>
-                          <a:latin typeface="DejaVu Sans"/>
-                          <a:cs typeface="DejaVu Sans"/>
-                          <a:ea typeface="DejaVu Sans"/>
-                          <a:sym typeface="DejaVu Sans"/>
+                          <a:latin typeface="Arial"/>
+                          <a:cs typeface="Arial"/>
+                          <a:ea typeface="Arial"/>
+                          <a:sym typeface="Arial"/>
                         </a:rPr>
                         <a:t>8</a:t>
                       </a:r>
                     </a:p>
                   </a:txBody>
-                  <a:tcPr anchor="ctr" marB="63500" marT="63500" marR="0" marL="0">
+                  <a:tcPr anchor="ctr" marB="0" marT="0" marR="0" marL="0">
                     <a:lnL algn="ctr" cmpd="sng" cap="flat" w="0">
                       <a:noFill/>
                       <a:prstDash val="solid"/>
@@ -10580,10 +10580,10 @@
                           <a:spcPct val="90000"/>
                         </a:lnSpc>
                         <a:spcBef>
-                          <a:spcPts val="500"/>
-                        </a:spcBef>
-                        <a:spcAft>
-                          <a:spcPts val="500"/>
+                          <a:spcPts val="0"/>
+                        </a:spcBef>
+                        <a:spcAft>
+                          <a:spcPts val="0"/>
                         </a:spcAft>
                         <a:buNone/>
                       </a:pPr>
@@ -10594,16 +10594,16 @@
                               <a:alpha val="100000"/>
                             </a:srgbClr>
                           </a:solidFill>
-                          <a:latin typeface="DejaVu Sans"/>
-                          <a:cs typeface="DejaVu Sans"/>
-                          <a:ea typeface="DejaVu Sans"/>
-                          <a:sym typeface="DejaVu Sans"/>
+                          <a:latin typeface="Arial"/>
+                          <a:cs typeface="Arial"/>
+                          <a:ea typeface="Arial"/>
+                          <a:sym typeface="Arial"/>
                         </a:rPr>
                         <a:t>-</a:t>
                       </a:r>
                     </a:p>
                   </a:txBody>
-                  <a:tcPr anchor="ctr" marB="63500" marT="63500" marR="0" marL="0">
+                  <a:tcPr anchor="ctr" marB="0" marT="0" marR="0" marL="0">
                     <a:lnL algn="ctr" cmpd="sng" cap="flat" w="0">
                       <a:noFill/>
                       <a:prstDash val="solid"/>
@@ -10641,10 +10641,10 @@
                           <a:spcPct val="90000"/>
                         </a:lnSpc>
                         <a:spcBef>
-                          <a:spcPts val="500"/>
-                        </a:spcBef>
-                        <a:spcAft>
-                          <a:spcPts val="500"/>
+                          <a:spcPts val="0"/>
+                        </a:spcBef>
+                        <a:spcAft>
+                          <a:spcPts val="0"/>
                         </a:spcAft>
                         <a:buNone/>
                       </a:pPr>
@@ -10655,16 +10655,16 @@
                               <a:alpha val="100000"/>
                             </a:srgbClr>
                           </a:solidFill>
-                          <a:latin typeface="DejaVu Sans"/>
-                          <a:cs typeface="DejaVu Sans"/>
-                          <a:ea typeface="DejaVu Sans"/>
-                          <a:sym typeface="DejaVu Sans"/>
+                          <a:latin typeface="Arial"/>
+                          <a:cs typeface="Arial"/>
+                          <a:ea typeface="Arial"/>
+                          <a:sym typeface="Arial"/>
                         </a:rPr>
                         <a:t>-</a:t>
                       </a:r>
                     </a:p>
                   </a:txBody>
-                  <a:tcPr anchor="ctr" marB="63500" marT="63500" marR="0" marL="0">
+                  <a:tcPr anchor="ctr" marB="0" marT="0" marR="0" marL="0">
                     <a:lnL algn="ctr" cmpd="sng" cap="flat" w="0">
                       <a:noFill/>
                       <a:prstDash val="solid"/>
@@ -10702,10 +10702,10 @@
                           <a:spcPct val="90000"/>
                         </a:lnSpc>
                         <a:spcBef>
-                          <a:spcPts val="500"/>
-                        </a:spcBef>
-                        <a:spcAft>
-                          <a:spcPts val="500"/>
+                          <a:spcPts val="0"/>
+                        </a:spcBef>
+                        <a:spcAft>
+                          <a:spcPts val="0"/>
                         </a:spcAft>
                         <a:buNone/>
                       </a:pPr>
@@ -10716,16 +10716,16 @@
                               <a:alpha val="100000"/>
                             </a:srgbClr>
                           </a:solidFill>
-                          <a:latin typeface="DejaVu Sans"/>
-                          <a:cs typeface="DejaVu Sans"/>
-                          <a:ea typeface="DejaVu Sans"/>
-                          <a:sym typeface="DejaVu Sans"/>
+                          <a:latin typeface="Arial"/>
+                          <a:cs typeface="Arial"/>
+                          <a:ea typeface="Arial"/>
+                          <a:sym typeface="Arial"/>
                         </a:rPr>
                         <a:t>-</a:t>
                       </a:r>
                     </a:p>
                   </a:txBody>
-                  <a:tcPr anchor="ctr" marB="63500" marT="63500" marR="0" marL="0">
+                  <a:tcPr anchor="ctr" marB="0" marT="0" marR="0" marL="0">
                     <a:lnL algn="ctr" cmpd="sng" cap="flat" w="0">
                       <a:noFill/>
                       <a:prstDash val="solid"/>
@@ -10763,10 +10763,10 @@
                           <a:spcPct val="90000"/>
                         </a:lnSpc>
                         <a:spcBef>
-                          <a:spcPts val="500"/>
-                        </a:spcBef>
-                        <a:spcAft>
-                          <a:spcPts val="500"/>
+                          <a:spcPts val="0"/>
+                        </a:spcBef>
+                        <a:spcAft>
+                          <a:spcPts val="0"/>
                         </a:spcAft>
                         <a:buNone/>
                       </a:pPr>
@@ -10777,16 +10777,16 @@
                               <a:alpha val="100000"/>
                             </a:srgbClr>
                           </a:solidFill>
-                          <a:latin typeface="DejaVu Sans"/>
-                          <a:cs typeface="DejaVu Sans"/>
-                          <a:ea typeface="DejaVu Sans"/>
-                          <a:sym typeface="DejaVu Sans"/>
+                          <a:latin typeface="Arial"/>
+                          <a:cs typeface="Arial"/>
+                          <a:ea typeface="Arial"/>
+                          <a:sym typeface="Arial"/>
                         </a:rPr>
                         <a:t>-</a:t>
                       </a:r>
                     </a:p>
                   </a:txBody>
-                  <a:tcPr anchor="ctr" marB="63500" marT="63500" marR="0" marL="0">
+                  <a:tcPr anchor="ctr" marB="0" marT="0" marR="0" marL="0">
                     <a:lnL algn="ctr" cmpd="sng" cap="flat" w="0">
                       <a:noFill/>
                       <a:prstDash val="solid"/>
@@ -10815,7 +10815,7 @@
                   </a:tcPr>
                 </a:tc>
               </a:tr>
-              <a:tr h="368891">
+              <a:tr h="270000">
                 <a:tc>
                   <a:txBody>
                     <a:bodyPr/>
@@ -10826,10 +10826,10 @@
                           <a:spcPct val="90000"/>
                         </a:lnSpc>
                         <a:spcBef>
-                          <a:spcPts val="500"/>
-                        </a:spcBef>
-                        <a:spcAft>
-                          <a:spcPts val="500"/>
+                          <a:spcPts val="0"/>
+                        </a:spcBef>
+                        <a:spcAft>
+                          <a:spcPts val="0"/>
                         </a:spcAft>
                         <a:buNone/>
                       </a:pPr>
@@ -10840,16 +10840,16 @@
                               <a:alpha val="100000"/>
                             </a:srgbClr>
                           </a:solidFill>
-                          <a:latin typeface="DejaVu Sans"/>
-                          <a:cs typeface="DejaVu Sans"/>
-                          <a:ea typeface="DejaVu Sans"/>
-                          <a:sym typeface="DejaVu Sans"/>
+                          <a:latin typeface="Arial"/>
+                          <a:cs typeface="Arial"/>
+                          <a:ea typeface="Arial"/>
+                          <a:sym typeface="Arial"/>
                         </a:rPr>
                         <a:t>Maximum</a:t>
                       </a:r>
                     </a:p>
                   </a:txBody>
-                  <a:tcPr anchor="ctr" marB="63500" marT="63500" marR="0" marL="0">
+                  <a:tcPr anchor="ctr" marB="0" marT="0" marR="0" marL="0">
                     <a:lnL algn="ctr" cmpd="sng" cap="flat" w="0">
                       <a:noFill/>
                       <a:prstDash val="solid"/>
@@ -10891,10 +10891,10 @@
                           <a:spcPct val="90000"/>
                         </a:lnSpc>
                         <a:spcBef>
-                          <a:spcPts val="500"/>
-                        </a:spcBef>
-                        <a:spcAft>
-                          <a:spcPts val="500"/>
+                          <a:spcPts val="0"/>
+                        </a:spcBef>
+                        <a:spcAft>
+                          <a:spcPts val="0"/>
                         </a:spcAft>
                         <a:buNone/>
                       </a:pPr>
@@ -10905,16 +10905,16 @@
                               <a:alpha val="100000"/>
                             </a:srgbClr>
                           </a:solidFill>
-                          <a:latin typeface="DejaVu Sans"/>
-                          <a:cs typeface="DejaVu Sans"/>
-                          <a:ea typeface="DejaVu Sans"/>
-                          <a:sym typeface="DejaVu Sans"/>
+                          <a:latin typeface="Arial"/>
+                          <a:cs typeface="Arial"/>
+                          <a:ea typeface="Arial"/>
+                          <a:sym typeface="Arial"/>
                         </a:rPr>
                         <a:t>8</a:t>
                       </a:r>
                     </a:p>
                   </a:txBody>
-                  <a:tcPr anchor="ctr" marB="63500" marT="63500" marR="0" marL="0">
+                  <a:tcPr anchor="ctr" marB="0" marT="0" marR="0" marL="0">
                     <a:lnL algn="ctr" cmpd="sng" cap="flat" w="0">
                       <a:noFill/>
                       <a:prstDash val="solid"/>
@@ -10952,10 +10952,10 @@
                           <a:spcPct val="90000"/>
                         </a:lnSpc>
                         <a:spcBef>
-                          <a:spcPts val="500"/>
-                        </a:spcBef>
-                        <a:spcAft>
-                          <a:spcPts val="500"/>
+                          <a:spcPts val="0"/>
+                        </a:spcBef>
+                        <a:spcAft>
+                          <a:spcPts val="0"/>
                         </a:spcAft>
                         <a:buNone/>
                       </a:pPr>
@@ -10966,16 +10966,16 @@
                               <a:alpha val="100000"/>
                             </a:srgbClr>
                           </a:solidFill>
-                          <a:latin typeface="DejaVu Sans"/>
-                          <a:cs typeface="DejaVu Sans"/>
-                          <a:ea typeface="DejaVu Sans"/>
-                          <a:sym typeface="DejaVu Sans"/>
+                          <a:latin typeface="Arial"/>
+                          <a:cs typeface="Arial"/>
+                          <a:ea typeface="Arial"/>
+                          <a:sym typeface="Arial"/>
                         </a:rPr>
                         <a:t>8</a:t>
                       </a:r>
                     </a:p>
                   </a:txBody>
-                  <a:tcPr anchor="ctr" marB="63500" marT="63500" marR="0" marL="0">
+                  <a:tcPr anchor="ctr" marB="0" marT="0" marR="0" marL="0">
                     <a:lnL algn="ctr" cmpd="sng" cap="flat" w="0">
                       <a:noFill/>
                       <a:prstDash val="solid"/>
@@ -11013,10 +11013,10 @@
                           <a:spcPct val="90000"/>
                         </a:lnSpc>
                         <a:spcBef>
-                          <a:spcPts val="500"/>
-                        </a:spcBef>
-                        <a:spcAft>
-                          <a:spcPts val="500"/>
+                          <a:spcPts val="0"/>
+                        </a:spcBef>
+                        <a:spcAft>
+                          <a:spcPts val="0"/>
                         </a:spcAft>
                         <a:buNone/>
                       </a:pPr>
@@ -11027,16 +11027,16 @@
                               <a:alpha val="100000"/>
                             </a:srgbClr>
                           </a:solidFill>
-                          <a:latin typeface="DejaVu Sans"/>
-                          <a:cs typeface="DejaVu Sans"/>
-                          <a:ea typeface="DejaVu Sans"/>
-                          <a:sym typeface="DejaVu Sans"/>
+                          <a:latin typeface="Arial"/>
+                          <a:cs typeface="Arial"/>
+                          <a:ea typeface="Arial"/>
+                          <a:sym typeface="Arial"/>
                         </a:rPr>
                         <a:t>-</a:t>
                       </a:r>
                     </a:p>
                   </a:txBody>
-                  <a:tcPr anchor="ctr" marB="63500" marT="63500" marR="0" marL="0">
+                  <a:tcPr anchor="ctr" marB="0" marT="0" marR="0" marL="0">
                     <a:lnL algn="ctr" cmpd="sng" cap="flat" w="0">
                       <a:noFill/>
                       <a:prstDash val="solid"/>
@@ -11074,10 +11074,10 @@
                           <a:spcPct val="90000"/>
                         </a:lnSpc>
                         <a:spcBef>
-                          <a:spcPts val="500"/>
-                        </a:spcBef>
-                        <a:spcAft>
-                          <a:spcPts val="500"/>
+                          <a:spcPts val="0"/>
+                        </a:spcBef>
+                        <a:spcAft>
+                          <a:spcPts val="0"/>
                         </a:spcAft>
                         <a:buNone/>
                       </a:pPr>
@@ -11088,16 +11088,16 @@
                               <a:alpha val="100000"/>
                             </a:srgbClr>
                           </a:solidFill>
-                          <a:latin typeface="DejaVu Sans"/>
-                          <a:cs typeface="DejaVu Sans"/>
-                          <a:ea typeface="DejaVu Sans"/>
-                          <a:sym typeface="DejaVu Sans"/>
+                          <a:latin typeface="Arial"/>
+                          <a:cs typeface="Arial"/>
+                          <a:ea typeface="Arial"/>
+                          <a:sym typeface="Arial"/>
                         </a:rPr>
                         <a:t>-</a:t>
                       </a:r>
                     </a:p>
                   </a:txBody>
-                  <a:tcPr anchor="ctr" marB="63500" marT="63500" marR="0" marL="0">
+                  <a:tcPr anchor="ctr" marB="0" marT="0" marR="0" marL="0">
                     <a:lnL algn="ctr" cmpd="sng" cap="flat" w="0">
                       <a:noFill/>
                       <a:prstDash val="solid"/>
@@ -11135,10 +11135,10 @@
                           <a:spcPct val="90000"/>
                         </a:lnSpc>
                         <a:spcBef>
-                          <a:spcPts val="500"/>
-                        </a:spcBef>
-                        <a:spcAft>
-                          <a:spcPts val="500"/>
+                          <a:spcPts val="0"/>
+                        </a:spcBef>
+                        <a:spcAft>
+                          <a:spcPts val="0"/>
                         </a:spcAft>
                         <a:buNone/>
                       </a:pPr>
@@ -11149,16 +11149,16 @@
                               <a:alpha val="100000"/>
                             </a:srgbClr>
                           </a:solidFill>
-                          <a:latin typeface="DejaVu Sans"/>
-                          <a:cs typeface="DejaVu Sans"/>
-                          <a:ea typeface="DejaVu Sans"/>
-                          <a:sym typeface="DejaVu Sans"/>
+                          <a:latin typeface="Arial"/>
+                          <a:cs typeface="Arial"/>
+                          <a:ea typeface="Arial"/>
+                          <a:sym typeface="Arial"/>
                         </a:rPr>
                         <a:t>-</a:t>
                       </a:r>
                     </a:p>
                   </a:txBody>
-                  <a:tcPr anchor="ctr" marB="63500" marT="63500" marR="0" marL="0">
+                  <a:tcPr anchor="ctr" marB="0" marT="0" marR="0" marL="0">
                     <a:lnL algn="ctr" cmpd="sng" cap="flat" w="0">
                       <a:noFill/>
                       <a:prstDash val="solid"/>
@@ -11196,10 +11196,10 @@
                           <a:spcPct val="90000"/>
                         </a:lnSpc>
                         <a:spcBef>
-                          <a:spcPts val="500"/>
-                        </a:spcBef>
-                        <a:spcAft>
-                          <a:spcPts val="500"/>
+                          <a:spcPts val="0"/>
+                        </a:spcBef>
+                        <a:spcAft>
+                          <a:spcPts val="0"/>
                         </a:spcAft>
                         <a:buNone/>
                       </a:pPr>
@@ -11210,16 +11210,16 @@
                               <a:alpha val="100000"/>
                             </a:srgbClr>
                           </a:solidFill>
-                          <a:latin typeface="DejaVu Sans"/>
-                          <a:cs typeface="DejaVu Sans"/>
-                          <a:ea typeface="DejaVu Sans"/>
-                          <a:sym typeface="DejaVu Sans"/>
+                          <a:latin typeface="Arial"/>
+                          <a:cs typeface="Arial"/>
+                          <a:ea typeface="Arial"/>
+                          <a:sym typeface="Arial"/>
                         </a:rPr>
                         <a:t>-</a:t>
                       </a:r>
                     </a:p>
                   </a:txBody>
-                  <a:tcPr anchor="ctr" marB="63500" marT="63500" marR="0" marL="0">
+                  <a:tcPr anchor="ctr" marB="0" marT="0" marR="0" marL="0">
                     <a:lnL algn="ctr" cmpd="sng" cap="flat" w="0">
                       <a:noFill/>
                       <a:prstDash val="solid"/>
@@ -11248,7 +11248,7 @@
                   </a:tcPr>
                 </a:tc>
               </a:tr>
-              <a:tr h="368891">
+              <a:tr h="270000">
                 <a:tc>
                   <a:txBody>
                     <a:bodyPr/>
@@ -11259,10 +11259,10 @@
                           <a:spcPct val="90000"/>
                         </a:lnSpc>
                         <a:spcBef>
-                          <a:spcPts val="500"/>
-                        </a:spcBef>
-                        <a:spcAft>
-                          <a:spcPts val="500"/>
+                          <a:spcPts val="0"/>
+                        </a:spcBef>
+                        <a:spcAft>
+                          <a:spcPts val="0"/>
                         </a:spcAft>
                         <a:buNone/>
                       </a:pPr>
@@ -11273,16 +11273,16 @@
                               <a:alpha val="100000"/>
                             </a:srgbClr>
                           </a:solidFill>
-                          <a:latin typeface="DejaVu Sans"/>
-                          <a:cs typeface="DejaVu Sans"/>
-                          <a:ea typeface="DejaVu Sans"/>
-                          <a:sym typeface="DejaVu Sans"/>
+                          <a:latin typeface="Arial"/>
+                          <a:cs typeface="Arial"/>
+                          <a:ea typeface="Arial"/>
+                          <a:sym typeface="Arial"/>
                         </a:rPr>
                         <a:t>Total</a:t>
                       </a:r>
                     </a:p>
                   </a:txBody>
-                  <a:tcPr anchor="ctr" marB="63500" marT="63500" marR="0" marL="0">
+                  <a:tcPr anchor="ctr" marB="0" marT="0" marR="0" marL="0">
                     <a:lnL algn="ctr" cmpd="sng" cap="flat" w="0">
                       <a:noFill/>
                       <a:prstDash val="solid"/>
@@ -11324,10 +11324,10 @@
                           <a:spcPct val="90000"/>
                         </a:lnSpc>
                         <a:spcBef>
-                          <a:spcPts val="500"/>
-                        </a:spcBef>
-                        <a:spcAft>
-                          <a:spcPts val="500"/>
+                          <a:spcPts val="0"/>
+                        </a:spcBef>
+                        <a:spcAft>
+                          <a:spcPts val="0"/>
                         </a:spcAft>
                         <a:buNone/>
                       </a:pPr>
@@ -11338,16 +11338,16 @@
                               <a:alpha val="100000"/>
                             </a:srgbClr>
                           </a:solidFill>
-                          <a:latin typeface="DejaVu Sans"/>
-                          <a:cs typeface="DejaVu Sans"/>
-                          <a:ea typeface="DejaVu Sans"/>
-                          <a:sym typeface="DejaVu Sans"/>
+                          <a:latin typeface="Arial"/>
+                          <a:cs typeface="Arial"/>
+                          <a:ea typeface="Arial"/>
+                          <a:sym typeface="Arial"/>
                         </a:rPr>
                         <a:t>24</a:t>
                       </a:r>
                     </a:p>
                   </a:txBody>
-                  <a:tcPr anchor="ctr" marB="63500" marT="63500" marR="0" marL="0">
+                  <a:tcPr anchor="ctr" marB="0" marT="0" marR="0" marL="0">
                     <a:lnL algn="ctr" cmpd="sng" cap="flat" w="0">
                       <a:noFill/>
                       <a:prstDash val="solid"/>
@@ -11385,10 +11385,10 @@
                           <a:spcPct val="90000"/>
                         </a:lnSpc>
                         <a:spcBef>
-                          <a:spcPts val="500"/>
-                        </a:spcBef>
-                        <a:spcAft>
-                          <a:spcPts val="500"/>
+                          <a:spcPts val="0"/>
+                        </a:spcBef>
+                        <a:spcAft>
+                          <a:spcPts val="0"/>
                         </a:spcAft>
                         <a:buNone/>
                       </a:pPr>
@@ -11399,16 +11399,16 @@
                               <a:alpha val="100000"/>
                             </a:srgbClr>
                           </a:solidFill>
-                          <a:latin typeface="DejaVu Sans"/>
-                          <a:cs typeface="DejaVu Sans"/>
-                          <a:ea typeface="DejaVu Sans"/>
-                          <a:sym typeface="DejaVu Sans"/>
+                          <a:latin typeface="Arial"/>
+                          <a:cs typeface="Arial"/>
+                          <a:ea typeface="Arial"/>
+                          <a:sym typeface="Arial"/>
                         </a:rPr>
                         <a:t>23</a:t>
                       </a:r>
                     </a:p>
                   </a:txBody>
-                  <a:tcPr anchor="ctr" marB="63500" marT="63500" marR="0" marL="0">
+                  <a:tcPr anchor="ctr" marB="0" marT="0" marR="0" marL="0">
                     <a:lnL algn="ctr" cmpd="sng" cap="flat" w="0">
                       <a:noFill/>
                       <a:prstDash val="solid"/>
@@ -11446,10 +11446,10 @@
                           <a:spcPct val="90000"/>
                         </a:lnSpc>
                         <a:spcBef>
-                          <a:spcPts val="500"/>
-                        </a:spcBef>
-                        <a:spcAft>
-                          <a:spcPts val="500"/>
+                          <a:spcPts val="0"/>
+                        </a:spcBef>
+                        <a:spcAft>
+                          <a:spcPts val="0"/>
                         </a:spcAft>
                         <a:buNone/>
                       </a:pPr>
@@ -11460,16 +11460,16 @@
                               <a:alpha val="100000"/>
                             </a:srgbClr>
                           </a:solidFill>
-                          <a:latin typeface="DejaVu Sans"/>
-                          <a:cs typeface="DejaVu Sans"/>
-                          <a:ea typeface="DejaVu Sans"/>
-                          <a:sym typeface="DejaVu Sans"/>
+                          <a:latin typeface="Arial"/>
+                          <a:cs typeface="Arial"/>
+                          <a:ea typeface="Arial"/>
+                          <a:sym typeface="Arial"/>
                         </a:rPr>
                         <a:t>-</a:t>
                       </a:r>
                     </a:p>
                   </a:txBody>
-                  <a:tcPr anchor="ctr" marB="63500" marT="63500" marR="0" marL="0">
+                  <a:tcPr anchor="ctr" marB="0" marT="0" marR="0" marL="0">
                     <a:lnL algn="ctr" cmpd="sng" cap="flat" w="0">
                       <a:noFill/>
                       <a:prstDash val="solid"/>
@@ -11507,10 +11507,10 @@
                           <a:spcPct val="90000"/>
                         </a:lnSpc>
                         <a:spcBef>
-                          <a:spcPts val="500"/>
-                        </a:spcBef>
-                        <a:spcAft>
-                          <a:spcPts val="500"/>
+                          <a:spcPts val="0"/>
+                        </a:spcBef>
+                        <a:spcAft>
+                          <a:spcPts val="0"/>
                         </a:spcAft>
                         <a:buNone/>
                       </a:pPr>
@@ -11521,16 +11521,16 @@
                               <a:alpha val="100000"/>
                             </a:srgbClr>
                           </a:solidFill>
-                          <a:latin typeface="DejaVu Sans"/>
-                          <a:cs typeface="DejaVu Sans"/>
-                          <a:ea typeface="DejaVu Sans"/>
-                          <a:sym typeface="DejaVu Sans"/>
+                          <a:latin typeface="Arial"/>
+                          <a:cs typeface="Arial"/>
+                          <a:ea typeface="Arial"/>
+                          <a:sym typeface="Arial"/>
                         </a:rPr>
                         <a:t>-</a:t>
                       </a:r>
                     </a:p>
                   </a:txBody>
-                  <a:tcPr anchor="ctr" marB="63500" marT="63500" marR="0" marL="0">
+                  <a:tcPr anchor="ctr" marB="0" marT="0" marR="0" marL="0">
                     <a:lnL algn="ctr" cmpd="sng" cap="flat" w="0">
                       <a:noFill/>
                       <a:prstDash val="solid"/>
@@ -11568,10 +11568,10 @@
                           <a:spcPct val="90000"/>
                         </a:lnSpc>
                         <a:spcBef>
-                          <a:spcPts val="500"/>
-                        </a:spcBef>
-                        <a:spcAft>
-                          <a:spcPts val="500"/>
+                          <a:spcPts val="0"/>
+                        </a:spcBef>
+                        <a:spcAft>
+                          <a:spcPts val="0"/>
                         </a:spcAft>
                         <a:buNone/>
                       </a:pPr>
@@ -11582,16 +11582,16 @@
                               <a:alpha val="100000"/>
                             </a:srgbClr>
                           </a:solidFill>
-                          <a:latin typeface="DejaVu Sans"/>
-                          <a:cs typeface="DejaVu Sans"/>
-                          <a:ea typeface="DejaVu Sans"/>
-                          <a:sym typeface="DejaVu Sans"/>
+                          <a:latin typeface="Arial"/>
+                          <a:cs typeface="Arial"/>
+                          <a:ea typeface="Arial"/>
+                          <a:sym typeface="Arial"/>
                         </a:rPr>
                         <a:t>-</a:t>
                       </a:r>
                     </a:p>
                   </a:txBody>
-                  <a:tcPr anchor="ctr" marB="63500" marT="63500" marR="0" marL="0">
+                  <a:tcPr anchor="ctr" marB="0" marT="0" marR="0" marL="0">
                     <a:lnL algn="ctr" cmpd="sng" cap="flat" w="0">
                       <a:noFill/>
                       <a:prstDash val="solid"/>
@@ -11629,10 +11629,10 @@
                           <a:spcPct val="90000"/>
                         </a:lnSpc>
                         <a:spcBef>
-                          <a:spcPts val="500"/>
-                        </a:spcBef>
-                        <a:spcAft>
-                          <a:spcPts val="500"/>
+                          <a:spcPts val="0"/>
+                        </a:spcBef>
+                        <a:spcAft>
+                          <a:spcPts val="0"/>
                         </a:spcAft>
                         <a:buNone/>
                       </a:pPr>
@@ -11643,16 +11643,16 @@
                               <a:alpha val="100000"/>
                             </a:srgbClr>
                           </a:solidFill>
-                          <a:latin typeface="DejaVu Sans"/>
-                          <a:cs typeface="DejaVu Sans"/>
-                          <a:ea typeface="DejaVu Sans"/>
-                          <a:sym typeface="DejaVu Sans"/>
+                          <a:latin typeface="Arial"/>
+                          <a:cs typeface="Arial"/>
+                          <a:ea typeface="Arial"/>
+                          <a:sym typeface="Arial"/>
                         </a:rPr>
                         <a:t>-</a:t>
                       </a:r>
                     </a:p>
                   </a:txBody>
-                  <a:tcPr anchor="ctr" marB="63500" marT="63500" marR="0" marL="0">
+                  <a:tcPr anchor="ctr" marB="0" marT="0" marR="0" marL="0">
                     <a:lnL algn="ctr" cmpd="sng" cap="flat" w="0">
                       <a:noFill/>
                       <a:prstDash val="solid"/>
